--- a/專案進度報告.pptx
+++ b/專案進度報告.pptx
@@ -5,10 +5,10 @@
     <p:sldMasterId id="2147483648" r:id="rId1"/>
   </p:sldMasterIdLst>
   <p:notesMasterIdLst>
-    <p:notesMasterId r:id="rId17"/>
+    <p:notesMasterId r:id="rId15"/>
   </p:notesMasterIdLst>
   <p:handoutMasterIdLst>
-    <p:handoutMasterId r:id="rId18"/>
+    <p:handoutMasterId r:id="rId16"/>
   </p:handoutMasterIdLst>
   <p:sldIdLst>
     <p:sldId id="259" r:id="rId2"/>
@@ -18,14 +18,12 @@
     <p:sldId id="1142" r:id="rId6"/>
     <p:sldId id="614" r:id="rId7"/>
     <p:sldId id="1250" r:id="rId8"/>
-    <p:sldId id="1258" r:id="rId9"/>
-    <p:sldId id="1256" r:id="rId10"/>
+    <p:sldId id="1256" r:id="rId9"/>
+    <p:sldId id="1260" r:id="rId10"/>
     <p:sldId id="1136" r:id="rId11"/>
-    <p:sldId id="1260" r:id="rId12"/>
-    <p:sldId id="1143" r:id="rId13"/>
-    <p:sldId id="1259" r:id="rId14"/>
-    <p:sldId id="302" r:id="rId15"/>
-    <p:sldId id="271" r:id="rId16"/>
+    <p:sldId id="1143" r:id="rId12"/>
+    <p:sldId id="302" r:id="rId13"/>
+    <p:sldId id="271" r:id="rId14"/>
   </p:sldIdLst>
   <p:sldSz cx="12192000" cy="6858000"/>
   <p:notesSz cx="6858000" cy="9144000"/>
@@ -159,20 +157,18 @@
         <p14:section name="系統分析" id="{9A21F2E2-4FC0-4A62-9703-93430BA9593A}">
           <p14:sldIdLst>
             <p14:sldId id="1250"/>
-            <p14:sldId id="1258"/>
             <p14:sldId id="1256"/>
           </p14:sldIdLst>
         </p14:section>
         <p14:section name="專案架構" id="{1EBCE073-09FA-4CD3-BDCF-56A4EDB986FF}">
           <p14:sldIdLst>
+            <p14:sldId id="1260"/>
             <p14:sldId id="1136"/>
-            <p14:sldId id="1260"/>
           </p14:sldIdLst>
         </p14:section>
         <p14:section name="成果展示(yyyy/mm/dd)" id="{70DC3051-68F9-4DEC-9A31-AFAFBB0B0227}">
           <p14:sldIdLst>
             <p14:sldId id="1143"/>
-            <p14:sldId id="1259"/>
           </p14:sldIdLst>
         </p14:section>
         <p14:section name="問題紀錄" id="{E54951B3-F25C-472E-B15E-EA7E37F6D2ED}">
@@ -223,20 +219,6 @@
 </p:cmLst>
 </file>
 
-<file path=ppt/comments/comment2.xml><?xml version="1.0" encoding="utf-8"?>
-<p:cmLst xmlns:a="http://schemas.openxmlformats.org/drawingml/2006/main" xmlns:r="http://schemas.openxmlformats.org/officeDocument/2006/relationships" xmlns:p="http://schemas.openxmlformats.org/presentationml/2006/main">
-  <p:cm authorId="1" dt="2024-11-19T00:50:37.393" idx="1">
-    <p:pos x="10" y="10"/>
-    <p:text/>
-    <p:extLst>
-      <p:ext uri="{C676402C-5697-4E1C-873F-D02D1690AC5C}">
-        <p15:threadingInfo xmlns:p15="http://schemas.microsoft.com/office/powerpoint/2012/main" timeZoneBias="-480"/>
-      </p:ext>
-    </p:extLst>
-  </p:cm>
-</p:cmLst>
-</file>
-
 <file path=ppt/handoutMasters/handoutMaster1.xml><?xml version="1.0" encoding="utf-8"?>
 <p:handoutMaster xmlns:a="http://schemas.openxmlformats.org/drawingml/2006/main" xmlns:r="http://schemas.openxmlformats.org/officeDocument/2006/relationships" xmlns:p="http://schemas.openxmlformats.org/presentationml/2006/main">
   <p:cSld>
@@ -323,7 +305,7 @@
               <a:rPr lang="zh-TW" altLang="en-US" smtClean="0">
                 <a:ea typeface="標楷體" panose="03000509000000000000" pitchFamily="65" charset="-120"/>
               </a:rPr>
-              <a:t>2024/11/22</a:t>
+              <a:t>2024/12/12</a:t>
             </a:fld>
             <a:endParaRPr lang="zh-TW" altLang="en-US" dirty="0">
               <a:ea typeface="標楷體" panose="03000509000000000000" pitchFamily="65" charset="-120"/>
@@ -501,7 +483,7 @@
             <a:fld id="{2CB905C5-9D54-40E2-B40C-7996280CAB02}" type="datetimeFigureOut">
               <a:rPr lang="zh-TW" altLang="en-US" smtClean="0"/>
               <a:pPr/>
-              <a:t>2024/11/22</a:t>
+              <a:t>2024/12/12</a:t>
             </a:fld>
             <a:endParaRPr lang="zh-TW" altLang="en-US" dirty="0"/>
           </a:p>
@@ -1090,7 +1072,7 @@
           <a:p>
             <a:fld id="{EF8A6B0B-A5FB-4629-B823-69B1A9EB3A43}" type="slidenum">
               <a:rPr lang="zh-TW" altLang="en-US" smtClean="0"/>
-              <a:t>12</a:t>
+              <a:t>11</a:t>
             </a:fld>
             <a:endParaRPr lang="zh-TW" altLang="en-US"/>
           </a:p>
@@ -1174,91 +1156,7 @@
           <a:p>
             <a:fld id="{EF8A6B0B-A5FB-4629-B823-69B1A9EB3A43}" type="slidenum">
               <a:rPr lang="zh-TW" altLang="en-US" smtClean="0"/>
-              <a:t>13</a:t>
-            </a:fld>
-            <a:endParaRPr lang="zh-TW" altLang="en-US"/>
-          </a:p>
-        </p:txBody>
-      </p:sp>
-    </p:spTree>
-    <p:extLst>
-      <p:ext uri="{BB962C8B-B14F-4D97-AF65-F5344CB8AC3E}">
-        <p14:creationId xmlns:p14="http://schemas.microsoft.com/office/powerpoint/2010/main" val="2830693287"/>
-      </p:ext>
-    </p:extLst>
-  </p:cSld>
-  <p:clrMapOvr>
-    <a:masterClrMapping/>
-  </p:clrMapOvr>
-</p:notes>
-</file>
-
-<file path=ppt/notesSlides/notesSlide6.xml><?xml version="1.0" encoding="utf-8"?>
-<p:notes xmlns:a="http://schemas.openxmlformats.org/drawingml/2006/main" xmlns:r="http://schemas.openxmlformats.org/officeDocument/2006/relationships" xmlns:p="http://schemas.openxmlformats.org/presentationml/2006/main">
-  <p:cSld>
-    <p:spTree>
-      <p:nvGrpSpPr>
-        <p:cNvPr id="1" name=""/>
-        <p:cNvGrpSpPr/>
-        <p:nvPr/>
-      </p:nvGrpSpPr>
-      <p:grpSpPr>
-        <a:xfrm>
-          <a:off x="0" y="0"/>
-          <a:ext cx="0" cy="0"/>
-          <a:chOff x="0" y="0"/>
-          <a:chExt cx="0" cy="0"/>
-        </a:xfrm>
-      </p:grpSpPr>
-      <p:sp>
-        <p:nvSpPr>
-          <p:cNvPr id="2" name="投影片圖像版面配置區 1"/>
-          <p:cNvSpPr>
-            <a:spLocks noGrp="1" noRot="1" noChangeAspect="1"/>
-          </p:cNvSpPr>
-          <p:nvPr>
-            <p:ph type="sldImg"/>
-          </p:nvPr>
-        </p:nvSpPr>
-        <p:spPr/>
-      </p:sp>
-      <p:sp>
-        <p:nvSpPr>
-          <p:cNvPr id="3" name="備忘稿版面配置區 2"/>
-          <p:cNvSpPr>
-            <a:spLocks noGrp="1"/>
-          </p:cNvSpPr>
-          <p:nvPr>
-            <p:ph type="body" idx="1"/>
-          </p:nvPr>
-        </p:nvSpPr>
-        <p:spPr/>
-        <p:txBody>
-          <a:bodyPr/>
-          <a:lstStyle/>
-          <a:p>
-            <a:endParaRPr lang="zh-TW" altLang="en-US" dirty="0"/>
-          </a:p>
-        </p:txBody>
-      </p:sp>
-      <p:sp>
-        <p:nvSpPr>
-          <p:cNvPr id="4" name="投影片編號版面配置區 3"/>
-          <p:cNvSpPr>
-            <a:spLocks noGrp="1"/>
-          </p:cNvSpPr>
-          <p:nvPr>
-            <p:ph type="sldNum" sz="quarter" idx="10"/>
-          </p:nvPr>
-        </p:nvSpPr>
-        <p:spPr/>
-        <p:txBody>
-          <a:bodyPr/>
-          <a:lstStyle/>
-          <a:p>
-            <a:fld id="{EF8A6B0B-A5FB-4629-B823-69B1A9EB3A43}" type="slidenum">
-              <a:rPr lang="zh-TW" altLang="en-US" smtClean="0"/>
-              <a:t>14</a:t>
+              <a:t>12</a:t>
             </a:fld>
             <a:endParaRPr lang="zh-TW" altLang="en-US"/>
           </a:p>
@@ -1411,7 +1309,7 @@
           <a:p>
             <a:fld id="{0C0CC965-A63A-473D-BEFB-C8F9714D5269}" type="datetimeFigureOut">
               <a:rPr lang="zh-TW" altLang="en-US" smtClean="0"/>
-              <a:t>2024/11/22</a:t>
+              <a:t>2024/12/12</a:t>
             </a:fld>
             <a:endParaRPr lang="zh-TW" altLang="en-US"/>
           </a:p>
@@ -1579,7 +1477,7 @@
           <a:p>
             <a:fld id="{0C0CC965-A63A-473D-BEFB-C8F9714D5269}" type="datetimeFigureOut">
               <a:rPr lang="zh-TW" altLang="en-US" smtClean="0"/>
-              <a:t>2024/11/22</a:t>
+              <a:t>2024/12/12</a:t>
             </a:fld>
             <a:endParaRPr lang="zh-TW" altLang="en-US"/>
           </a:p>
@@ -1757,7 +1655,7 @@
           <a:p>
             <a:fld id="{0C0CC965-A63A-473D-BEFB-C8F9714D5269}" type="datetimeFigureOut">
               <a:rPr lang="zh-TW" altLang="en-US" smtClean="0"/>
-              <a:t>2024/11/22</a:t>
+              <a:t>2024/12/12</a:t>
             </a:fld>
             <a:endParaRPr lang="zh-TW" altLang="en-US"/>
           </a:p>
@@ -1979,7 +1877,7 @@
           <a:p>
             <a:fld id="{0C0CC965-A63A-473D-BEFB-C8F9714D5269}" type="datetimeFigureOut">
               <a:rPr lang="zh-TW" altLang="en-US" smtClean="0"/>
-              <a:t>2024/11/22</a:t>
+              <a:t>2024/12/12</a:t>
             </a:fld>
             <a:endParaRPr lang="zh-TW" altLang="en-US"/>
           </a:p>
@@ -2174,7 +2072,7 @@
           <a:p>
             <a:fld id="{0C0CC965-A63A-473D-BEFB-C8F9714D5269}" type="datetimeFigureOut">
               <a:rPr lang="zh-TW" altLang="en-US" smtClean="0"/>
-              <a:t>2024/11/22</a:t>
+              <a:t>2024/12/12</a:t>
             </a:fld>
             <a:endParaRPr lang="zh-TW" altLang="en-US"/>
           </a:p>
@@ -2419,7 +2317,7 @@
           <a:p>
             <a:fld id="{0C0CC965-A63A-473D-BEFB-C8F9714D5269}" type="datetimeFigureOut">
               <a:rPr lang="zh-TW" altLang="en-US" smtClean="0"/>
-              <a:t>2024/11/22</a:t>
+              <a:t>2024/12/12</a:t>
             </a:fld>
             <a:endParaRPr lang="zh-TW" altLang="en-US"/>
           </a:p>
@@ -2648,7 +2546,7 @@
           <a:p>
             <a:fld id="{0C0CC965-A63A-473D-BEFB-C8F9714D5269}" type="datetimeFigureOut">
               <a:rPr lang="zh-TW" altLang="en-US" smtClean="0"/>
-              <a:t>2024/11/22</a:t>
+              <a:t>2024/12/12</a:t>
             </a:fld>
             <a:endParaRPr lang="zh-TW" altLang="en-US"/>
           </a:p>
@@ -3012,7 +2910,7 @@
           <a:p>
             <a:fld id="{0C0CC965-A63A-473D-BEFB-C8F9714D5269}" type="datetimeFigureOut">
               <a:rPr lang="zh-TW" altLang="en-US" smtClean="0"/>
-              <a:t>2024/11/22</a:t>
+              <a:t>2024/12/12</a:t>
             </a:fld>
             <a:endParaRPr lang="zh-TW" altLang="en-US"/>
           </a:p>
@@ -3129,7 +3027,7 @@
           <a:p>
             <a:fld id="{0C0CC965-A63A-473D-BEFB-C8F9714D5269}" type="datetimeFigureOut">
               <a:rPr lang="zh-TW" altLang="en-US" smtClean="0"/>
-              <a:t>2024/11/22</a:t>
+              <a:t>2024/12/12</a:t>
             </a:fld>
             <a:endParaRPr lang="zh-TW" altLang="en-US"/>
           </a:p>
@@ -3224,7 +3122,7 @@
           <a:p>
             <a:fld id="{0C0CC965-A63A-473D-BEFB-C8F9714D5269}" type="datetimeFigureOut">
               <a:rPr lang="zh-TW" altLang="en-US" smtClean="0"/>
-              <a:t>2024/11/22</a:t>
+              <a:t>2024/12/12</a:t>
             </a:fld>
             <a:endParaRPr lang="zh-TW" altLang="en-US"/>
           </a:p>
@@ -3499,7 +3397,7 @@
           <a:p>
             <a:fld id="{0C0CC965-A63A-473D-BEFB-C8F9714D5269}" type="datetimeFigureOut">
               <a:rPr lang="zh-TW" altLang="en-US" smtClean="0"/>
-              <a:t>2024/11/22</a:t>
+              <a:t>2024/12/12</a:t>
             </a:fld>
             <a:endParaRPr lang="zh-TW" altLang="en-US"/>
           </a:p>
@@ -3751,7 +3649,7 @@
           <a:p>
             <a:fld id="{0C0CC965-A63A-473D-BEFB-C8F9714D5269}" type="datetimeFigureOut">
               <a:rPr lang="zh-TW" altLang="en-US" smtClean="0"/>
-              <a:t>2024/11/22</a:t>
+              <a:t>2024/12/12</a:t>
             </a:fld>
             <a:endParaRPr lang="zh-TW" altLang="en-US"/>
           </a:p>
@@ -3965,7 +3863,7 @@
             <a:fld id="{0C0CC965-A63A-473D-BEFB-C8F9714D5269}" type="datetimeFigureOut">
               <a:rPr lang="zh-TW" altLang="en-US" smtClean="0"/>
               <a:pPr/>
-              <a:t>2024/11/22</a:t>
+              <a:t>2024/12/12</a:t>
             </a:fld>
             <a:endParaRPr lang="zh-TW" altLang="en-US"/>
           </a:p>
@@ -4572,7 +4470,7 @@
             </a:r>
             <a:r>
               <a:rPr lang="en-US" altLang="zh-TW" dirty="0"/>
-              <a:t>11</a:t>
+              <a:t>12</a:t>
             </a:r>
             <a:r>
               <a:rPr lang="zh-TW" altLang="en-US" dirty="0"/>
@@ -4580,7 +4478,7 @@
             </a:r>
             <a:r>
               <a:rPr lang="en-US" altLang="zh-TW" dirty="0"/>
-              <a:t>22</a:t>
+              <a:t>13</a:t>
             </a:r>
             <a:r>
               <a:rPr lang="zh-TW" altLang="en-US" dirty="0"/>
@@ -4611,7 +4509,7 @@
             </a:r>
             <a:r>
               <a:rPr lang="en-US" altLang="zh-TW" dirty="0"/>
-              <a:t>11</a:t>
+              <a:t>25</a:t>
             </a:r>
             <a:r>
               <a:rPr lang="zh-TW" altLang="en-US" dirty="0"/>
@@ -4634,7 +4532,7 @@
             </a:r>
             <a:r>
               <a:rPr lang="en-US" altLang="zh-TW" dirty="0"/>
-              <a:t>11</a:t>
+              <a:t>12</a:t>
             </a:r>
             <a:r>
               <a:rPr lang="zh-TW" altLang="en-US" dirty="0"/>
@@ -4642,7 +4540,7 @@
             </a:r>
             <a:r>
               <a:rPr lang="en-US" altLang="zh-TW" dirty="0"/>
-              <a:t>21</a:t>
+              <a:t>12</a:t>
             </a:r>
             <a:r>
               <a:rPr lang="zh-TW" altLang="en-US" dirty="0"/>
@@ -4724,7 +4622,7 @@
                   <a:srgbClr val="FFFF00"/>
                 </a:highlight>
               </a:rPr>
-              <a:t>2024/11/19</a:t>
+              <a:t>2024/12/10</a:t>
             </a:r>
             <a:r>
               <a:rPr lang="zh-TW" altLang="en-US" sz="4000" dirty="0">
@@ -4760,14 +4658,14 @@
           <p:nvPr>
             <p:extLst>
               <p:ext uri="{D42A27DB-BD31-4B8C-83A1-F6EECF244321}">
-                <p14:modId xmlns:p14="http://schemas.microsoft.com/office/powerpoint/2010/main" val="132389052"/>
+                <p14:modId xmlns:p14="http://schemas.microsoft.com/office/powerpoint/2010/main" val="1681993382"/>
               </p:ext>
             </p:extLst>
           </p:nvPr>
         </p:nvGraphicFramePr>
         <p:xfrm>
           <a:off x="1268135" y="1424341"/>
-          <a:ext cx="9655729" cy="3505200"/>
+          <a:ext cx="9655729" cy="2494280"/>
         </p:xfrm>
         <a:graphic>
           <a:graphicData uri="http://schemas.openxmlformats.org/drawingml/2006/table">
@@ -4853,11 +4751,7 @@
                       </a:r>
                       <a:r>
                         <a:rPr lang="en-US" altLang="zh-TW" dirty="0"/>
-                        <a:t>:</a:t>
-                      </a:r>
-                      <a:r>
-                        <a:rPr lang="en-US" altLang="zh-TW" dirty="0" err="1"/>
-                        <a:t>clk,reset,up_down,enable,start,end</a:t>
+                        <a:t>:clk,reset,count1, count2,</a:t>
                       </a:r>
                       <a:endParaRPr lang="zh-TW" altLang="en-US" dirty="0"/>
                     </a:p>
@@ -4935,26 +4829,6 @@
                     <a:bodyPr/>
                     <a:lstStyle/>
                     <a:p>
-                      <a:r>
-                        <a:rPr lang="zh-TW" altLang="en-US" dirty="0"/>
-                        <a:t>內部邏輯</a:t>
-                      </a:r>
-                      <a:r>
-                        <a:rPr lang="en-US" altLang="zh-TW" dirty="0"/>
-                        <a:t>/</a:t>
-                      </a:r>
-                      <a:r>
-                        <a:rPr lang="zh-TW" altLang="en-US" dirty="0"/>
-                        <a:t>訊號 </a:t>
-                      </a:r>
-                      <a:r>
-                        <a:rPr lang="en-US" altLang="zh-TW" dirty="0"/>
-                        <a:t>: </a:t>
-                      </a:r>
-                      <a:r>
-                        <a:rPr lang="en-US" altLang="zh-TW" dirty="0" err="1"/>
-                        <a:t>currentCount</a:t>
-                      </a:r>
                       <a:endParaRPr lang="zh-TW" altLang="en-US" dirty="0"/>
                     </a:p>
                   </a:txBody>
@@ -4966,12 +4840,8 @@
                     <a:lstStyle/>
                     <a:p>
                       <a:r>
-                        <a:rPr lang="en-US" altLang="zh-TW" dirty="0" err="1"/>
-                        <a:t>upDown</a:t>
-                      </a:r>
-                      <a:r>
                         <a:rPr lang="en-US" altLang="zh-TW" dirty="0"/>
-                        <a:t>=1 </a:t>
+                        <a:t>count1 </a:t>
                       </a:r>
                       <a:r>
                         <a:rPr lang="zh-TW" altLang="en-US" dirty="0"/>
@@ -5004,12 +4874,8 @@
                     <a:lstStyle/>
                     <a:p>
                       <a:r>
-                        <a:rPr lang="en-US" altLang="zh-TW" dirty="0" err="1"/>
-                        <a:t>upDown</a:t>
-                      </a:r>
-                      <a:r>
                         <a:rPr lang="en-US" altLang="zh-TW" dirty="0"/>
-                        <a:t>=0 </a:t>
+                        <a:t>Count2 </a:t>
                       </a:r>
                       <a:r>
                         <a:rPr lang="zh-TW" altLang="en-US" dirty="0"/>
@@ -5041,22 +4907,7 @@
                     <a:bodyPr/>
                     <a:lstStyle/>
                     <a:p>
-                      <a:r>
-                        <a:rPr lang="en-US" altLang="zh-TW" dirty="0"/>
-                        <a:t>enable</a:t>
-                      </a:r>
-                      <a:r>
-                        <a:rPr lang="zh-TW" altLang="en-US" dirty="0"/>
-                        <a:t> </a:t>
-                      </a:r>
-                      <a:r>
-                        <a:rPr lang="en-US" altLang="zh-TW" dirty="0"/>
-                        <a:t>:</a:t>
-                      </a:r>
-                      <a:r>
-                        <a:rPr lang="zh-TW" altLang="en-US" dirty="0"/>
-                        <a:t> 高電位時計數器運行，低電位則保持當前數值</a:t>
-                      </a:r>
+                      <a:endParaRPr lang="zh-TW" altLang="en-US" dirty="0"/>
                     </a:p>
                   </a:txBody>
                   <a:tcPr/>
@@ -5064,91 +4915,6 @@
                 <a:extLst>
                   <a:ext uri="{0D108BD9-81ED-4DB2-BD59-A6C34878D82A}">
                     <a16:rowId xmlns:a16="http://schemas.microsoft.com/office/drawing/2014/main" val="92293949"/>
-                  </a:ext>
-                </a:extLst>
-              </a:tr>
-              <a:tr h="370840">
-                <a:tc>
-                  <a:txBody>
-                    <a:bodyPr/>
-                    <a:lstStyle/>
-                    <a:p>
-                      <a:endParaRPr lang="zh-TW" altLang="en-US" dirty="0"/>
-                    </a:p>
-                  </a:txBody>
-                  <a:tcPr/>
-                </a:tc>
-                <a:tc>
-                  <a:txBody>
-                    <a:bodyPr/>
-                    <a:lstStyle/>
-                    <a:p>
-                      <a:r>
-                        <a:rPr lang="en-US" altLang="zh-TW" dirty="0"/>
-                        <a:t>Start :</a:t>
-                      </a:r>
-                      <a:r>
-                        <a:rPr lang="zh-TW" altLang="en-US" dirty="0"/>
-                        <a:t> 設定上限數值</a:t>
-                      </a:r>
-                    </a:p>
-                  </a:txBody>
-                  <a:tcPr/>
-                </a:tc>
-                <a:extLst>
-                  <a:ext uri="{0D108BD9-81ED-4DB2-BD59-A6C34878D82A}">
-                    <a16:rowId xmlns:a16="http://schemas.microsoft.com/office/drawing/2014/main" val="1624839112"/>
-                  </a:ext>
-                </a:extLst>
-              </a:tr>
-              <a:tr h="370840">
-                <a:tc>
-                  <a:txBody>
-                    <a:bodyPr/>
-                    <a:lstStyle/>
-                    <a:p>
-                      <a:endParaRPr lang="zh-TW" altLang="en-US" dirty="0"/>
-                    </a:p>
-                  </a:txBody>
-                  <a:tcPr/>
-                </a:tc>
-                <a:tc>
-                  <a:txBody>
-                    <a:bodyPr/>
-                    <a:lstStyle/>
-                    <a:p>
-                      <a:pPr marL="0" marR="0" lvl="0" indent="0" algn="l" defTabSz="914400" rtl="0" eaLnBrk="1" fontAlgn="auto" latinLnBrk="0" hangingPunct="1">
-                        <a:lnSpc>
-                          <a:spcPct val="100000"/>
-                        </a:lnSpc>
-                        <a:spcBef>
-                          <a:spcPts val="0"/>
-                        </a:spcBef>
-                        <a:spcAft>
-                          <a:spcPts val="0"/>
-                        </a:spcAft>
-                        <a:buClrTx/>
-                        <a:buSzTx/>
-                        <a:buFontTx/>
-                        <a:buNone/>
-                        <a:tabLst/>
-                        <a:defRPr/>
-                      </a:pPr>
-                      <a:r>
-                        <a:rPr lang="en-US" altLang="zh-TW" dirty="0"/>
-                        <a:t>End :</a:t>
-                      </a:r>
-                      <a:r>
-                        <a:rPr lang="zh-TW" altLang="en-US" dirty="0"/>
-                        <a:t> 設定下限數值</a:t>
-                      </a:r>
-                    </a:p>
-                  </a:txBody>
-                  <a:tcPr/>
-                </a:tc>
-                <a:extLst>
-                  <a:ext uri="{0D108BD9-81ED-4DB2-BD59-A6C34878D82A}">
-                    <a16:rowId xmlns:a16="http://schemas.microsoft.com/office/drawing/2014/main" val="2728080452"/>
                   </a:ext>
                 </a:extLst>
               </a:tr>
@@ -5188,13 +4954,7 @@
       </p:grpSpPr>
       <p:sp>
         <p:nvSpPr>
-          <p:cNvPr id="3" name="標題 2">
-            <a:extLst>
-              <a:ext uri="{FF2B5EF4-FFF2-40B4-BE49-F238E27FC236}">
-                <a16:creationId xmlns:a16="http://schemas.microsoft.com/office/drawing/2014/main" id="{D14AA6F3-D605-4F7A-A6AA-3E80A02F0E27}"/>
-              </a:ext>
-            </a:extLst>
-          </p:cNvPr>
+          <p:cNvPr id="3" name="標題 2"/>
           <p:cNvSpPr>
             <a:spLocks noGrp="1"/>
           </p:cNvSpPr>
@@ -5202,23 +4962,32 @@
             <p:ph type="title"/>
           </p:nvPr>
         </p:nvSpPr>
-        <p:spPr/>
+        <p:spPr>
+          <a:xfrm>
+            <a:off x="838200" y="365125"/>
+            <a:ext cx="10515600" cy="720000"/>
+          </a:xfrm>
+        </p:spPr>
         <p:txBody>
           <a:bodyPr>
-            <a:normAutofit/>
+            <a:noAutofit/>
           </a:bodyPr>
           <a:lstStyle/>
           <a:p>
             <a:r>
-              <a:rPr lang="zh-TW" altLang="en-US" sz="4000" dirty="0"/>
-              <a:t>專案架構圖 </a:t>
-            </a:r>
-            <a:r>
-              <a:rPr lang="en-US" altLang="zh-TW" sz="4000" dirty="0"/>
-              <a:t>(</a:t>
-            </a:r>
-            <a:r>
-              <a:rPr lang="en-US" altLang="zh-TW" sz="4000" dirty="0">
+              <a:rPr lang="zh-TW" altLang="en-US" sz="3200" dirty="0"/>
+              <a:t>成果展示 </a:t>
+            </a:r>
+            <a:r>
+              <a:rPr lang="en-US" altLang="zh-TW" sz="3200" dirty="0"/>
+              <a:t>–</a:t>
+            </a:r>
+            <a:r>
+              <a:rPr lang="zh-TW" altLang="en-US" sz="3200" dirty="0"/>
+              <a:t> </a:t>
+            </a:r>
+            <a:r>
+              <a:rPr lang="zh-TW" altLang="en-US" sz="3200" dirty="0">
                 <a:solidFill>
                   <a:srgbClr val="FF0000"/>
                 </a:solidFill>
@@ -5226,10 +4995,18 @@
                   <a:srgbClr val="FFFF00"/>
                 </a:highlight>
               </a:rPr>
-              <a:t>2024/11/19</a:t>
-            </a:r>
-            <a:r>
-              <a:rPr lang="zh-TW" altLang="en-US" sz="4000" dirty="0">
+              <a:t>週進度項目</a:t>
+            </a:r>
+            <a:r>
+              <a:rPr lang="zh-TW" altLang="en-US" sz="3200" dirty="0"/>
+              <a:t> </a:t>
+            </a:r>
+            <a:r>
+              <a:rPr lang="en-US" altLang="zh-TW" sz="3200" dirty="0"/>
+              <a:t>(</a:t>
+            </a:r>
+            <a:r>
+              <a:rPr lang="en-US" altLang="zh-TW" sz="3200" dirty="0">
                 <a:solidFill>
                   <a:srgbClr val="FF0000"/>
                 </a:solidFill>
@@ -5237,536 +5014,329 @@
                   <a:srgbClr val="FFFF00"/>
                 </a:highlight>
               </a:rPr>
-              <a:t>更新</a:t>
-            </a:r>
-            <a:r>
-              <a:rPr lang="en-US" altLang="zh-TW" sz="4000" dirty="0"/>
+              <a:t>2024/12/10</a:t>
+            </a:r>
+            <a:r>
+              <a:rPr lang="en-US" altLang="zh-TW" sz="3200" dirty="0"/>
               <a:t>)</a:t>
             </a:r>
-            <a:endParaRPr lang="zh-TW" altLang="en-US" sz="4000" dirty="0"/>
-          </a:p>
-        </p:txBody>
-      </p:sp>
-      <p:graphicFrame>
-        <p:nvGraphicFramePr>
-          <p:cNvPr id="7" name="內容版面配置區 6">
+            <a:endParaRPr lang="zh-TW" altLang="en-US" sz="3200" dirty="0"/>
+          </a:p>
+        </p:txBody>
+      </p:sp>
+      <p:sp>
+        <p:nvSpPr>
+          <p:cNvPr id="4" name="文字方塊 3">
             <a:extLst>
               <a:ext uri="{FF2B5EF4-FFF2-40B4-BE49-F238E27FC236}">
-                <a16:creationId xmlns:a16="http://schemas.microsoft.com/office/drawing/2014/main" id="{3D72AA06-64F8-4FD2-964D-19C24408AC74}"/>
+                <a16:creationId xmlns:a16="http://schemas.microsoft.com/office/drawing/2014/main" id="{DAF2B939-EF24-4ACE-A81B-956593E5A932}"/>
               </a:ext>
             </a:extLst>
           </p:cNvPr>
-          <p:cNvGraphicFramePr>
-            <a:graphicFrameLocks noGrp="1"/>
-          </p:cNvGraphicFramePr>
-          <p:nvPr>
-            <p:ph idx="1"/>
-            <p:extLst>
-              <p:ext uri="{D42A27DB-BD31-4B8C-83A1-F6EECF244321}">
-                <p14:modId xmlns:p14="http://schemas.microsoft.com/office/powerpoint/2010/main" val="109887494"/>
-              </p:ext>
-            </p:extLst>
-          </p:nvPr>
-        </p:nvGraphicFramePr>
-        <p:xfrm>
-          <a:off x="838200" y="1411462"/>
-          <a:ext cx="10515600" cy="4394200"/>
-        </p:xfrm>
-        <a:graphic>
-          <a:graphicData uri="http://schemas.openxmlformats.org/drawingml/2006/table">
-            <a:tbl>
-              <a:tblPr firstRow="1" bandRow="1">
-                <a:tableStyleId>{5C22544A-7EE6-4342-B048-85BDC9FD1C3A}</a:tableStyleId>
-              </a:tblPr>
-              <a:tblGrid>
-                <a:gridCol w="2628900">
-                  <a:extLst>
-                    <a:ext uri="{9D8B030D-6E8A-4147-A177-3AD203B41FA5}">
-                      <a16:colId xmlns:a16="http://schemas.microsoft.com/office/drawing/2014/main" val="799820144"/>
-                    </a:ext>
-                  </a:extLst>
-                </a:gridCol>
-                <a:gridCol w="2628900">
-                  <a:extLst>
-                    <a:ext uri="{9D8B030D-6E8A-4147-A177-3AD203B41FA5}">
-                      <a16:colId xmlns:a16="http://schemas.microsoft.com/office/drawing/2014/main" val="4268978922"/>
-                    </a:ext>
-                  </a:extLst>
-                </a:gridCol>
-                <a:gridCol w="2628900">
-                  <a:extLst>
-                    <a:ext uri="{9D8B030D-6E8A-4147-A177-3AD203B41FA5}">
-                      <a16:colId xmlns:a16="http://schemas.microsoft.com/office/drawing/2014/main" val="2891022280"/>
-                    </a:ext>
-                  </a:extLst>
-                </a:gridCol>
-                <a:gridCol w="2628900">
-                  <a:extLst>
-                    <a:ext uri="{9D8B030D-6E8A-4147-A177-3AD203B41FA5}">
-                      <a16:colId xmlns:a16="http://schemas.microsoft.com/office/drawing/2014/main" val="3878965913"/>
-                    </a:ext>
-                  </a:extLst>
-                </a:gridCol>
-              </a:tblGrid>
-              <a:tr h="370840">
-                <a:tc>
-                  <a:txBody>
-                    <a:bodyPr/>
-                    <a:lstStyle/>
-                    <a:p>
-                      <a:r>
-                        <a:rPr lang="zh-TW" altLang="en-US" b="1"/>
-                        <a:t>層級</a:t>
-                      </a:r>
-                      <a:endParaRPr lang="zh-TW" altLang="en-US"/>
-                    </a:p>
-                  </a:txBody>
-                  <a:tcPr anchor="ctr"/>
-                </a:tc>
-                <a:tc>
-                  <a:txBody>
-                    <a:bodyPr/>
-                    <a:lstStyle/>
-                    <a:p>
-                      <a:r>
-                        <a:rPr lang="zh-TW" altLang="en-US" dirty="0"/>
-                        <a:t>名稱</a:t>
-                      </a:r>
-                    </a:p>
-                  </a:txBody>
-                  <a:tcPr anchor="ctr"/>
-                </a:tc>
-                <a:tc>
-                  <a:txBody>
-                    <a:bodyPr/>
-                    <a:lstStyle/>
-                    <a:p>
-                      <a:r>
-                        <a:rPr lang="zh-TW" altLang="en-US" dirty="0"/>
-                        <a:t>描述</a:t>
-                      </a:r>
-                    </a:p>
-                  </a:txBody>
-                  <a:tcPr anchor="ctr"/>
-                </a:tc>
-                <a:tc>
-                  <a:txBody>
-                    <a:bodyPr/>
-                    <a:lstStyle/>
-                    <a:p>
-                      <a:r>
-                        <a:rPr lang="zh-TW" altLang="en-US" dirty="0"/>
-                        <a:t>內容</a:t>
-                      </a:r>
-                    </a:p>
-                  </a:txBody>
-                  <a:tcPr anchor="ctr"/>
-                </a:tc>
-                <a:extLst>
-                  <a:ext uri="{0D108BD9-81ED-4DB2-BD59-A6C34878D82A}">
-                    <a16:rowId xmlns:a16="http://schemas.microsoft.com/office/drawing/2014/main" val="1247339839"/>
-                  </a:ext>
-                </a:extLst>
-              </a:tr>
-              <a:tr h="370840">
-                <a:tc>
-                  <a:txBody>
-                    <a:bodyPr/>
-                    <a:lstStyle/>
-                    <a:p>
-                      <a:r>
-                        <a:rPr lang="zh-TW" altLang="en-US" dirty="0"/>
-                        <a:t>程式層級</a:t>
-                      </a:r>
-                    </a:p>
-                  </a:txBody>
-                  <a:tcPr/>
-                </a:tc>
-                <a:tc>
-                  <a:txBody>
-                    <a:bodyPr/>
-                    <a:lstStyle/>
-                    <a:p>
-                      <a:pPr marL="0" marR="0" lvl="0" indent="0" algn="l" defTabSz="914400" rtl="0" eaLnBrk="1" fontAlgn="auto" latinLnBrk="0" hangingPunct="1">
-                        <a:lnSpc>
-                          <a:spcPct val="100000"/>
-                        </a:lnSpc>
-                        <a:spcBef>
-                          <a:spcPts val="0"/>
-                        </a:spcBef>
-                        <a:spcAft>
-                          <a:spcPts val="0"/>
-                        </a:spcAft>
-                        <a:buClrTx/>
-                        <a:buSzTx/>
-                        <a:buFontTx/>
-                        <a:buNone/>
-                        <a:tabLst/>
-                        <a:defRPr/>
-                      </a:pPr>
-                      <a:r>
-                        <a:rPr lang="en-US" altLang="zh-TW" dirty="0" err="1"/>
-                        <a:t>Count.vhd</a:t>
-                      </a:r>
-                      <a:endParaRPr lang="zh-TW" altLang="en-US" dirty="0"/>
-                    </a:p>
-                    <a:p>
-                      <a:r>
-                        <a:rPr lang="en-US" altLang="zh-TW" dirty="0"/>
-                        <a:t>Count99.vhd</a:t>
-                      </a:r>
-                      <a:endParaRPr lang="zh-TW" altLang="en-US" dirty="0"/>
-                    </a:p>
-                  </a:txBody>
-                  <a:tcPr/>
-                </a:tc>
-                <a:tc>
-                  <a:txBody>
-                    <a:bodyPr/>
-                    <a:lstStyle/>
-                    <a:p>
-                      <a:r>
-                        <a:rPr lang="zh-TW" altLang="en-US" dirty="0"/>
-                        <a:t>雙計數器的主程式檔案。</a:t>
-                      </a:r>
-                    </a:p>
-                  </a:txBody>
-                  <a:tcPr/>
-                </a:tc>
-                <a:tc>
-                  <a:txBody>
-                    <a:bodyPr/>
-                    <a:lstStyle/>
-                    <a:p>
-                      <a:r>
-                        <a:rPr lang="zh-TW" altLang="en-US" dirty="0"/>
-                        <a:t>定義兩個計數器的邏輯及其上下限與方向的控制。</a:t>
-                      </a:r>
-                    </a:p>
-                  </a:txBody>
-                  <a:tcPr/>
-                </a:tc>
-                <a:extLst>
-                  <a:ext uri="{0D108BD9-81ED-4DB2-BD59-A6C34878D82A}">
-                    <a16:rowId xmlns:a16="http://schemas.microsoft.com/office/drawing/2014/main" val="1150653897"/>
-                  </a:ext>
-                </a:extLst>
-              </a:tr>
-              <a:tr h="370840">
-                <a:tc>
-                  <a:txBody>
-                    <a:bodyPr/>
-                    <a:lstStyle/>
-                    <a:p>
-                      <a:r>
-                        <a:rPr lang="zh-TW" altLang="en-US" dirty="0"/>
-                        <a:t>測試層級</a:t>
-                      </a:r>
-                    </a:p>
-                  </a:txBody>
-                  <a:tcPr/>
-                </a:tc>
-                <a:tc>
-                  <a:txBody>
-                    <a:bodyPr/>
-                    <a:lstStyle/>
-                    <a:p>
-                      <a:pPr marL="0" marR="0" lvl="0" indent="0" algn="l" defTabSz="914400" rtl="0" eaLnBrk="1" fontAlgn="auto" latinLnBrk="0" hangingPunct="1">
-                        <a:lnSpc>
-                          <a:spcPct val="100000"/>
-                        </a:lnSpc>
-                        <a:spcBef>
-                          <a:spcPts val="0"/>
-                        </a:spcBef>
-                        <a:spcAft>
-                          <a:spcPts val="0"/>
-                        </a:spcAft>
-                        <a:buClrTx/>
-                        <a:buSzTx/>
-                        <a:buFontTx/>
-                        <a:buNone/>
-                        <a:tabLst/>
-                        <a:defRPr/>
-                      </a:pPr>
-                      <a:r>
-                        <a:rPr lang="en-US" altLang="zh-TW" dirty="0" err="1"/>
-                        <a:t>Count.tb</a:t>
-                      </a:r>
-                      <a:endParaRPr lang="en-US" altLang="zh-TW" dirty="0"/>
-                    </a:p>
-                    <a:p>
-                      <a:pPr marL="0" marR="0" lvl="0" indent="0" algn="l" defTabSz="914400" rtl="0" eaLnBrk="1" fontAlgn="auto" latinLnBrk="0" hangingPunct="1">
-                        <a:lnSpc>
-                          <a:spcPct val="100000"/>
-                        </a:lnSpc>
-                        <a:spcBef>
-                          <a:spcPts val="0"/>
-                        </a:spcBef>
-                        <a:spcAft>
-                          <a:spcPts val="0"/>
-                        </a:spcAft>
-                        <a:buClrTx/>
-                        <a:buSzTx/>
-                        <a:buFontTx/>
-                        <a:buNone/>
-                        <a:tabLst/>
-                        <a:defRPr/>
-                      </a:pPr>
-                      <a:r>
-                        <a:rPr lang="en-US" altLang="zh-TW" dirty="0"/>
-                        <a:t>Count99.tb</a:t>
-                      </a:r>
-                      <a:endParaRPr lang="zh-TW" altLang="en-US" dirty="0"/>
-                    </a:p>
-                    <a:p>
-                      <a:pPr marL="0" marR="0" lvl="0" indent="0" algn="l" defTabSz="914400" rtl="0" eaLnBrk="1" fontAlgn="auto" latinLnBrk="0" hangingPunct="1">
-                        <a:lnSpc>
-                          <a:spcPct val="100000"/>
-                        </a:lnSpc>
-                        <a:spcBef>
-                          <a:spcPts val="0"/>
-                        </a:spcBef>
-                        <a:spcAft>
-                          <a:spcPts val="0"/>
-                        </a:spcAft>
-                        <a:buClrTx/>
-                        <a:buSzTx/>
-                        <a:buFontTx/>
-                        <a:buNone/>
-                        <a:tabLst/>
-                        <a:defRPr/>
-                      </a:pPr>
-                      <a:endParaRPr lang="zh-TW" altLang="en-US" dirty="0"/>
-                    </a:p>
-                  </a:txBody>
-                  <a:tcPr/>
-                </a:tc>
-                <a:tc>
-                  <a:txBody>
-                    <a:bodyPr/>
-                    <a:lstStyle/>
-                    <a:p>
-                      <a:r>
-                        <a:rPr lang="zh-TW" altLang="en-US" dirty="0"/>
-                        <a:t>測試檔案，用於驗證計數器行為是否符合設計要求。</a:t>
-                      </a:r>
-                    </a:p>
-                  </a:txBody>
-                  <a:tcPr/>
-                </a:tc>
-                <a:tc>
-                  <a:txBody>
-                    <a:bodyPr/>
-                    <a:lstStyle/>
-                    <a:p>
-                      <a:r>
-                        <a:rPr lang="zh-TW" altLang="en-US" dirty="0"/>
-                        <a:t>包含模擬信號產生（如時脈與重置）及測試用例。</a:t>
-                      </a:r>
-                    </a:p>
-                  </a:txBody>
-                  <a:tcPr/>
-                </a:tc>
-                <a:extLst>
-                  <a:ext uri="{0D108BD9-81ED-4DB2-BD59-A6C34878D82A}">
-                    <a16:rowId xmlns:a16="http://schemas.microsoft.com/office/drawing/2014/main" val="660864136"/>
-                  </a:ext>
-                </a:extLst>
-              </a:tr>
-              <a:tr h="370840">
-                <a:tc>
-                  <a:txBody>
-                    <a:bodyPr/>
-                    <a:lstStyle/>
-                    <a:p>
-                      <a:r>
-                        <a:rPr lang="zh-TW" altLang="en-US" dirty="0"/>
-                        <a:t>訊號與端口</a:t>
-                      </a:r>
-                    </a:p>
-                  </a:txBody>
-                  <a:tcPr/>
-                </a:tc>
-                <a:tc>
-                  <a:txBody>
-                    <a:bodyPr/>
-                    <a:lstStyle/>
-                    <a:p>
-                      <a:r>
-                        <a:rPr lang="en-US" altLang="zh-TW" dirty="0" err="1"/>
-                        <a:t>Clk,reset,up_down,enable,start,end</a:t>
-                      </a:r>
-                      <a:endParaRPr lang="zh-TW" altLang="en-US" dirty="0"/>
-                    </a:p>
-                  </a:txBody>
-                  <a:tcPr/>
-                </a:tc>
-                <a:tc>
-                  <a:txBody>
-                    <a:bodyPr/>
-                    <a:lstStyle/>
-                    <a:p>
-                      <a:r>
-                        <a:rPr lang="zh-TW" altLang="en-US" dirty="0"/>
-                        <a:t>定義訊號與端口，包含時脈、重置、啟動信號。</a:t>
-                      </a:r>
-                    </a:p>
-                  </a:txBody>
-                  <a:tcPr/>
-                </a:tc>
-                <a:tc>
-                  <a:txBody>
-                    <a:bodyPr/>
-                    <a:lstStyle/>
-                    <a:p>
-                      <a:r>
-                        <a:rPr lang="zh-TW" altLang="en-US" dirty="0"/>
-                        <a:t>用於連接內部計數器和輸出結果。</a:t>
-                      </a:r>
-                    </a:p>
-                  </a:txBody>
-                  <a:tcPr/>
-                </a:tc>
-                <a:extLst>
-                  <a:ext uri="{0D108BD9-81ED-4DB2-BD59-A6C34878D82A}">
-                    <a16:rowId xmlns:a16="http://schemas.microsoft.com/office/drawing/2014/main" val="780075209"/>
-                  </a:ext>
-                </a:extLst>
-              </a:tr>
-              <a:tr h="370840">
-                <a:tc>
-                  <a:txBody>
-                    <a:bodyPr/>
-                    <a:lstStyle/>
-                    <a:p>
-                      <a:r>
-                        <a:rPr lang="zh-TW" altLang="en-US" dirty="0"/>
-                        <a:t>模組層級</a:t>
-                      </a:r>
-                    </a:p>
-                  </a:txBody>
-                  <a:tcPr/>
-                </a:tc>
-                <a:tc>
-                  <a:txBody>
-                    <a:bodyPr/>
-                    <a:lstStyle/>
-                    <a:p>
-                      <a:r>
-                        <a:rPr lang="zh-TW" altLang="en-US" dirty="0"/>
-                        <a:t>計數器模組邏輯</a:t>
-                      </a:r>
-                    </a:p>
-                  </a:txBody>
-                  <a:tcPr/>
-                </a:tc>
-                <a:tc>
-                  <a:txBody>
-                    <a:bodyPr/>
-                    <a:lstStyle/>
-                    <a:p>
-                      <a:r>
-                        <a:rPr lang="zh-TW" altLang="en-US" dirty="0"/>
-                        <a:t>每個計數器的核心模組，處理加</a:t>
-                      </a:r>
-                      <a:r>
-                        <a:rPr lang="en-US" altLang="zh-TW" dirty="0"/>
-                        <a:t>/</a:t>
-                      </a:r>
-                      <a:r>
-                        <a:rPr lang="zh-TW" altLang="en-US" dirty="0"/>
-                        <a:t>減計數與上下限邏輯。</a:t>
-                      </a:r>
-                    </a:p>
-                  </a:txBody>
-                  <a:tcPr/>
-                </a:tc>
-                <a:tc>
-                  <a:txBody>
-                    <a:bodyPr/>
-                    <a:lstStyle/>
-                    <a:p>
-                      <a:r>
-                        <a:rPr lang="zh-TW" altLang="en-US" dirty="0"/>
-                        <a:t>包括上下數、上下限檢查及計數邏輯。</a:t>
-                      </a:r>
-                    </a:p>
-                  </a:txBody>
-                  <a:tcPr/>
-                </a:tc>
-                <a:extLst>
-                  <a:ext uri="{0D108BD9-81ED-4DB2-BD59-A6C34878D82A}">
-                    <a16:rowId xmlns:a16="http://schemas.microsoft.com/office/drawing/2014/main" val="3691570727"/>
-                  </a:ext>
-                </a:extLst>
-              </a:tr>
-              <a:tr h="370840">
-                <a:tc>
-                  <a:txBody>
-                    <a:bodyPr/>
-                    <a:lstStyle/>
-                    <a:p>
-                      <a:r>
-                        <a:rPr lang="zh-TW" altLang="en-US" dirty="0"/>
-                        <a:t>測試訊號產生</a:t>
-                      </a:r>
-                    </a:p>
-                  </a:txBody>
-                  <a:tcPr/>
-                </a:tc>
-                <a:tc>
-                  <a:txBody>
-                    <a:bodyPr/>
-                    <a:lstStyle/>
-                    <a:p>
-                      <a:r>
-                        <a:rPr lang="zh-TW" altLang="en-US" dirty="0"/>
-                        <a:t>測試波形</a:t>
-                      </a:r>
-                    </a:p>
-                  </a:txBody>
-                  <a:tcPr/>
-                </a:tc>
-                <a:tc>
-                  <a:txBody>
-                    <a:bodyPr/>
-                    <a:lstStyle/>
-                    <a:p>
-                      <a:r>
-                        <a:rPr lang="zh-TW" altLang="en-US" dirty="0"/>
-                        <a:t>測試環境中產生的時脈、重置、啟動信號等。</a:t>
-                      </a:r>
-                    </a:p>
-                  </a:txBody>
-                  <a:tcPr/>
-                </a:tc>
-                <a:tc>
-                  <a:txBody>
-                    <a:bodyPr/>
-                    <a:lstStyle/>
-                    <a:p>
-                      <a:r>
-                        <a:rPr lang="zh-TW" altLang="en-US" dirty="0"/>
-                        <a:t>確保計數器在不同情況下的行為符合預期。</a:t>
-                      </a:r>
-                    </a:p>
-                  </a:txBody>
-                  <a:tcPr/>
-                </a:tc>
-                <a:extLst>
-                  <a:ext uri="{0D108BD9-81ED-4DB2-BD59-A6C34878D82A}">
-                    <a16:rowId xmlns:a16="http://schemas.microsoft.com/office/drawing/2014/main" val="1125891893"/>
-                  </a:ext>
-                </a:extLst>
-              </a:tr>
-            </a:tbl>
-          </a:graphicData>
-        </a:graphic>
-      </p:graphicFrame>
+          <p:cNvSpPr txBox="1"/>
+          <p:nvPr/>
+        </p:nvSpPr>
+        <p:spPr>
+          <a:xfrm>
+            <a:off x="838200" y="1312299"/>
+            <a:ext cx="939681" cy="369332"/>
+          </a:xfrm>
+          <a:prstGeom prst="rect">
+            <a:avLst/>
+          </a:prstGeom>
+          <a:noFill/>
+        </p:spPr>
+        <p:txBody>
+          <a:bodyPr wrap="none" rtlCol="0">
+            <a:spAutoFit/>
+          </a:bodyPr>
+          <a:lstStyle/>
+          <a:p>
+            <a:r>
+              <a:rPr lang="zh-TW" altLang="en-US" dirty="0"/>
+              <a:t>第三題</a:t>
+            </a:r>
+            <a:r>
+              <a:rPr lang="en-US" altLang="zh-TW" dirty="0"/>
+              <a:t>:</a:t>
+            </a:r>
+          </a:p>
+        </p:txBody>
+      </p:sp>
+      <p:pic>
+        <p:nvPicPr>
+          <p:cNvPr id="7" name="圖片 6">
+            <a:extLst>
+              <a:ext uri="{FF2B5EF4-FFF2-40B4-BE49-F238E27FC236}">
+                <a16:creationId xmlns:a16="http://schemas.microsoft.com/office/drawing/2014/main" id="{C0C60C5E-92AC-44FA-99CA-DAD2B56CF157}"/>
+              </a:ext>
+            </a:extLst>
+          </p:cNvPr>
+          <p:cNvPicPr>
+            <a:picLocks noChangeAspect="1"/>
+          </p:cNvPicPr>
+          <p:nvPr/>
+        </p:nvPicPr>
+        <p:blipFill>
+          <a:blip r:embed="rId3"/>
+          <a:stretch>
+            <a:fillRect/>
+          </a:stretch>
+        </p:blipFill>
+        <p:spPr>
+          <a:xfrm>
+            <a:off x="1105191" y="2465803"/>
+            <a:ext cx="10440857" cy="1133633"/>
+          </a:xfrm>
+          <a:prstGeom prst="rect">
+            <a:avLst/>
+          </a:prstGeom>
+        </p:spPr>
+      </p:pic>
+      <p:sp>
+        <p:nvSpPr>
+          <p:cNvPr id="11" name="矩形 10">
+            <a:extLst>
+              <a:ext uri="{FF2B5EF4-FFF2-40B4-BE49-F238E27FC236}">
+                <a16:creationId xmlns:a16="http://schemas.microsoft.com/office/drawing/2014/main" id="{D9797101-2115-4BC7-8647-454F688D5E20}"/>
+              </a:ext>
+            </a:extLst>
+          </p:cNvPr>
+          <p:cNvSpPr/>
+          <p:nvPr/>
+        </p:nvSpPr>
+        <p:spPr>
+          <a:xfrm>
+            <a:off x="1102074" y="2960004"/>
+            <a:ext cx="1238454" cy="226504"/>
+          </a:xfrm>
+          <a:prstGeom prst="rect">
+            <a:avLst/>
+          </a:prstGeom>
+          <a:noFill/>
+        </p:spPr>
+        <p:style>
+          <a:lnRef idx="2">
+            <a:schemeClr val="accent2"/>
+          </a:lnRef>
+          <a:fillRef idx="1">
+            <a:schemeClr val="lt1"/>
+          </a:fillRef>
+          <a:effectRef idx="0">
+            <a:schemeClr val="accent2"/>
+          </a:effectRef>
+          <a:fontRef idx="minor">
+            <a:schemeClr val="dk1"/>
+          </a:fontRef>
+        </p:style>
+        <p:txBody>
+          <a:bodyPr rtlCol="0" anchor="ctr"/>
+          <a:lstStyle/>
+          <a:p>
+            <a:pPr algn="ctr"/>
+            <a:endParaRPr lang="zh-TW" altLang="en-US"/>
+          </a:p>
+        </p:txBody>
+      </p:sp>
+      <p:sp>
+        <p:nvSpPr>
+          <p:cNvPr id="8" name="文字方塊 7">
+            <a:extLst>
+              <a:ext uri="{FF2B5EF4-FFF2-40B4-BE49-F238E27FC236}">
+                <a16:creationId xmlns:a16="http://schemas.microsoft.com/office/drawing/2014/main" id="{0811BCCD-C91C-4C00-9624-6A5AD13B57C5}"/>
+              </a:ext>
+            </a:extLst>
+          </p:cNvPr>
+          <p:cNvSpPr txBox="1"/>
+          <p:nvPr/>
+        </p:nvSpPr>
+        <p:spPr>
+          <a:xfrm>
+            <a:off x="154499" y="2919368"/>
+            <a:ext cx="683701" cy="307777"/>
+          </a:xfrm>
+          <a:prstGeom prst="rect">
+            <a:avLst/>
+          </a:prstGeom>
+          <a:noFill/>
+        </p:spPr>
+        <p:txBody>
+          <a:bodyPr wrap="square" rtlCol="0">
+            <a:spAutoFit/>
+          </a:bodyPr>
+          <a:lstStyle/>
+          <a:p>
+            <a:r>
+              <a:rPr lang="zh-TW" altLang="en-US" sz="1400" dirty="0"/>
+              <a:t>上數</a:t>
+            </a:r>
+          </a:p>
+        </p:txBody>
+      </p:sp>
+      <p:cxnSp>
+        <p:nvCxnSpPr>
+          <p:cNvPr id="10" name="直線單箭頭接點 9">
+            <a:extLst>
+              <a:ext uri="{FF2B5EF4-FFF2-40B4-BE49-F238E27FC236}">
+                <a16:creationId xmlns:a16="http://schemas.microsoft.com/office/drawing/2014/main" id="{17E2B63E-4918-47EA-99EC-BC4AA602ECBA}"/>
+              </a:ext>
+            </a:extLst>
+          </p:cNvPr>
+          <p:cNvCxnSpPr/>
+          <p:nvPr/>
+        </p:nvCxnSpPr>
+        <p:spPr>
+          <a:xfrm>
+            <a:off x="645952" y="3073256"/>
+            <a:ext cx="456122" cy="0"/>
+          </a:xfrm>
+          <a:prstGeom prst="straightConnector1">
+            <a:avLst/>
+          </a:prstGeom>
+          <a:ln>
+            <a:tailEnd type="triangle"/>
+          </a:ln>
+        </p:spPr>
+        <p:style>
+          <a:lnRef idx="1">
+            <a:schemeClr val="accent2"/>
+          </a:lnRef>
+          <a:fillRef idx="0">
+            <a:schemeClr val="accent2"/>
+          </a:fillRef>
+          <a:effectRef idx="0">
+            <a:schemeClr val="accent2"/>
+          </a:effectRef>
+          <a:fontRef idx="minor">
+            <a:schemeClr val="tx1"/>
+          </a:fontRef>
+        </p:style>
+      </p:cxnSp>
+      <p:sp>
+        <p:nvSpPr>
+          <p:cNvPr id="12" name="文字方塊 11">
+            <a:extLst>
+              <a:ext uri="{FF2B5EF4-FFF2-40B4-BE49-F238E27FC236}">
+                <a16:creationId xmlns:a16="http://schemas.microsoft.com/office/drawing/2014/main" id="{CEE97F63-35F9-4611-9234-1E8B4481FA27}"/>
+              </a:ext>
+            </a:extLst>
+          </p:cNvPr>
+          <p:cNvSpPr txBox="1"/>
+          <p:nvPr/>
+        </p:nvSpPr>
+        <p:spPr>
+          <a:xfrm>
+            <a:off x="148265" y="3202766"/>
+            <a:ext cx="683701" cy="307777"/>
+          </a:xfrm>
+          <a:prstGeom prst="rect">
+            <a:avLst/>
+          </a:prstGeom>
+          <a:noFill/>
+        </p:spPr>
+        <p:txBody>
+          <a:bodyPr wrap="square" rtlCol="0">
+            <a:spAutoFit/>
+          </a:bodyPr>
+          <a:lstStyle/>
+          <a:p>
+            <a:r>
+              <a:rPr lang="zh-TW" altLang="en-US" sz="1400" dirty="0"/>
+              <a:t>下數</a:t>
+            </a:r>
+          </a:p>
+        </p:txBody>
+      </p:sp>
+      <p:cxnSp>
+        <p:nvCxnSpPr>
+          <p:cNvPr id="14" name="直線單箭頭接點 13">
+            <a:extLst>
+              <a:ext uri="{FF2B5EF4-FFF2-40B4-BE49-F238E27FC236}">
+                <a16:creationId xmlns:a16="http://schemas.microsoft.com/office/drawing/2014/main" id="{6EB35C82-F938-4DD1-8C2C-E02B0452BFBF}"/>
+              </a:ext>
+            </a:extLst>
+          </p:cNvPr>
+          <p:cNvCxnSpPr/>
+          <p:nvPr/>
+        </p:nvCxnSpPr>
+        <p:spPr>
+          <a:xfrm>
+            <a:off x="645952" y="3340396"/>
+            <a:ext cx="456122" cy="0"/>
+          </a:xfrm>
+          <a:prstGeom prst="straightConnector1">
+            <a:avLst/>
+          </a:prstGeom>
+          <a:ln>
+            <a:tailEnd type="triangle"/>
+          </a:ln>
+        </p:spPr>
+        <p:style>
+          <a:lnRef idx="1">
+            <a:schemeClr val="accent6"/>
+          </a:lnRef>
+          <a:fillRef idx="0">
+            <a:schemeClr val="accent6"/>
+          </a:fillRef>
+          <a:effectRef idx="0">
+            <a:schemeClr val="accent6"/>
+          </a:effectRef>
+          <a:fontRef idx="minor">
+            <a:schemeClr val="tx1"/>
+          </a:fontRef>
+        </p:style>
+      </p:cxnSp>
+      <p:sp>
+        <p:nvSpPr>
+          <p:cNvPr id="15" name="矩形 14">
+            <a:extLst>
+              <a:ext uri="{FF2B5EF4-FFF2-40B4-BE49-F238E27FC236}">
+                <a16:creationId xmlns:a16="http://schemas.microsoft.com/office/drawing/2014/main" id="{E18346CE-F186-428C-AA91-32185CC1B232}"/>
+              </a:ext>
+            </a:extLst>
+          </p:cNvPr>
+          <p:cNvSpPr/>
+          <p:nvPr/>
+        </p:nvSpPr>
+        <p:spPr>
+          <a:xfrm>
+            <a:off x="1096103" y="3211617"/>
+            <a:ext cx="1238454" cy="257558"/>
+          </a:xfrm>
+          <a:prstGeom prst="rect">
+            <a:avLst/>
+          </a:prstGeom>
+          <a:noFill/>
+        </p:spPr>
+        <p:style>
+          <a:lnRef idx="2">
+            <a:schemeClr val="accent6">
+              <a:shade val="50000"/>
+            </a:schemeClr>
+          </a:lnRef>
+          <a:fillRef idx="1">
+            <a:schemeClr val="accent6"/>
+          </a:fillRef>
+          <a:effectRef idx="0">
+            <a:schemeClr val="accent6"/>
+          </a:effectRef>
+          <a:fontRef idx="minor">
+            <a:schemeClr val="lt1"/>
+          </a:fontRef>
+        </p:style>
+        <p:txBody>
+          <a:bodyPr rtlCol="0" anchor="ctr"/>
+          <a:lstStyle/>
+          <a:p>
+            <a:pPr algn="ctr"/>
+            <a:endParaRPr lang="zh-TW" altLang="en-US"/>
+          </a:p>
+        </p:txBody>
+      </p:sp>
     </p:spTree>
     <p:extLst>
       <p:ext uri="{BB962C8B-B14F-4D97-AF65-F5344CB8AC3E}">
-        <p14:creationId xmlns:p14="http://schemas.microsoft.com/office/powerpoint/2010/main" val="2890924594"/>
+        <p14:creationId xmlns:p14="http://schemas.microsoft.com/office/powerpoint/2010/main" val="2648098688"/>
       </p:ext>
     </p:extLst>
   </p:cSld>
@@ -5803,32 +5373,21 @@
             <p:ph type="title"/>
           </p:nvPr>
         </p:nvSpPr>
-        <p:spPr>
-          <a:xfrm>
-            <a:off x="838200" y="365125"/>
-            <a:ext cx="10515600" cy="720000"/>
-          </a:xfrm>
-        </p:spPr>
-        <p:txBody>
-          <a:bodyPr>
-            <a:noAutofit/>
-          </a:bodyPr>
-          <a:lstStyle/>
-          <a:p>
-            <a:r>
-              <a:rPr lang="zh-TW" altLang="en-US" sz="3200" dirty="0"/>
-              <a:t>成果展示 </a:t>
-            </a:r>
-            <a:r>
-              <a:rPr lang="en-US" altLang="zh-TW" sz="3200" dirty="0"/>
-              <a:t>–</a:t>
-            </a:r>
-            <a:r>
-              <a:rPr lang="zh-TW" altLang="en-US" sz="3200" dirty="0"/>
-              <a:t> </a:t>
-            </a:r>
-            <a:r>
-              <a:rPr lang="zh-TW" altLang="en-US" sz="3200" dirty="0">
+        <p:spPr/>
+        <p:txBody>
+          <a:bodyPr/>
+          <a:lstStyle/>
+          <a:p>
+            <a:r>
+              <a:rPr lang="zh-TW" altLang="en-US" dirty="0"/>
+              <a:t>問題記錄 </a:t>
+            </a:r>
+            <a:r>
+              <a:rPr lang="en-US" altLang="zh-TW" dirty="0"/>
+              <a:t>(</a:t>
+            </a:r>
+            <a:r>
+              <a:rPr lang="zh-TW" altLang="en-US" dirty="0">
                 <a:solidFill>
                   <a:srgbClr val="FF0000"/>
                 </a:solidFill>
@@ -5836,73 +5395,22 @@
                   <a:srgbClr val="FFFF00"/>
                 </a:highlight>
               </a:rPr>
-              <a:t>週進度項目</a:t>
-            </a:r>
-            <a:r>
-              <a:rPr lang="zh-TW" altLang="en-US" sz="3200" dirty="0"/>
-              <a:t> </a:t>
-            </a:r>
-            <a:r>
-              <a:rPr lang="en-US" altLang="zh-TW" sz="3200" dirty="0"/>
-              <a:t>(</a:t>
-            </a:r>
-            <a:r>
-              <a:rPr lang="en-US" altLang="zh-TW" sz="3200" dirty="0">
-                <a:solidFill>
-                  <a:srgbClr val="FF0000"/>
-                </a:solidFill>
-                <a:highlight>
-                  <a:srgbClr val="FFFF00"/>
-                </a:highlight>
-              </a:rPr>
-              <a:t>2024/11/19</a:t>
-            </a:r>
-            <a:r>
-              <a:rPr lang="en-US" altLang="zh-TW" sz="3200" dirty="0"/>
+              <a:t>軟體問題</a:t>
+            </a:r>
+            <a:r>
+              <a:rPr lang="en-US" altLang="zh-TW" dirty="0"/>
               <a:t>)</a:t>
             </a:r>
-            <a:endParaRPr lang="zh-TW" altLang="en-US" sz="3200" dirty="0"/>
-          </a:p>
-        </p:txBody>
-      </p:sp>
-      <p:pic>
-        <p:nvPicPr>
-          <p:cNvPr id="2" name="內容版面配置區 1">
+            <a:endParaRPr lang="zh-TW" altLang="en-US" dirty="0"/>
+          </a:p>
+        </p:txBody>
+      </p:sp>
+      <p:sp>
+        <p:nvSpPr>
+          <p:cNvPr id="5" name="文字方塊 4">
             <a:extLst>
               <a:ext uri="{FF2B5EF4-FFF2-40B4-BE49-F238E27FC236}">
-                <a16:creationId xmlns:a16="http://schemas.microsoft.com/office/drawing/2014/main" id="{51AFD838-E64B-424D-9BE6-0DA3F3C11492}"/>
-              </a:ext>
-            </a:extLst>
-          </p:cNvPr>
-          <p:cNvPicPr>
-            <a:picLocks noGrp="1" noChangeAspect="1"/>
-          </p:cNvPicPr>
-          <p:nvPr>
-            <p:ph idx="1"/>
-          </p:nvPr>
-        </p:nvPicPr>
-        <p:blipFill>
-          <a:blip r:embed="rId3"/>
-          <a:stretch>
-            <a:fillRect/>
-          </a:stretch>
-        </p:blipFill>
-        <p:spPr>
-          <a:xfrm>
-            <a:off x="838200" y="1972849"/>
-            <a:ext cx="10515600" cy="1590375"/>
-          </a:xfrm>
-          <a:prstGeom prst="rect">
-            <a:avLst/>
-          </a:prstGeom>
-        </p:spPr>
-      </p:pic>
-      <p:sp>
-        <p:nvSpPr>
-          <p:cNvPr id="4" name="文字方塊 3">
-            <a:extLst>
-              <a:ext uri="{FF2B5EF4-FFF2-40B4-BE49-F238E27FC236}">
-                <a16:creationId xmlns:a16="http://schemas.microsoft.com/office/drawing/2014/main" id="{DAF2B939-EF24-4ACE-A81B-956593E5A932}"/>
+                <a16:creationId xmlns:a16="http://schemas.microsoft.com/office/drawing/2014/main" id="{59D5B17D-244D-48B3-82E5-FB5DF6E5722A}"/>
               </a:ext>
             </a:extLst>
           </p:cNvPr>
@@ -5911,8 +5419,8 @@
         </p:nvSpPr>
         <p:spPr>
           <a:xfrm>
-            <a:off x="838200" y="1312299"/>
-            <a:ext cx="939681" cy="369332"/>
+            <a:off x="5848976" y="5412148"/>
+            <a:ext cx="494046" cy="338554"/>
           </a:xfrm>
           <a:prstGeom prst="rect">
             <a:avLst/>
@@ -5926,12 +5434,41 @@
           <a:lstStyle/>
           <a:p>
             <a:r>
+              <a:rPr lang="zh-TW" altLang="en-US" sz="1600" dirty="0"/>
+              <a:t>圖</a:t>
+            </a:r>
+            <a:r>
+              <a:rPr lang="en-US" altLang="zh-TW" sz="1600" dirty="0"/>
+              <a:t>1</a:t>
+            </a:r>
+            <a:endParaRPr lang="zh-TW" altLang="en-US" sz="1600" dirty="0"/>
+          </a:p>
+        </p:txBody>
+      </p:sp>
+      <p:sp>
+        <p:nvSpPr>
+          <p:cNvPr id="7" name="內容版面配置區 6">
+            <a:extLst>
+              <a:ext uri="{FF2B5EF4-FFF2-40B4-BE49-F238E27FC236}">
+                <a16:creationId xmlns:a16="http://schemas.microsoft.com/office/drawing/2014/main" id="{4FCB7C98-8F16-4F73-9BA3-83E8C0B2CB19}"/>
+              </a:ext>
+            </a:extLst>
+          </p:cNvPr>
+          <p:cNvSpPr>
+            <a:spLocks noGrp="1"/>
+          </p:cNvSpPr>
+          <p:nvPr>
+            <p:ph idx="1"/>
+          </p:nvPr>
+        </p:nvSpPr>
+        <p:spPr/>
+        <p:txBody>
+          <a:bodyPr/>
+          <a:lstStyle/>
+          <a:p>
+            <a:r>
               <a:rPr lang="zh-TW" altLang="en-US" dirty="0"/>
-              <a:t>第一題</a:t>
-            </a:r>
-            <a:r>
-              <a:rPr lang="en-US" altLang="zh-TW" dirty="0"/>
-              <a:t>:</a:t>
+              <a:t>無</a:t>
             </a:r>
           </a:p>
         </p:txBody>
@@ -5939,7 +5476,7 @@
     </p:spTree>
     <p:extLst>
       <p:ext uri="{BB962C8B-B14F-4D97-AF65-F5344CB8AC3E}">
-        <p14:creationId xmlns:p14="http://schemas.microsoft.com/office/powerpoint/2010/main" val="2648098688"/>
+        <p14:creationId xmlns:p14="http://schemas.microsoft.com/office/powerpoint/2010/main" val="1403700655"/>
       </p:ext>
     </p:extLst>
   </p:cSld>
@@ -5968,428 +5505,6 @@
       </p:grpSpPr>
       <p:sp>
         <p:nvSpPr>
-          <p:cNvPr id="3" name="標題 2"/>
-          <p:cNvSpPr>
-            <a:spLocks noGrp="1"/>
-          </p:cNvSpPr>
-          <p:nvPr>
-            <p:ph type="title"/>
-          </p:nvPr>
-        </p:nvSpPr>
-        <p:spPr>
-          <a:xfrm>
-            <a:off x="838200" y="365125"/>
-            <a:ext cx="10515600" cy="720000"/>
-          </a:xfrm>
-        </p:spPr>
-        <p:txBody>
-          <a:bodyPr>
-            <a:noAutofit/>
-          </a:bodyPr>
-          <a:lstStyle/>
-          <a:p>
-            <a:r>
-              <a:rPr lang="zh-TW" altLang="en-US" sz="3200" dirty="0"/>
-              <a:t>成果展示 </a:t>
-            </a:r>
-            <a:r>
-              <a:rPr lang="en-US" altLang="zh-TW" sz="3200" dirty="0"/>
-              <a:t>–</a:t>
-            </a:r>
-            <a:r>
-              <a:rPr lang="zh-TW" altLang="en-US" sz="3200" dirty="0"/>
-              <a:t> </a:t>
-            </a:r>
-            <a:r>
-              <a:rPr lang="zh-TW" altLang="en-US" sz="3200" dirty="0">
-                <a:solidFill>
-                  <a:srgbClr val="FF0000"/>
-                </a:solidFill>
-                <a:highlight>
-                  <a:srgbClr val="FFFF00"/>
-                </a:highlight>
-              </a:rPr>
-              <a:t>週進度項目</a:t>
-            </a:r>
-            <a:r>
-              <a:rPr lang="zh-TW" altLang="en-US" sz="3200" dirty="0"/>
-              <a:t> </a:t>
-            </a:r>
-            <a:r>
-              <a:rPr lang="en-US" altLang="zh-TW" sz="3200" dirty="0"/>
-              <a:t>(</a:t>
-            </a:r>
-            <a:r>
-              <a:rPr lang="en-US" altLang="zh-TW" sz="3200" dirty="0">
-                <a:solidFill>
-                  <a:srgbClr val="FF0000"/>
-                </a:solidFill>
-                <a:highlight>
-                  <a:srgbClr val="FFFF00"/>
-                </a:highlight>
-              </a:rPr>
-              <a:t>2024/11/19</a:t>
-            </a:r>
-            <a:r>
-              <a:rPr lang="en-US" altLang="zh-TW" sz="3200" dirty="0"/>
-              <a:t>)</a:t>
-            </a:r>
-            <a:endParaRPr lang="zh-TW" altLang="en-US" sz="3200" dirty="0"/>
-          </a:p>
-        </p:txBody>
-      </p:sp>
-      <p:pic>
-        <p:nvPicPr>
-          <p:cNvPr id="7" name="內容版面配置區 6">
-            <a:extLst>
-              <a:ext uri="{FF2B5EF4-FFF2-40B4-BE49-F238E27FC236}">
-                <a16:creationId xmlns:a16="http://schemas.microsoft.com/office/drawing/2014/main" id="{3183F353-CD40-4386-8204-E428CE99D84D}"/>
-              </a:ext>
-            </a:extLst>
-          </p:cNvPr>
-          <p:cNvPicPr>
-            <a:picLocks noGrp="1" noChangeAspect="1"/>
-          </p:cNvPicPr>
-          <p:nvPr>
-            <p:ph idx="1"/>
-          </p:nvPr>
-        </p:nvPicPr>
-        <p:blipFill>
-          <a:blip r:embed="rId3">
-            <a:extLst>
-              <a:ext uri="{28A0092B-C50C-407E-A947-70E740481C1C}">
-                <a14:useLocalDpi xmlns:a14="http://schemas.microsoft.com/office/drawing/2010/main" val="0"/>
-              </a:ext>
-            </a:extLst>
-          </a:blip>
-          <a:stretch>
-            <a:fillRect/>
-          </a:stretch>
-        </p:blipFill>
-        <p:spPr>
-          <a:xfrm>
-            <a:off x="838200" y="1908806"/>
-            <a:ext cx="10515600" cy="3404887"/>
-          </a:xfrm>
-        </p:spPr>
-      </p:pic>
-      <p:sp>
-        <p:nvSpPr>
-          <p:cNvPr id="8" name="文字方塊 7">
-            <a:extLst>
-              <a:ext uri="{FF2B5EF4-FFF2-40B4-BE49-F238E27FC236}">
-                <a16:creationId xmlns:a16="http://schemas.microsoft.com/office/drawing/2014/main" id="{E37395A7-0D7D-4090-89D0-1BB7BCE20878}"/>
-              </a:ext>
-            </a:extLst>
-          </p:cNvPr>
-          <p:cNvSpPr txBox="1"/>
-          <p:nvPr/>
-        </p:nvSpPr>
-        <p:spPr>
-          <a:xfrm>
-            <a:off x="838200" y="1312299"/>
-            <a:ext cx="939681" cy="369332"/>
-          </a:xfrm>
-          <a:prstGeom prst="rect">
-            <a:avLst/>
-          </a:prstGeom>
-          <a:noFill/>
-        </p:spPr>
-        <p:txBody>
-          <a:bodyPr wrap="none" rtlCol="0">
-            <a:spAutoFit/>
-          </a:bodyPr>
-          <a:lstStyle/>
-          <a:p>
-            <a:r>
-              <a:rPr lang="zh-TW" altLang="en-US" dirty="0"/>
-              <a:t>第二題</a:t>
-            </a:r>
-            <a:r>
-              <a:rPr lang="en-US" altLang="zh-TW" dirty="0"/>
-              <a:t>:</a:t>
-            </a:r>
-          </a:p>
-        </p:txBody>
-      </p:sp>
-    </p:spTree>
-    <p:extLst>
-      <p:ext uri="{BB962C8B-B14F-4D97-AF65-F5344CB8AC3E}">
-        <p14:creationId xmlns:p14="http://schemas.microsoft.com/office/powerpoint/2010/main" val="4183893211"/>
-      </p:ext>
-    </p:extLst>
-  </p:cSld>
-  <p:clrMapOvr>
-    <a:masterClrMapping/>
-  </p:clrMapOvr>
-</p:sld>
-</file>
-
-<file path=ppt/slides/slide14.xml><?xml version="1.0" encoding="utf-8"?>
-<p:sld xmlns:a="http://schemas.openxmlformats.org/drawingml/2006/main" xmlns:r="http://schemas.openxmlformats.org/officeDocument/2006/relationships" xmlns:p="http://schemas.openxmlformats.org/presentationml/2006/main">
-  <p:cSld>
-    <p:spTree>
-      <p:nvGrpSpPr>
-        <p:cNvPr id="1" name=""/>
-        <p:cNvGrpSpPr/>
-        <p:nvPr/>
-      </p:nvGrpSpPr>
-      <p:grpSpPr>
-        <a:xfrm>
-          <a:off x="0" y="0"/>
-          <a:ext cx="0" cy="0"/>
-          <a:chOff x="0" y="0"/>
-          <a:chExt cx="0" cy="0"/>
-        </a:xfrm>
-      </p:grpSpPr>
-      <p:sp>
-        <p:nvSpPr>
-          <p:cNvPr id="2" name="內容版面配置區 1"/>
-          <p:cNvSpPr>
-            <a:spLocks noGrp="1"/>
-          </p:cNvSpPr>
-          <p:nvPr>
-            <p:ph idx="1"/>
-          </p:nvPr>
-        </p:nvSpPr>
-        <p:spPr>
-          <a:xfrm>
-            <a:off x="838199" y="1201850"/>
-            <a:ext cx="11048999" cy="5026422"/>
-          </a:xfrm>
-        </p:spPr>
-        <p:txBody>
-          <a:bodyPr/>
-          <a:lstStyle/>
-          <a:p>
-            <a:r>
-              <a:rPr lang="zh-TW" altLang="en-US" dirty="0"/>
-              <a:t>問題 </a:t>
-            </a:r>
-            <a:r>
-              <a:rPr lang="en-US" altLang="zh-TW" dirty="0"/>
-              <a:t>:</a:t>
-            </a:r>
-            <a:r>
-              <a:rPr lang="zh-TW" altLang="en-US" dirty="0"/>
-              <a:t> </a:t>
-            </a:r>
-            <a:r>
-              <a:rPr lang="en-US" altLang="zh-TW" dirty="0"/>
-              <a:t>up1</a:t>
-            </a:r>
-            <a:r>
-              <a:rPr lang="zh-TW" altLang="en-US" dirty="0"/>
-              <a:t>只能上數，</a:t>
-            </a:r>
-            <a:r>
-              <a:rPr lang="en-US" altLang="zh-TW" dirty="0"/>
-              <a:t> up2</a:t>
-            </a:r>
-            <a:r>
-              <a:rPr lang="zh-TW" altLang="en-US" dirty="0"/>
-              <a:t>只能下數</a:t>
-            </a:r>
-            <a:endParaRPr lang="en-US" altLang="zh-TW" dirty="0"/>
-          </a:p>
-          <a:p>
-            <a:r>
-              <a:rPr lang="zh-TW" altLang="en-US" dirty="0"/>
-              <a:t>解決 </a:t>
-            </a:r>
-            <a:r>
-              <a:rPr lang="en-US" altLang="zh-TW" dirty="0"/>
-              <a:t>:</a:t>
-            </a:r>
-            <a:r>
-              <a:rPr lang="zh-TW" altLang="en-US" dirty="0"/>
-              <a:t> 測試檔的上下數沒有設定好，導致沒有在固定的時間轉換上下數</a:t>
-            </a:r>
-            <a:r>
-              <a:rPr lang="en-US" altLang="zh-TW" dirty="0"/>
-              <a:t>(</a:t>
-            </a:r>
-            <a:r>
-              <a:rPr lang="zh-TW" altLang="en-US" dirty="0"/>
-              <a:t>圖</a:t>
-            </a:r>
-            <a:r>
-              <a:rPr lang="en-US" altLang="zh-TW" dirty="0"/>
-              <a:t>1 </a:t>
-            </a:r>
-            <a:r>
-              <a:rPr lang="zh-TW" altLang="en-US" dirty="0"/>
-              <a:t>紅色框框</a:t>
-            </a:r>
-            <a:r>
-              <a:rPr lang="en-US" altLang="zh-TW" dirty="0"/>
-              <a:t>)</a:t>
-            </a:r>
-            <a:r>
-              <a:rPr lang="zh-TW" altLang="en-US" dirty="0"/>
-              <a:t>，</a:t>
-            </a:r>
-            <a:endParaRPr lang="en-US" altLang="zh-TW" dirty="0"/>
-          </a:p>
-          <a:p>
-            <a:pPr marL="0" indent="0">
-              <a:buNone/>
-            </a:pPr>
-            <a:r>
-              <a:rPr lang="zh-TW" altLang="en-US" dirty="0"/>
-              <a:t>              所以要在測試檔裡面設定經過一定的時間上下數要轉換。</a:t>
-            </a:r>
-            <a:br>
-              <a:rPr lang="en-US" altLang="zh-TW" dirty="0"/>
-            </a:br>
-            <a:endParaRPr lang="en-US" altLang="zh-TW" sz="1200" dirty="0"/>
-          </a:p>
-        </p:txBody>
-      </p:sp>
-      <p:sp>
-        <p:nvSpPr>
-          <p:cNvPr id="3" name="標題 2"/>
-          <p:cNvSpPr>
-            <a:spLocks noGrp="1"/>
-          </p:cNvSpPr>
-          <p:nvPr>
-            <p:ph type="title"/>
-          </p:nvPr>
-        </p:nvSpPr>
-        <p:spPr/>
-        <p:txBody>
-          <a:bodyPr/>
-          <a:lstStyle/>
-          <a:p>
-            <a:r>
-              <a:rPr lang="zh-TW" altLang="en-US" dirty="0"/>
-              <a:t>問題記錄 </a:t>
-            </a:r>
-            <a:r>
-              <a:rPr lang="en-US" altLang="zh-TW" dirty="0"/>
-              <a:t>(</a:t>
-            </a:r>
-            <a:r>
-              <a:rPr lang="zh-TW" altLang="en-US" dirty="0">
-                <a:solidFill>
-                  <a:srgbClr val="FF0000"/>
-                </a:solidFill>
-                <a:highlight>
-                  <a:srgbClr val="FFFF00"/>
-                </a:highlight>
-              </a:rPr>
-              <a:t>軟體問題</a:t>
-            </a:r>
-            <a:r>
-              <a:rPr lang="en-US" altLang="zh-TW" dirty="0"/>
-              <a:t>)</a:t>
-            </a:r>
-            <a:endParaRPr lang="zh-TW" altLang="en-US" dirty="0"/>
-          </a:p>
-        </p:txBody>
-      </p:sp>
-      <p:pic>
-        <p:nvPicPr>
-          <p:cNvPr id="4" name="圖片 3">
-            <a:extLst>
-              <a:ext uri="{FF2B5EF4-FFF2-40B4-BE49-F238E27FC236}">
-                <a16:creationId xmlns:a16="http://schemas.microsoft.com/office/drawing/2014/main" id="{55DF52C3-92A3-4E7A-98FF-4E7D95D1D541}"/>
-              </a:ext>
-            </a:extLst>
-          </p:cNvPr>
-          <p:cNvPicPr>
-            <a:picLocks noChangeAspect="1"/>
-          </p:cNvPicPr>
-          <p:nvPr/>
-        </p:nvPicPr>
-        <p:blipFill>
-          <a:blip r:embed="rId3"/>
-          <a:stretch>
-            <a:fillRect/>
-          </a:stretch>
-        </p:blipFill>
-        <p:spPr>
-          <a:xfrm>
-            <a:off x="1844028" y="2369808"/>
-            <a:ext cx="8503943" cy="2890089"/>
-          </a:xfrm>
-          <a:prstGeom prst="rect">
-            <a:avLst/>
-          </a:prstGeom>
-        </p:spPr>
-      </p:pic>
-      <p:sp>
-        <p:nvSpPr>
-          <p:cNvPr id="5" name="文字方塊 4">
-            <a:extLst>
-              <a:ext uri="{FF2B5EF4-FFF2-40B4-BE49-F238E27FC236}">
-                <a16:creationId xmlns:a16="http://schemas.microsoft.com/office/drawing/2014/main" id="{59D5B17D-244D-48B3-82E5-FB5DF6E5722A}"/>
-              </a:ext>
-            </a:extLst>
-          </p:cNvPr>
-          <p:cNvSpPr txBox="1"/>
-          <p:nvPr/>
-        </p:nvSpPr>
-        <p:spPr>
-          <a:xfrm>
-            <a:off x="5848976" y="5412148"/>
-            <a:ext cx="494046" cy="338554"/>
-          </a:xfrm>
-          <a:prstGeom prst="rect">
-            <a:avLst/>
-          </a:prstGeom>
-          <a:noFill/>
-        </p:spPr>
-        <p:txBody>
-          <a:bodyPr wrap="none" rtlCol="0">
-            <a:spAutoFit/>
-          </a:bodyPr>
-          <a:lstStyle/>
-          <a:p>
-            <a:r>
-              <a:rPr lang="zh-TW" altLang="en-US" sz="1600" dirty="0"/>
-              <a:t>圖</a:t>
-            </a:r>
-            <a:r>
-              <a:rPr lang="en-US" altLang="zh-TW" sz="1600" dirty="0"/>
-              <a:t>1</a:t>
-            </a:r>
-            <a:endParaRPr lang="zh-TW" altLang="en-US" sz="1600" dirty="0"/>
-          </a:p>
-        </p:txBody>
-      </p:sp>
-    </p:spTree>
-    <p:extLst>
-      <p:ext uri="{BB962C8B-B14F-4D97-AF65-F5344CB8AC3E}">
-        <p14:creationId xmlns:p14="http://schemas.microsoft.com/office/powerpoint/2010/main" val="1403700655"/>
-      </p:ext>
-    </p:extLst>
-  </p:cSld>
-  <p:clrMapOvr>
-    <a:masterClrMapping/>
-  </p:clrMapOvr>
-</p:sld>
-</file>
-
-<file path=ppt/slides/slide15.xml><?xml version="1.0" encoding="utf-8"?>
-<p:sld xmlns:a="http://schemas.openxmlformats.org/drawingml/2006/main" xmlns:r="http://schemas.openxmlformats.org/officeDocument/2006/relationships" xmlns:p="http://schemas.openxmlformats.org/presentationml/2006/main">
-  <p:cSld>
-    <p:spTree>
-      <p:nvGrpSpPr>
-        <p:cNvPr id="1" name=""/>
-        <p:cNvGrpSpPr/>
-        <p:nvPr/>
-      </p:nvGrpSpPr>
-      <p:grpSpPr>
-        <a:xfrm>
-          <a:off x="0" y="0"/>
-          <a:ext cx="0" cy="0"/>
-          <a:chOff x="0" y="0"/>
-          <a:chExt cx="0" cy="0"/>
-        </a:xfrm>
-      </p:grpSpPr>
-      <p:sp>
-        <p:nvSpPr>
           <p:cNvPr id="2" name="內容版面配置區 1"/>
           <p:cNvSpPr>
             <a:spLocks noGrp="1"/>
@@ -6419,7 +5534,7 @@
               <a:rPr lang="zh-TW" altLang="en-US" dirty="0">
                 <a:cs typeface="Times New Roman" panose="02020603050405020304" pitchFamily="18" charset="0"/>
               </a:rPr>
-              <a:t> </a:t>
+              <a:t> 如何上下數</a:t>
             </a:r>
             <a:endParaRPr lang="en-US" altLang="zh-TW" dirty="0">
               <a:cs typeface="Times New Roman" panose="02020603050405020304" pitchFamily="18" charset="0"/>
@@ -6431,14 +5546,34 @@
                 <a:cs typeface="Times New Roman" panose="02020603050405020304" pitchFamily="18" charset="0"/>
                 <a:hlinkClick r:id="rId3"/>
               </a:rPr>
-              <a:t>https://reurl.cc/eG8xb7</a:t>
+              <a:t>https://reurl.cc/r3ZAb1</a:t>
             </a:r>
             <a:r>
               <a:rPr lang="zh-TW" altLang="en-US" dirty="0">
                 <a:cs typeface="Times New Roman" panose="02020603050405020304" pitchFamily="18" charset="0"/>
               </a:rPr>
+              <a:t> 參考如何製作</a:t>
+            </a:r>
+            <a:r>
+              <a:rPr lang="en-US" altLang="zh-TW" dirty="0">
+                <a:cs typeface="Times New Roman" panose="02020603050405020304" pitchFamily="18" charset="0"/>
+              </a:rPr>
+              <a:t>AOV</a:t>
+            </a:r>
+            <a:r>
+              <a:rPr lang="zh-TW" altLang="en-US" dirty="0">
+                <a:cs typeface="Times New Roman" panose="02020603050405020304" pitchFamily="18" charset="0"/>
+              </a:rPr>
               <a:t> </a:t>
             </a:r>
+            <a:endParaRPr lang="en-US" altLang="zh-TW" dirty="0">
+              <a:cs typeface="Times New Roman" panose="02020603050405020304" pitchFamily="18" charset="0"/>
+            </a:endParaRPr>
+          </a:p>
+          <a:p>
+            <a:endParaRPr lang="zh-TW" altLang="en-US" dirty="0">
+              <a:cs typeface="Times New Roman" panose="02020603050405020304" pitchFamily="18" charset="0"/>
+            </a:endParaRPr>
           </a:p>
         </p:txBody>
       </p:sp>
@@ -6534,7 +5669,7 @@
                   <a:srgbClr val="FFFF00"/>
                 </a:highlight>
               </a:rPr>
-              <a:t>2024/11/19</a:t>
+              <a:t>2024/12/10</a:t>
             </a:r>
             <a:r>
               <a:rPr lang="en-US" altLang="zh-TW" dirty="0"/>
@@ -6590,7 +5725,7 @@
           <p:cNvPr id="5" name="圖片 4">
             <a:extLst>
               <a:ext uri="{FF2B5EF4-FFF2-40B4-BE49-F238E27FC236}">
-                <a16:creationId xmlns:a16="http://schemas.microsoft.com/office/drawing/2014/main" id="{50B340FA-FABF-4FF5-A10F-4744601617F3}"/>
+                <a16:creationId xmlns:a16="http://schemas.microsoft.com/office/drawing/2014/main" id="{708F573C-8FE5-40F2-B802-2221B099EB43}"/>
               </a:ext>
             </a:extLst>
           </p:cNvPr>
@@ -6607,22 +5742,12 @@
         </p:blipFill>
         <p:spPr>
           <a:xfrm>
-            <a:off x="1511417" y="1216820"/>
-            <a:ext cx="9169166" cy="4613661"/>
+            <a:off x="1440110" y="1188072"/>
+            <a:ext cx="9311780" cy="4673053"/>
           </a:xfrm>
           <a:prstGeom prst="rect">
             <a:avLst/>
           </a:prstGeom>
-          <a:ln>
-            <a:noFill/>
-          </a:ln>
-          <a:effectLst>
-            <a:outerShdw blurRad="292100" dist="139700" dir="2700000" algn="tl" rotWithShape="0">
-              <a:srgbClr val="333333">
-                <a:alpha val="65000"/>
-              </a:srgbClr>
-            </a:outerShdw>
-          </a:effectLst>
         </p:spPr>
       </p:pic>
     </p:spTree>
@@ -6695,8 +5820,8 @@
         </p:nvSpPr>
         <p:spPr bwMode="auto">
           <a:xfrm>
-            <a:off x="838200" y="1290302"/>
-            <a:ext cx="5847826" cy="2677656"/>
+            <a:off x="806855" y="1305659"/>
+            <a:ext cx="5847826" cy="1323439"/>
           </a:xfrm>
           <a:prstGeom prst="rect">
             <a:avLst/>
@@ -6762,9 +5887,9 @@
             </a:pPr>
             <a:r>
               <a:rPr lang="en-US" altLang="zh-TW" b="1" dirty="0">
-                <a:latin typeface="Arial" panose="020B0604020202020204" pitchFamily="34" charset="0"/>
-              </a:rPr>
-              <a:t>1.</a:t>
+                <a:latin typeface="標楷體" panose="03000509000000000000" pitchFamily="65" charset="-120"/>
+              </a:rPr>
+              <a:t>1.count1 </a:t>
             </a:r>
             <a:r>
               <a:rPr kumimoji="0" lang="zh-TW" altLang="zh-TW" b="1" i="0" u="none" strike="noStrike" cap="none" normalizeH="0" baseline="0" dirty="0">
@@ -6775,9 +5900,35 @@
                   <a:schemeClr val="tx1"/>
                 </a:solidFill>
                 <a:effectLst/>
-                <a:latin typeface="Arial" panose="020B0604020202020204" pitchFamily="34" charset="0"/>
-              </a:rPr>
-              <a:t>上數 (0-9) </a:t>
+                <a:latin typeface="標楷體" panose="03000509000000000000" pitchFamily="65" charset="-120"/>
+              </a:rPr>
+              <a:t>上數 (0-</a:t>
+            </a:r>
+            <a:r>
+              <a:rPr kumimoji="0" lang="en-US" altLang="zh-TW" b="1" i="0" u="none" strike="noStrike" cap="none" normalizeH="0" baseline="0" dirty="0">
+                <a:ln>
+                  <a:noFill/>
+                </a:ln>
+                <a:solidFill>
+                  <a:schemeClr val="tx1"/>
+                </a:solidFill>
+                <a:effectLst/>
+                <a:latin typeface="標楷體" panose="03000509000000000000" pitchFamily="65" charset="-120"/>
+              </a:rPr>
+              <a:t>F</a:t>
+            </a:r>
+            <a:r>
+              <a:rPr kumimoji="0" lang="zh-TW" altLang="zh-TW" b="1" i="0" u="none" strike="noStrike" cap="none" normalizeH="0" baseline="0" dirty="0">
+                <a:ln>
+                  <a:noFill/>
+                </a:ln>
+                <a:solidFill>
+                  <a:schemeClr val="tx1"/>
+                </a:solidFill>
+                <a:effectLst/>
+                <a:latin typeface="標楷體" panose="03000509000000000000" pitchFamily="65" charset="-120"/>
+              </a:rPr>
+              <a:t>) </a:t>
             </a:r>
             <a:endParaRPr kumimoji="0" lang="en-US" altLang="zh-TW" b="1" i="0" u="none" strike="noStrike" cap="none" normalizeH="0" baseline="0" dirty="0">
               <a:ln>
@@ -6787,7 +5938,7 @@
                 <a:schemeClr val="tx1"/>
               </a:solidFill>
               <a:effectLst/>
-              <a:latin typeface="Arial" panose="020B0604020202020204" pitchFamily="34" charset="0"/>
+              <a:latin typeface="標楷體" panose="03000509000000000000" pitchFamily="65" charset="-120"/>
             </a:endParaRPr>
           </a:p>
           <a:p>
@@ -6808,6 +5959,19 @@
               <a:tabLst/>
             </a:pPr>
             <a:r>
+              <a:rPr kumimoji="0" lang="en-US" altLang="zh-TW" b="1" i="0" u="none" strike="noStrike" cap="none" normalizeH="0" baseline="0" dirty="0">
+                <a:ln>
+                  <a:noFill/>
+                </a:ln>
+                <a:solidFill>
+                  <a:schemeClr val="tx1"/>
+                </a:solidFill>
+                <a:effectLst/>
+                <a:latin typeface="標楷體" panose="03000509000000000000" pitchFamily="65" charset="-120"/>
+              </a:rPr>
+              <a:t>  </a:t>
+            </a:r>
+            <a:r>
               <a:rPr kumimoji="0" lang="zh-TW" altLang="zh-TW" b="1" i="0" u="none" strike="noStrike" cap="none" normalizeH="0" baseline="0" dirty="0">
                 <a:ln>
                   <a:noFill/>
@@ -6816,7 +5980,7 @@
                   <a:schemeClr val="tx1"/>
                 </a:solidFill>
                 <a:effectLst/>
-                <a:latin typeface="Arial" panose="020B0604020202020204" pitchFamily="34" charset="0"/>
+                <a:latin typeface="標楷體" panose="03000509000000000000" pitchFamily="65" charset="-120"/>
               </a:rPr>
               <a:t>邏輯分析</a:t>
             </a:r>
@@ -6829,109 +5993,11 @@
                   <a:schemeClr val="tx1"/>
                 </a:solidFill>
                 <a:effectLst/>
-                <a:latin typeface="Arial" panose="020B0604020202020204" pitchFamily="34" charset="0"/>
+                <a:latin typeface="標楷體" panose="03000509000000000000" pitchFamily="65" charset="-120"/>
               </a:rPr>
               <a:t>:</a:t>
             </a:r>
-          </a:p>
-          <a:p>
-            <a:pPr marL="457200" marR="0" lvl="1" indent="0" algn="l" defTabSz="914400" rtl="0" eaLnBrk="0" fontAlgn="base" latinLnBrk="0" hangingPunct="0">
-              <a:lnSpc>
-                <a:spcPct val="100000"/>
-              </a:lnSpc>
-              <a:spcBef>
-                <a:spcPct val="0"/>
-              </a:spcBef>
-              <a:spcAft>
-                <a:spcPct val="0"/>
-              </a:spcAft>
-              <a:buClrTx/>
-              <a:buSzTx/>
-              <a:buNone/>
-              <a:tabLst/>
-            </a:pPr>
-            <a:r>
-              <a:rPr kumimoji="0" lang="zh-TW" altLang="zh-TW" b="0" i="0" u="none" strike="noStrike" cap="none" normalizeH="0" baseline="0" dirty="0">
-                <a:ln>
-                  <a:noFill/>
-                </a:ln>
-                <a:solidFill>
-                  <a:schemeClr val="tx1"/>
-                </a:solidFill>
-                <a:effectLst/>
-                <a:latin typeface="Arial" panose="020B0604020202020204" pitchFamily="34" charset="0"/>
-              </a:rPr>
-              <a:t>從 0 開始，檢查當前數字是否小於等於 9。</a:t>
-            </a:r>
-          </a:p>
-          <a:p>
-            <a:pPr marL="457200" marR="0" lvl="1" indent="0" algn="l" defTabSz="914400" rtl="0" eaLnBrk="0" fontAlgn="base" latinLnBrk="0" hangingPunct="0">
-              <a:lnSpc>
-                <a:spcPct val="100000"/>
-              </a:lnSpc>
-              <a:spcBef>
-                <a:spcPct val="0"/>
-              </a:spcBef>
-              <a:spcAft>
-                <a:spcPct val="0"/>
-              </a:spcAft>
-              <a:buClrTx/>
-              <a:buSzTx/>
-              <a:buNone/>
-              <a:tabLst/>
-            </a:pPr>
-            <a:r>
-              <a:rPr kumimoji="0" lang="zh-TW" altLang="zh-TW" b="0" i="0" u="none" strike="noStrike" cap="none" normalizeH="0" baseline="0" dirty="0">
-                <a:ln>
-                  <a:noFill/>
-                </a:ln>
-                <a:solidFill>
-                  <a:schemeClr val="tx1"/>
-                </a:solidFill>
-                <a:effectLst/>
-                <a:latin typeface="Arial" panose="020B0604020202020204" pitchFamily="34" charset="0"/>
-              </a:rPr>
-              <a:t>如果條件成立 (</a:t>
-            </a:r>
-            <a:r>
-              <a:rPr kumimoji="0" lang="en-US" altLang="zh-TW" b="0" i="0" u="none" strike="noStrike" cap="none" normalizeH="0" baseline="0" dirty="0">
-                <a:ln>
-                  <a:noFill/>
-                </a:ln>
-                <a:solidFill>
-                  <a:schemeClr val="tx1"/>
-                </a:solidFill>
-                <a:effectLst/>
-                <a:latin typeface="Arial" panose="020B0604020202020204" pitchFamily="34" charset="0"/>
-              </a:rPr>
-              <a:t>count </a:t>
-            </a:r>
-            <a:r>
-              <a:rPr kumimoji="0" lang="zh-TW" altLang="zh-TW" b="0" i="0" u="none" strike="noStrike" cap="none" normalizeH="0" baseline="0" dirty="0">
-                <a:ln>
-                  <a:noFill/>
-                </a:ln>
-                <a:solidFill>
-                  <a:schemeClr val="tx1"/>
-                </a:solidFill>
-                <a:effectLst/>
-                <a:latin typeface="Arial Unicode MS" panose="020B0604020202020204" pitchFamily="34" charset="-120"/>
-              </a:rPr>
-              <a:t>≤ 9</a:t>
-            </a:r>
-            <a:r>
-              <a:rPr kumimoji="0" lang="zh-TW" altLang="zh-TW" b="0" i="0" u="none" strike="noStrike" cap="none" normalizeH="0" baseline="0" dirty="0">
-                <a:ln>
-                  <a:noFill/>
-                </a:ln>
-                <a:solidFill>
-                  <a:schemeClr val="tx1"/>
-                </a:solidFill>
-                <a:effectLst/>
-              </a:rPr>
-              <a:t>)，輸出數字並遞增。</a:t>
-            </a:r>
-            <a:endParaRPr kumimoji="0" lang="zh-TW" altLang="zh-TW" b="0" i="0" u="none" strike="noStrike" cap="none" normalizeH="0" baseline="0" dirty="0">
+            <a:endParaRPr kumimoji="0" lang="en-US" altLang="zh-TW" b="0" i="0" u="none" strike="noStrike" cap="none" normalizeH="0" baseline="0" dirty="0">
               <a:ln>
                 <a:noFill/>
               </a:ln>
@@ -6939,184 +6005,7 @@
                 <a:schemeClr val="tx1"/>
               </a:solidFill>
               <a:effectLst/>
-              <a:latin typeface="Arial" panose="020B0604020202020204" pitchFamily="34" charset="0"/>
-            </a:endParaRPr>
-          </a:p>
-          <a:p>
-            <a:pPr marL="457200" marR="0" lvl="1" indent="0" algn="l" defTabSz="914400" rtl="0" eaLnBrk="0" fontAlgn="base" latinLnBrk="0" hangingPunct="0">
-              <a:lnSpc>
-                <a:spcPct val="100000"/>
-              </a:lnSpc>
-              <a:spcBef>
-                <a:spcPct val="0"/>
-              </a:spcBef>
-              <a:spcAft>
-                <a:spcPct val="0"/>
-              </a:spcAft>
-              <a:buClrTx/>
-              <a:buSzTx/>
-              <a:buNone/>
-              <a:tabLst/>
-            </a:pPr>
-            <a:r>
-              <a:rPr kumimoji="0" lang="zh-TW" altLang="zh-TW" b="0" i="0" u="none" strike="noStrike" cap="none" normalizeH="0" baseline="0" dirty="0">
-                <a:ln>
-                  <a:noFill/>
-                </a:ln>
-                <a:solidFill>
-                  <a:schemeClr val="tx1"/>
-                </a:solidFill>
-                <a:effectLst/>
-                <a:latin typeface="Arial" panose="020B0604020202020204" pitchFamily="34" charset="0"/>
-              </a:rPr>
-              <a:t>重複條件檢查，直到條件不成立。</a:t>
-            </a:r>
-            <a:r>
-              <a:rPr kumimoji="0" lang="zh-TW" altLang="en-US" b="0" i="0" u="none" strike="noStrike" cap="none" normalizeH="0" baseline="0" dirty="0">
-                <a:ln>
-                  <a:noFill/>
-                </a:ln>
-                <a:solidFill>
-                  <a:schemeClr val="tx1"/>
-                </a:solidFill>
-                <a:effectLst/>
-                <a:latin typeface="Arial" panose="020B0604020202020204" pitchFamily="34" charset="0"/>
-              </a:rPr>
-              <a:t>則 </a:t>
-            </a:r>
-            <a:r>
-              <a:rPr kumimoji="0" lang="en-US" altLang="zh-TW" b="0" i="0" u="none" strike="noStrike" cap="none" normalizeH="0" baseline="0" dirty="0">
-                <a:ln>
-                  <a:noFill/>
-                </a:ln>
-                <a:solidFill>
-                  <a:schemeClr val="tx1"/>
-                </a:solidFill>
-                <a:effectLst/>
-                <a:latin typeface="Arial" panose="020B0604020202020204" pitchFamily="34" charset="0"/>
-              </a:rPr>
-              <a:t>Count&lt;=0</a:t>
-            </a:r>
-          </a:p>
-          <a:p>
-            <a:pPr marL="457200" marR="0" lvl="1" indent="0" algn="l" defTabSz="914400" rtl="0" eaLnBrk="0" fontAlgn="base" latinLnBrk="0" hangingPunct="0">
-              <a:lnSpc>
-                <a:spcPct val="100000"/>
-              </a:lnSpc>
-              <a:spcBef>
-                <a:spcPct val="0"/>
-              </a:spcBef>
-              <a:spcAft>
-                <a:spcPct val="0"/>
-              </a:spcAft>
-              <a:buClrTx/>
-              <a:buSzTx/>
-              <a:buNone/>
-              <a:tabLst/>
-            </a:pPr>
-            <a:endParaRPr kumimoji="0" lang="en-US" altLang="zh-TW" sz="1400" b="0" i="0" u="none" strike="noStrike" cap="none" normalizeH="0" baseline="0" dirty="0">
-              <a:ln>
-                <a:noFill/>
-              </a:ln>
-              <a:solidFill>
-                <a:schemeClr val="tx1"/>
-              </a:solidFill>
-              <a:effectLst/>
-              <a:latin typeface="Arial" panose="020B0604020202020204" pitchFamily="34" charset="0"/>
-            </a:endParaRPr>
-          </a:p>
-          <a:p>
-            <a:pPr marL="457200" marR="0" lvl="1" indent="0" algn="l" defTabSz="914400" rtl="0" eaLnBrk="0" fontAlgn="base" latinLnBrk="0" hangingPunct="0">
-              <a:lnSpc>
-                <a:spcPct val="100000"/>
-              </a:lnSpc>
-              <a:spcBef>
-                <a:spcPct val="0"/>
-              </a:spcBef>
-              <a:spcAft>
-                <a:spcPct val="0"/>
-              </a:spcAft>
-              <a:buClrTx/>
-              <a:buSzTx/>
-              <a:buNone/>
-              <a:tabLst/>
-            </a:pPr>
-            <a:endParaRPr kumimoji="0" lang="en-US" altLang="zh-TW" sz="1400" b="0" i="0" u="none" strike="noStrike" cap="none" normalizeH="0" baseline="0" dirty="0">
-              <a:ln>
-                <a:noFill/>
-              </a:ln>
-              <a:solidFill>
-                <a:schemeClr val="tx1"/>
-              </a:solidFill>
-              <a:effectLst/>
-              <a:latin typeface="Arial" panose="020B0604020202020204" pitchFamily="34" charset="0"/>
-            </a:endParaRPr>
-          </a:p>
-          <a:p>
-            <a:pPr marL="457200" marR="0" lvl="1" indent="0" algn="l" defTabSz="914400" rtl="0" eaLnBrk="0" fontAlgn="base" latinLnBrk="0" hangingPunct="0">
-              <a:lnSpc>
-                <a:spcPct val="100000"/>
-              </a:lnSpc>
-              <a:spcBef>
-                <a:spcPct val="0"/>
-              </a:spcBef>
-              <a:spcAft>
-                <a:spcPct val="0"/>
-              </a:spcAft>
-              <a:buClrTx/>
-              <a:buSzTx/>
-              <a:buNone/>
-              <a:tabLst/>
-            </a:pPr>
-            <a:endParaRPr lang="en-US" altLang="zh-TW" sz="1400" dirty="0">
-              <a:latin typeface="Arial" panose="020B0604020202020204" pitchFamily="34" charset="0"/>
-            </a:endParaRPr>
-          </a:p>
-          <a:p>
-            <a:pPr marL="457200" marR="0" lvl="1" indent="0" algn="l" defTabSz="914400" rtl="0" eaLnBrk="0" fontAlgn="base" latinLnBrk="0" hangingPunct="0">
-              <a:lnSpc>
-                <a:spcPct val="100000"/>
-              </a:lnSpc>
-              <a:spcBef>
-                <a:spcPct val="0"/>
-              </a:spcBef>
-              <a:spcAft>
-                <a:spcPct val="0"/>
-              </a:spcAft>
-              <a:buClrTx/>
-              <a:buSzTx/>
-              <a:buNone/>
-              <a:tabLst/>
-            </a:pPr>
-            <a:endParaRPr lang="en-US" altLang="zh-TW" sz="1400" dirty="0">
-              <a:latin typeface="Arial" panose="020B0604020202020204" pitchFamily="34" charset="0"/>
-            </a:endParaRPr>
-          </a:p>
-          <a:p>
-            <a:pPr marL="457200" marR="0" lvl="1" indent="0" algn="l" defTabSz="914400" rtl="0" eaLnBrk="0" fontAlgn="base" latinLnBrk="0" hangingPunct="0">
-              <a:lnSpc>
-                <a:spcPct val="100000"/>
-              </a:lnSpc>
-              <a:spcBef>
-                <a:spcPct val="0"/>
-              </a:spcBef>
-              <a:spcAft>
-                <a:spcPct val="0"/>
-              </a:spcAft>
-              <a:buClrTx/>
-              <a:buSzTx/>
-              <a:buNone/>
-              <a:tabLst/>
-            </a:pPr>
-            <a:endParaRPr kumimoji="0" lang="zh-TW" altLang="zh-TW" sz="1400" b="0" i="0" u="none" strike="noStrike" cap="none" normalizeH="0" baseline="0" dirty="0">
-              <a:ln>
-                <a:noFill/>
-              </a:ln>
-              <a:solidFill>
-                <a:schemeClr val="tx1"/>
-              </a:solidFill>
-              <a:effectLst/>
-              <a:latin typeface="Arial" panose="020B0604020202020204" pitchFamily="34" charset="0"/>
+              <a:latin typeface="標楷體" panose="03000509000000000000" pitchFamily="65" charset="-120"/>
             </a:endParaRPr>
           </a:p>
           <a:p>
@@ -7136,6 +6025,200 @@
               <a:buNone/>
               <a:tabLst/>
             </a:pPr>
+            <a:r>
+              <a:rPr lang="en-US" altLang="zh-TW" dirty="0">
+                <a:latin typeface="標楷體" panose="03000509000000000000" pitchFamily="65" charset="-120"/>
+              </a:rPr>
+              <a:t>  </a:t>
+            </a:r>
+            <a:r>
+              <a:rPr kumimoji="0" lang="zh-TW" altLang="zh-TW" b="0" i="0" u="none" strike="noStrike" cap="none" normalizeH="0" baseline="0" dirty="0">
+                <a:ln>
+                  <a:noFill/>
+                </a:ln>
+                <a:solidFill>
+                  <a:schemeClr val="tx1"/>
+                </a:solidFill>
+                <a:effectLst/>
+                <a:latin typeface="標楷體" panose="03000509000000000000" pitchFamily="65" charset="-120"/>
+              </a:rPr>
+              <a:t>從 0 開始，檢查當前數字是否小於等於 </a:t>
+            </a:r>
+            <a:r>
+              <a:rPr kumimoji="0" lang="en-US" altLang="zh-TW" b="0" i="0" u="none" strike="noStrike" cap="none" normalizeH="0" baseline="0" dirty="0">
+                <a:ln>
+                  <a:noFill/>
+                </a:ln>
+                <a:solidFill>
+                  <a:schemeClr val="tx1"/>
+                </a:solidFill>
+                <a:effectLst/>
+                <a:latin typeface="標楷體" panose="03000509000000000000" pitchFamily="65" charset="-120"/>
+              </a:rPr>
+              <a:t>F</a:t>
+            </a:r>
+            <a:r>
+              <a:rPr kumimoji="0" lang="zh-TW" altLang="zh-TW" b="0" i="0" u="none" strike="noStrike" cap="none" normalizeH="0" baseline="0" dirty="0">
+                <a:ln>
+                  <a:noFill/>
+                </a:ln>
+                <a:solidFill>
+                  <a:schemeClr val="tx1"/>
+                </a:solidFill>
+                <a:effectLst/>
+                <a:latin typeface="標楷體" panose="03000509000000000000" pitchFamily="65" charset="-120"/>
+              </a:rPr>
+              <a:t>。</a:t>
+            </a:r>
+            <a:r>
+              <a:rPr kumimoji="0" lang="en-US" altLang="zh-TW" b="0" i="0" u="none" strike="noStrike" cap="none" normalizeH="0" baseline="0" dirty="0">
+                <a:ln>
+                  <a:noFill/>
+                </a:ln>
+                <a:solidFill>
+                  <a:schemeClr val="tx1"/>
+                </a:solidFill>
+                <a:effectLst/>
+                <a:latin typeface="標楷體" panose="03000509000000000000" pitchFamily="65" charset="-120"/>
+              </a:rPr>
+              <a:t> </a:t>
+            </a:r>
+          </a:p>
+          <a:p>
+            <a:pPr marL="0" marR="0" lvl="0" indent="0" algn="l" defTabSz="914400" rtl="0" eaLnBrk="0" fontAlgn="base" latinLnBrk="0" hangingPunct="0">
+              <a:lnSpc>
+                <a:spcPct val="100000"/>
+              </a:lnSpc>
+              <a:spcBef>
+                <a:spcPct val="0"/>
+              </a:spcBef>
+              <a:spcAft>
+                <a:spcPct val="0"/>
+              </a:spcAft>
+              <a:buClrTx/>
+              <a:buSzTx/>
+              <a:buFontTx/>
+              <a:buNone/>
+              <a:tabLst/>
+            </a:pPr>
+            <a:r>
+              <a:rPr lang="en-US" altLang="zh-TW" dirty="0">
+                <a:latin typeface="標楷體" panose="03000509000000000000" pitchFamily="65" charset="-120"/>
+              </a:rPr>
+              <a:t>  </a:t>
+            </a:r>
+            <a:r>
+              <a:rPr kumimoji="0" lang="zh-TW" altLang="zh-TW" b="0" i="0" u="none" strike="noStrike" cap="none" normalizeH="0" baseline="0" dirty="0">
+                <a:ln>
+                  <a:noFill/>
+                </a:ln>
+                <a:solidFill>
+                  <a:schemeClr val="tx1"/>
+                </a:solidFill>
+                <a:effectLst/>
+                <a:latin typeface="標楷體" panose="03000509000000000000" pitchFamily="65" charset="-120"/>
+              </a:rPr>
+              <a:t>如果條件成立 (</a:t>
+            </a:r>
+            <a:r>
+              <a:rPr kumimoji="0" lang="en-US" altLang="zh-TW" b="0" i="0" u="none" strike="noStrike" cap="none" normalizeH="0" baseline="0" dirty="0">
+                <a:ln>
+                  <a:noFill/>
+                </a:ln>
+                <a:solidFill>
+                  <a:schemeClr val="tx1"/>
+                </a:solidFill>
+                <a:effectLst/>
+                <a:latin typeface="標楷體" panose="03000509000000000000" pitchFamily="65" charset="-120"/>
+              </a:rPr>
+              <a:t>count </a:t>
+            </a:r>
+            <a:r>
+              <a:rPr kumimoji="0" lang="zh-TW" altLang="zh-TW" b="0" i="0" u="none" strike="noStrike" cap="none" normalizeH="0" baseline="0" dirty="0">
+                <a:ln>
+                  <a:noFill/>
+                </a:ln>
+                <a:solidFill>
+                  <a:schemeClr val="tx1"/>
+                </a:solidFill>
+                <a:effectLst/>
+                <a:latin typeface="標楷體" panose="03000509000000000000" pitchFamily="65" charset="-120"/>
+              </a:rPr>
+              <a:t>≤ </a:t>
+            </a:r>
+            <a:r>
+              <a:rPr kumimoji="0" lang="en-US" altLang="zh-TW" b="0" i="0" u="none" strike="noStrike" cap="none" normalizeH="0" baseline="0" dirty="0">
+                <a:ln>
+                  <a:noFill/>
+                </a:ln>
+                <a:solidFill>
+                  <a:schemeClr val="tx1"/>
+                </a:solidFill>
+                <a:effectLst/>
+                <a:latin typeface="標楷體" panose="03000509000000000000" pitchFamily="65" charset="-120"/>
+              </a:rPr>
+              <a:t>F</a:t>
+            </a:r>
+            <a:r>
+              <a:rPr kumimoji="0" lang="zh-TW" altLang="zh-TW" b="0" i="0" u="none" strike="noStrike" cap="none" normalizeH="0" baseline="0" dirty="0">
+                <a:ln>
+                  <a:noFill/>
+                </a:ln>
+                <a:solidFill>
+                  <a:schemeClr val="tx1"/>
+                </a:solidFill>
+                <a:effectLst/>
+                <a:latin typeface="標楷體" panose="03000509000000000000" pitchFamily="65" charset="-120"/>
+              </a:rPr>
+              <a:t>)，輸出數字並遞增。</a:t>
+            </a:r>
+            <a:endParaRPr kumimoji="0" lang="en-US" altLang="zh-TW" b="0" i="0" u="none" strike="noStrike" cap="none" normalizeH="0" baseline="0" dirty="0">
+              <a:ln>
+                <a:noFill/>
+              </a:ln>
+              <a:solidFill>
+                <a:schemeClr val="tx1"/>
+              </a:solidFill>
+              <a:effectLst/>
+              <a:latin typeface="標楷體" panose="03000509000000000000" pitchFamily="65" charset="-120"/>
+            </a:endParaRPr>
+          </a:p>
+          <a:p>
+            <a:pPr marL="0" marR="0" lvl="0" indent="0" algn="l" defTabSz="914400" rtl="0" eaLnBrk="0" fontAlgn="base" latinLnBrk="0" hangingPunct="0">
+              <a:lnSpc>
+                <a:spcPct val="100000"/>
+              </a:lnSpc>
+              <a:spcBef>
+                <a:spcPct val="0"/>
+              </a:spcBef>
+              <a:spcAft>
+                <a:spcPct val="0"/>
+              </a:spcAft>
+              <a:buClrTx/>
+              <a:buSzTx/>
+              <a:buFontTx/>
+              <a:buNone/>
+              <a:tabLst/>
+            </a:pPr>
+            <a:r>
+              <a:rPr lang="en-US" altLang="zh-TW" dirty="0">
+                <a:latin typeface="標楷體" panose="03000509000000000000" pitchFamily="65" charset="-120"/>
+              </a:rPr>
+              <a:t>  </a:t>
+            </a:r>
+            <a:r>
+              <a:rPr kumimoji="0" lang="zh-TW" altLang="zh-TW" b="0" i="0" u="none" strike="noStrike" cap="none" normalizeH="0" baseline="0" dirty="0">
+                <a:ln>
+                  <a:noFill/>
+                </a:ln>
+                <a:solidFill>
+                  <a:schemeClr val="tx1"/>
+                </a:solidFill>
+                <a:effectLst/>
+                <a:latin typeface="標楷體" panose="03000509000000000000" pitchFamily="65" charset="-120"/>
+              </a:rPr>
+              <a:t>重複條件檢查，直到條件不成立。</a:t>
+            </a:r>
             <a:endParaRPr kumimoji="0" lang="zh-TW" altLang="zh-TW" sz="1800" b="0" i="0" u="none" strike="noStrike" cap="none" normalizeH="0" baseline="0" dirty="0">
               <a:ln>
                 <a:noFill/>
@@ -7144,7 +6227,7 @@
                 <a:schemeClr val="tx1"/>
               </a:solidFill>
               <a:effectLst/>
-              <a:latin typeface="Arial" panose="020B0604020202020204" pitchFamily="34" charset="0"/>
+              <a:latin typeface="標楷體" panose="03000509000000000000" pitchFamily="65" charset="-120"/>
             </a:endParaRPr>
           </a:p>
         </p:txBody>
@@ -7165,8 +6248,8 @@
         </p:nvSpPr>
         <p:spPr bwMode="auto">
           <a:xfrm>
-            <a:off x="838200" y="2849633"/>
-            <a:ext cx="5785137" cy="1600438"/>
+            <a:off x="838200" y="2905464"/>
+            <a:ext cx="5785137" cy="1323439"/>
           </a:xfrm>
           <a:prstGeom prst="rect">
             <a:avLst/>
@@ -7242,7 +6325,70 @@
                 <a:latin typeface="標楷體" panose="03000509000000000000" pitchFamily="65" charset="-120"/>
                 <a:ea typeface="標楷體" panose="03000509000000000000" pitchFamily="65" charset="-120"/>
               </a:rPr>
-              <a:t>2.下數 (9-0) </a:t>
+              <a:t>2.</a:t>
+            </a:r>
+            <a:r>
+              <a:rPr lang="en-US" altLang="zh-TW" sz="1600" b="1" dirty="0">
+                <a:latin typeface="標楷體" panose="03000509000000000000" pitchFamily="65" charset="-120"/>
+                <a:ea typeface="標楷體" panose="03000509000000000000" pitchFamily="65" charset="-120"/>
+              </a:rPr>
+              <a:t>c</a:t>
+            </a:r>
+            <a:r>
+              <a:rPr kumimoji="0" lang="en-US" altLang="zh-TW" sz="1600" b="1" i="0" u="none" strike="noStrike" cap="none" normalizeH="0" baseline="0" dirty="0">
+                <a:ln>
+                  <a:noFill/>
+                </a:ln>
+                <a:solidFill>
+                  <a:schemeClr val="tx1"/>
+                </a:solidFill>
+                <a:effectLst/>
+                <a:latin typeface="標楷體" panose="03000509000000000000" pitchFamily="65" charset="-120"/>
+                <a:ea typeface="標楷體" panose="03000509000000000000" pitchFamily="65" charset="-120"/>
+              </a:rPr>
+              <a:t>ount2 </a:t>
+            </a:r>
+            <a:r>
+              <a:rPr kumimoji="0" lang="zh-TW" altLang="zh-TW" sz="1600" b="1" i="0" u="none" strike="noStrike" cap="none" normalizeH="0" baseline="0" dirty="0">
+                <a:ln>
+                  <a:noFill/>
+                </a:ln>
+                <a:solidFill>
+                  <a:schemeClr val="tx1"/>
+                </a:solidFill>
+                <a:effectLst/>
+                <a:latin typeface="標楷體" panose="03000509000000000000" pitchFamily="65" charset="-120"/>
+                <a:ea typeface="標楷體" panose="03000509000000000000" pitchFamily="65" charset="-120"/>
+              </a:rPr>
+              <a:t>下數 (</a:t>
+            </a:r>
+            <a:r>
+              <a:rPr kumimoji="0" lang="en-US" altLang="zh-TW" sz="1600" b="1" i="0" u="none" strike="noStrike" cap="none" normalizeH="0" baseline="0" dirty="0">
+                <a:ln>
+                  <a:noFill/>
+                </a:ln>
+                <a:solidFill>
+                  <a:schemeClr val="tx1"/>
+                </a:solidFill>
+                <a:effectLst/>
+                <a:latin typeface="標楷體" panose="03000509000000000000" pitchFamily="65" charset="-120"/>
+                <a:ea typeface="標楷體" panose="03000509000000000000" pitchFamily="65" charset="-120"/>
+              </a:rPr>
+              <a:t>F</a:t>
+            </a:r>
+            <a:r>
+              <a:rPr kumimoji="0" lang="zh-TW" altLang="zh-TW" sz="1600" b="1" i="0" u="none" strike="noStrike" cap="none" normalizeH="0" baseline="0" dirty="0">
+                <a:ln>
+                  <a:noFill/>
+                </a:ln>
+                <a:solidFill>
+                  <a:schemeClr val="tx1"/>
+                </a:solidFill>
+                <a:effectLst/>
+                <a:latin typeface="標楷體" panose="03000509000000000000" pitchFamily="65" charset="-120"/>
+                <a:ea typeface="標楷體" panose="03000509000000000000" pitchFamily="65" charset="-120"/>
+              </a:rPr>
+              <a:t>-0) </a:t>
             </a:r>
             <a:endParaRPr kumimoji="0" lang="en-US" altLang="zh-TW" sz="1600" b="1" i="0" u="none" strike="noStrike" cap="none" normalizeH="0" baseline="0" dirty="0">
               <a:ln>
@@ -7285,7 +6431,7 @@
                 <a:latin typeface="標楷體" panose="03000509000000000000" pitchFamily="65" charset="-120"/>
                 <a:ea typeface="標楷體" panose="03000509000000000000" pitchFamily="65" charset="-120"/>
               </a:rPr>
-              <a:t>   </a:t>
+              <a:t>  </a:t>
             </a:r>
             <a:r>
               <a:rPr kumimoji="0" lang="zh-TW" altLang="zh-TW" sz="1600" b="1" i="0" u="none" strike="noStrike" cap="none" normalizeH="0" baseline="0" dirty="0">
@@ -7315,132 +6461,7 @@
               </a:rPr>
               <a:t>:</a:t>
             </a:r>
-          </a:p>
-          <a:p>
-            <a:pPr marL="457200" marR="0" lvl="1" indent="0" algn="l" defTabSz="914400" rtl="0" eaLnBrk="0" fontAlgn="base" latinLnBrk="0" hangingPunct="0">
-              <a:lnSpc>
-                <a:spcPct val="100000"/>
-              </a:lnSpc>
-              <a:spcBef>
-                <a:spcPct val="0"/>
-              </a:spcBef>
-              <a:spcAft>
-                <a:spcPct val="0"/>
-              </a:spcAft>
-              <a:buClrTx/>
-              <a:buSzTx/>
-              <a:tabLst/>
-            </a:pPr>
-            <a:r>
-              <a:rPr kumimoji="0" lang="zh-TW" altLang="zh-TW" sz="1600" b="0" i="0" u="none" strike="noStrike" cap="none" normalizeH="0" baseline="0" dirty="0">
-                <a:ln>
-                  <a:noFill/>
-                </a:ln>
-                <a:solidFill>
-                  <a:schemeClr val="tx1"/>
-                </a:solidFill>
-                <a:effectLst/>
-                <a:latin typeface="標楷體" panose="03000509000000000000" pitchFamily="65" charset="-120"/>
-                <a:ea typeface="標楷體" panose="03000509000000000000" pitchFamily="65" charset="-120"/>
-              </a:rPr>
-              <a:t>從 9 開始，檢查當前數字是否大於等於 0。</a:t>
-            </a:r>
-          </a:p>
-          <a:p>
-            <a:pPr marL="457200" marR="0" lvl="1" indent="0" algn="l" defTabSz="914400" rtl="0" eaLnBrk="0" fontAlgn="base" latinLnBrk="0" hangingPunct="0">
-              <a:lnSpc>
-                <a:spcPct val="100000"/>
-              </a:lnSpc>
-              <a:spcBef>
-                <a:spcPct val="0"/>
-              </a:spcBef>
-              <a:spcAft>
-                <a:spcPct val="0"/>
-              </a:spcAft>
-              <a:buClrTx/>
-              <a:buSzTx/>
-              <a:tabLst/>
-            </a:pPr>
-            <a:r>
-              <a:rPr kumimoji="0" lang="zh-TW" altLang="zh-TW" sz="1600" b="0" i="0" u="none" strike="noStrike" cap="none" normalizeH="0" baseline="0" dirty="0">
-                <a:ln>
-                  <a:noFill/>
-                </a:ln>
-                <a:solidFill>
-                  <a:schemeClr val="tx1"/>
-                </a:solidFill>
-                <a:effectLst/>
-                <a:latin typeface="標楷體" panose="03000509000000000000" pitchFamily="65" charset="-120"/>
-                <a:ea typeface="標楷體" panose="03000509000000000000" pitchFamily="65" charset="-120"/>
-              </a:rPr>
-              <a:t>如果條件成立 (</a:t>
-            </a:r>
-            <a:r>
-              <a:rPr kumimoji="0" lang="en-US" altLang="zh-TW" sz="1600" b="0" i="0" u="none" strike="noStrike" cap="none" normalizeH="0" baseline="0" dirty="0">
-                <a:ln>
-                  <a:noFill/>
-                </a:ln>
-                <a:solidFill>
-                  <a:schemeClr val="tx1"/>
-                </a:solidFill>
-                <a:effectLst/>
-                <a:latin typeface="標楷體" panose="03000509000000000000" pitchFamily="65" charset="-120"/>
-                <a:ea typeface="標楷體" panose="03000509000000000000" pitchFamily="65" charset="-120"/>
-              </a:rPr>
-              <a:t>count</a:t>
-            </a:r>
-            <a:r>
-              <a:rPr kumimoji="0" lang="zh-TW" altLang="zh-TW" sz="1600" b="0" i="0" u="none" strike="noStrike" cap="none" normalizeH="0" baseline="0" dirty="0">
-                <a:ln>
-                  <a:noFill/>
-                </a:ln>
-                <a:solidFill>
-                  <a:schemeClr val="tx1"/>
-                </a:solidFill>
-                <a:effectLst/>
-                <a:latin typeface="標楷體" panose="03000509000000000000" pitchFamily="65" charset="-120"/>
-                <a:ea typeface="標楷體" panose="03000509000000000000" pitchFamily="65" charset="-120"/>
-              </a:rPr>
-              <a:t> ≥ 0)，輸出數字並遞減。</a:t>
-            </a:r>
-          </a:p>
-          <a:p>
-            <a:pPr lvl="1" eaLnBrk="0" fontAlgn="base" hangingPunct="0">
-              <a:spcBef>
-                <a:spcPct val="0"/>
-              </a:spcBef>
-              <a:spcAft>
-                <a:spcPct val="0"/>
-              </a:spcAft>
-            </a:pPr>
-            <a:r>
-              <a:rPr kumimoji="0" lang="zh-TW" altLang="zh-TW" sz="1600" b="0" i="0" u="none" strike="noStrike" cap="none" normalizeH="0" baseline="0" dirty="0">
-                <a:ln>
-                  <a:noFill/>
-                </a:ln>
-                <a:solidFill>
-                  <a:schemeClr val="tx1"/>
-                </a:solidFill>
-                <a:effectLst/>
-                <a:latin typeface="標楷體" panose="03000509000000000000" pitchFamily="65" charset="-120"/>
-                <a:ea typeface="標楷體" panose="03000509000000000000" pitchFamily="65" charset="-120"/>
-              </a:rPr>
-              <a:t>重複條件檢查，直到條件不成立。</a:t>
-            </a:r>
-            <a:r>
-              <a:rPr lang="zh-TW" altLang="en-US" sz="1600" dirty="0">
-                <a:latin typeface="標楷體" panose="03000509000000000000" pitchFamily="65" charset="-120"/>
-                <a:ea typeface="標楷體" panose="03000509000000000000" pitchFamily="65" charset="-120"/>
-              </a:rPr>
-              <a:t>則 </a:t>
-            </a:r>
-            <a:r>
-              <a:rPr lang="en-US" altLang="zh-TW" sz="1600" dirty="0">
-                <a:latin typeface="Arial" panose="020B0604020202020204" pitchFamily="34" charset="0"/>
-              </a:rPr>
-              <a:t>Count&lt;=9</a:t>
-            </a:r>
-            <a:endParaRPr kumimoji="0" lang="zh-TW" altLang="zh-TW" sz="1600" b="0" i="0" u="none" strike="noStrike" cap="none" normalizeH="0" baseline="0" dirty="0">
+            <a:endParaRPr kumimoji="0" lang="en-US" altLang="zh-TW" sz="1600" b="0" i="0" u="none" strike="noStrike" cap="none" normalizeH="0" baseline="0" dirty="0">
               <a:ln>
                 <a:noFill/>
               </a:ln>
@@ -7469,6 +6490,183 @@
               <a:buNone/>
               <a:tabLst/>
             </a:pPr>
+            <a:r>
+              <a:rPr lang="en-US" altLang="zh-TW" sz="1600" dirty="0">
+                <a:latin typeface="標楷體" panose="03000509000000000000" pitchFamily="65" charset="-120"/>
+                <a:ea typeface="標楷體" panose="03000509000000000000" pitchFamily="65" charset="-120"/>
+              </a:rPr>
+              <a:t>  </a:t>
+            </a:r>
+            <a:r>
+              <a:rPr kumimoji="0" lang="zh-TW" altLang="zh-TW" sz="1600" b="0" i="0" u="none" strike="noStrike" cap="none" normalizeH="0" baseline="0" dirty="0">
+                <a:ln>
+                  <a:noFill/>
+                </a:ln>
+                <a:solidFill>
+                  <a:schemeClr val="tx1"/>
+                </a:solidFill>
+                <a:effectLst/>
+                <a:latin typeface="標楷體" panose="03000509000000000000" pitchFamily="65" charset="-120"/>
+                <a:ea typeface="標楷體" panose="03000509000000000000" pitchFamily="65" charset="-120"/>
+              </a:rPr>
+              <a:t>從 </a:t>
+            </a:r>
+            <a:r>
+              <a:rPr kumimoji="0" lang="en-US" altLang="zh-TW" sz="1600" b="0" i="0" u="none" strike="noStrike" cap="none" normalizeH="0" baseline="0" dirty="0">
+                <a:ln>
+                  <a:noFill/>
+                </a:ln>
+                <a:solidFill>
+                  <a:schemeClr val="tx1"/>
+                </a:solidFill>
+                <a:effectLst/>
+                <a:latin typeface="標楷體" panose="03000509000000000000" pitchFamily="65" charset="-120"/>
+                <a:ea typeface="標楷體" panose="03000509000000000000" pitchFamily="65" charset="-120"/>
+              </a:rPr>
+              <a:t>F</a:t>
+            </a:r>
+            <a:r>
+              <a:rPr kumimoji="0" lang="zh-TW" altLang="zh-TW" sz="1600" b="0" i="0" u="none" strike="noStrike" cap="none" normalizeH="0" baseline="0" dirty="0">
+                <a:ln>
+                  <a:noFill/>
+                </a:ln>
+                <a:solidFill>
+                  <a:schemeClr val="tx1"/>
+                </a:solidFill>
+                <a:effectLst/>
+                <a:latin typeface="標楷體" panose="03000509000000000000" pitchFamily="65" charset="-120"/>
+                <a:ea typeface="標楷體" panose="03000509000000000000" pitchFamily="65" charset="-120"/>
+              </a:rPr>
+              <a:t> 開始，檢查當前數字是否大於等於 0。</a:t>
+            </a:r>
+            <a:endParaRPr kumimoji="0" lang="en-US" altLang="zh-TW" sz="1600" b="0" i="0" u="none" strike="noStrike" cap="none" normalizeH="0" baseline="0" dirty="0">
+              <a:ln>
+                <a:noFill/>
+              </a:ln>
+              <a:solidFill>
+                <a:schemeClr val="tx1"/>
+              </a:solidFill>
+              <a:effectLst/>
+              <a:latin typeface="標楷體" panose="03000509000000000000" pitchFamily="65" charset="-120"/>
+              <a:ea typeface="標楷體" panose="03000509000000000000" pitchFamily="65" charset="-120"/>
+            </a:endParaRPr>
+          </a:p>
+          <a:p>
+            <a:pPr marL="0" marR="0" lvl="0" indent="0" algn="l" defTabSz="914400" rtl="0" eaLnBrk="0" fontAlgn="base" latinLnBrk="0" hangingPunct="0">
+              <a:lnSpc>
+                <a:spcPct val="100000"/>
+              </a:lnSpc>
+              <a:spcBef>
+                <a:spcPct val="0"/>
+              </a:spcBef>
+              <a:spcAft>
+                <a:spcPct val="0"/>
+              </a:spcAft>
+              <a:buClrTx/>
+              <a:buSzTx/>
+              <a:buFontTx/>
+              <a:buNone/>
+              <a:tabLst/>
+            </a:pPr>
+            <a:r>
+              <a:rPr lang="en-US" altLang="zh-TW" sz="1600" dirty="0">
+                <a:latin typeface="標楷體" panose="03000509000000000000" pitchFamily="65" charset="-120"/>
+                <a:ea typeface="標楷體" panose="03000509000000000000" pitchFamily="65" charset="-120"/>
+              </a:rPr>
+              <a:t>  </a:t>
+            </a:r>
+            <a:r>
+              <a:rPr kumimoji="0" lang="zh-TW" altLang="zh-TW" sz="1600" b="0" i="0" u="none" strike="noStrike" cap="none" normalizeH="0" baseline="0" dirty="0">
+                <a:ln>
+                  <a:noFill/>
+                </a:ln>
+                <a:solidFill>
+                  <a:schemeClr val="tx1"/>
+                </a:solidFill>
+                <a:effectLst/>
+                <a:latin typeface="標楷體" panose="03000509000000000000" pitchFamily="65" charset="-120"/>
+                <a:ea typeface="標楷體" panose="03000509000000000000" pitchFamily="65" charset="-120"/>
+              </a:rPr>
+              <a:t>如果條件成立 (</a:t>
+            </a:r>
+            <a:r>
+              <a:rPr kumimoji="0" lang="en-US" altLang="zh-TW" sz="1600" b="0" i="0" u="none" strike="noStrike" cap="none" normalizeH="0" baseline="0" dirty="0">
+                <a:ln>
+                  <a:noFill/>
+                </a:ln>
+                <a:solidFill>
+                  <a:schemeClr val="tx1"/>
+                </a:solidFill>
+                <a:effectLst/>
+                <a:latin typeface="標楷體" panose="03000509000000000000" pitchFamily="65" charset="-120"/>
+                <a:ea typeface="標楷體" panose="03000509000000000000" pitchFamily="65" charset="-120"/>
+              </a:rPr>
+              <a:t>count</a:t>
+            </a:r>
+            <a:r>
+              <a:rPr kumimoji="0" lang="zh-TW" altLang="zh-TW" sz="1600" b="0" i="0" u="none" strike="noStrike" cap="none" normalizeH="0" baseline="0" dirty="0">
+                <a:ln>
+                  <a:noFill/>
+                </a:ln>
+                <a:solidFill>
+                  <a:schemeClr val="tx1"/>
+                </a:solidFill>
+                <a:effectLst/>
+                <a:latin typeface="標楷體" panose="03000509000000000000" pitchFamily="65" charset="-120"/>
+                <a:ea typeface="標楷體" panose="03000509000000000000" pitchFamily="65" charset="-120"/>
+              </a:rPr>
+              <a:t> ≥ 0)，輸出數字並遞減。</a:t>
+            </a:r>
+            <a:endParaRPr kumimoji="0" lang="en-US" altLang="zh-TW" sz="1600" b="0" i="0" u="none" strike="noStrike" cap="none" normalizeH="0" baseline="0" dirty="0">
+              <a:ln>
+                <a:noFill/>
+              </a:ln>
+              <a:solidFill>
+                <a:schemeClr val="tx1"/>
+              </a:solidFill>
+              <a:effectLst/>
+              <a:latin typeface="標楷體" panose="03000509000000000000" pitchFamily="65" charset="-120"/>
+              <a:ea typeface="標楷體" panose="03000509000000000000" pitchFamily="65" charset="-120"/>
+            </a:endParaRPr>
+          </a:p>
+          <a:p>
+            <a:pPr marL="0" marR="0" lvl="0" indent="0" algn="l" defTabSz="914400" rtl="0" eaLnBrk="0" fontAlgn="base" latinLnBrk="0" hangingPunct="0">
+              <a:lnSpc>
+                <a:spcPct val="100000"/>
+              </a:lnSpc>
+              <a:spcBef>
+                <a:spcPct val="0"/>
+              </a:spcBef>
+              <a:spcAft>
+                <a:spcPct val="0"/>
+              </a:spcAft>
+              <a:buClrTx/>
+              <a:buSzTx/>
+              <a:buFontTx/>
+              <a:buNone/>
+              <a:tabLst/>
+            </a:pPr>
+            <a:r>
+              <a:rPr lang="en-US" altLang="zh-TW" sz="1600" dirty="0">
+                <a:latin typeface="標楷體" panose="03000509000000000000" pitchFamily="65" charset="-120"/>
+                <a:ea typeface="標楷體" panose="03000509000000000000" pitchFamily="65" charset="-120"/>
+              </a:rPr>
+              <a:t>  </a:t>
+            </a:r>
+            <a:r>
+              <a:rPr kumimoji="0" lang="zh-TW" altLang="zh-TW" sz="1600" b="0" i="0" u="none" strike="noStrike" cap="none" normalizeH="0" baseline="0" dirty="0">
+                <a:ln>
+                  <a:noFill/>
+                </a:ln>
+                <a:solidFill>
+                  <a:schemeClr val="tx1"/>
+                </a:solidFill>
+                <a:effectLst/>
+                <a:latin typeface="標楷體" panose="03000509000000000000" pitchFamily="65" charset="-120"/>
+                <a:ea typeface="標楷體" panose="03000509000000000000" pitchFamily="65" charset="-120"/>
+              </a:rPr>
+              <a:t>重複條件檢查，直到條件不成立。</a:t>
+            </a:r>
             <a:endParaRPr kumimoji="0" lang="zh-TW" altLang="zh-TW" sz="1800" b="0" i="0" u="none" strike="noStrike" cap="none" normalizeH="0" baseline="0" dirty="0">
               <a:ln>
                 <a:noFill/>
@@ -7477,17 +6675,18 @@
                 <a:schemeClr val="tx1"/>
               </a:solidFill>
               <a:effectLst/>
-              <a:latin typeface="Arial" panose="020B0604020202020204" pitchFamily="34" charset="0"/>
+              <a:latin typeface="標楷體" panose="03000509000000000000" pitchFamily="65" charset="-120"/>
+              <a:ea typeface="標楷體" panose="03000509000000000000" pitchFamily="65" charset="-120"/>
             </a:endParaRPr>
           </a:p>
         </p:txBody>
       </p:sp>
       <p:sp>
         <p:nvSpPr>
-          <p:cNvPr id="2" name="文字方塊 1">
+          <p:cNvPr id="5" name="文字方塊 4">
             <a:extLst>
               <a:ext uri="{FF2B5EF4-FFF2-40B4-BE49-F238E27FC236}">
-                <a16:creationId xmlns:a16="http://schemas.microsoft.com/office/drawing/2014/main" id="{07A59280-3829-48A6-9A8F-384C3C24D8DF}"/>
+                <a16:creationId xmlns:a16="http://schemas.microsoft.com/office/drawing/2014/main" id="{E08EB599-658E-47D2-A00A-FA1711E624DC}"/>
               </a:ext>
             </a:extLst>
           </p:cNvPr>
@@ -7496,8 +6695,8 @@
         </p:nvSpPr>
         <p:spPr>
           <a:xfrm>
-            <a:off x="838200" y="4437100"/>
-            <a:ext cx="5067650" cy="1661993"/>
+            <a:off x="838200" y="4412239"/>
+            <a:ext cx="4288353" cy="1323439"/>
           </a:xfrm>
           <a:prstGeom prst="rect">
             <a:avLst/>
@@ -7505,7 +6704,7 @@
           <a:noFill/>
         </p:spPr>
         <p:txBody>
-          <a:bodyPr wrap="square" rtlCol="0">
+          <a:bodyPr wrap="none" rtlCol="0">
             <a:spAutoFit/>
           </a:bodyPr>
           <a:lstStyle/>
@@ -7522,57 +6721,65 @@
                 <a:latin typeface="標楷體" panose="03000509000000000000" pitchFamily="65" charset="-120"/>
                 <a:ea typeface="標楷體" panose="03000509000000000000" pitchFamily="65" charset="-120"/>
               </a:rPr>
-              <a:t>上下限設定</a:t>
-            </a:r>
-            <a:endParaRPr lang="en-US" altLang="zh-TW" sz="1600" b="1" dirty="0">
-              <a:latin typeface="標楷體" panose="03000509000000000000" pitchFamily="65" charset="-120"/>
-              <a:ea typeface="標楷體" panose="03000509000000000000" pitchFamily="65" charset="-120"/>
-            </a:endParaRPr>
-          </a:p>
-          <a:p>
-            <a:r>
-              <a:rPr lang="zh-TW" altLang="en-US" sz="1600" dirty="0">
+              <a:t>把</a:t>
+            </a:r>
+            <a:r>
+              <a:rPr lang="en-US" altLang="zh-TW" sz="1600" b="1" dirty="0">
                 <a:latin typeface="標楷體" panose="03000509000000000000" pitchFamily="65" charset="-120"/>
                 <a:ea typeface="標楷體" panose="03000509000000000000" pitchFamily="65" charset="-120"/>
               </a:rPr>
-              <a:t>   </a:t>
+              <a:t>count1</a:t>
             </a:r>
             <a:r>
               <a:rPr lang="zh-TW" altLang="en-US" sz="1600" b="1" dirty="0">
                 <a:latin typeface="標楷體" panose="03000509000000000000" pitchFamily="65" charset="-120"/>
                 <a:ea typeface="標楷體" panose="03000509000000000000" pitchFamily="65" charset="-120"/>
               </a:rPr>
-              <a:t>定義上下限範圍</a:t>
+              <a:t>和</a:t>
             </a:r>
             <a:r>
               <a:rPr lang="en-US" altLang="zh-TW" sz="1600" b="1" dirty="0">
                 <a:latin typeface="標楷體" panose="03000509000000000000" pitchFamily="65" charset="-120"/>
                 <a:ea typeface="標楷體" panose="03000509000000000000" pitchFamily="65" charset="-120"/>
               </a:rPr>
-              <a:t>:</a:t>
-            </a:r>
-          </a:p>
-          <a:p>
-            <a:r>
-              <a:rPr lang="zh-TW" altLang="en-US" sz="1600" dirty="0">
+              <a:t>count2</a:t>
+            </a:r>
+            <a:r>
+              <a:rPr lang="zh-TW" altLang="en-US" sz="1600" b="1" dirty="0">
                 <a:latin typeface="標楷體" panose="03000509000000000000" pitchFamily="65" charset="-120"/>
                 <a:ea typeface="標楷體" panose="03000509000000000000" pitchFamily="65" charset="-120"/>
               </a:rPr>
-              <a:t>    設定起始值</a:t>
-            </a:r>
-            <a:r>
-              <a:rPr lang="en-US" altLang="zh-TW" sz="1600" dirty="0">
+              <a:t>整合成一個</a:t>
+            </a:r>
+            <a:r>
+              <a:rPr lang="en-US" altLang="zh-TW" sz="1600" b="1" dirty="0">
                 <a:latin typeface="標楷體" panose="03000509000000000000" pitchFamily="65" charset="-120"/>
                 <a:ea typeface="標楷體" panose="03000509000000000000" pitchFamily="65" charset="-120"/>
               </a:rPr>
-              <a:t>(start)</a:t>
-            </a:r>
-            <a:r>
-              <a:rPr lang="zh-TW" altLang="en-US" sz="1600" dirty="0">
+              <a:t>FSM</a:t>
+            </a:r>
+          </a:p>
+          <a:p>
+            <a:r>
+              <a:rPr lang="en-US" altLang="zh-TW" sz="1600" b="1" dirty="0">
                 <a:latin typeface="標楷體" panose="03000509000000000000" pitchFamily="65" charset="-120"/>
                 <a:ea typeface="標楷體" panose="03000509000000000000" pitchFamily="65" charset="-120"/>
               </a:rPr>
-              <a:t>：計數器最小值。</a:t>
+              <a:t>  </a:t>
+            </a:r>
+            <a:r>
+              <a:rPr lang="zh-TW" altLang="zh-TW" sz="1600" b="1" dirty="0">
+                <a:latin typeface="標楷體" panose="03000509000000000000" pitchFamily="65" charset="-120"/>
+                <a:ea typeface="標楷體" panose="03000509000000000000" pitchFamily="65" charset="-120"/>
+              </a:rPr>
+              <a:t>邏輯分析</a:t>
+            </a:r>
+            <a:r>
+              <a:rPr lang="zh-TW" altLang="zh-TW" sz="1600" dirty="0">
+                <a:latin typeface="標楷體" panose="03000509000000000000" pitchFamily="65" charset="-120"/>
+                <a:ea typeface="標楷體" panose="03000509000000000000" pitchFamily="65" charset="-120"/>
+              </a:rPr>
+              <a:t>:</a:t>
             </a:r>
             <a:endParaRPr lang="en-US" altLang="zh-TW" sz="1600" dirty="0">
               <a:latin typeface="標楷體" panose="03000509000000000000" pitchFamily="65" charset="-120"/>
@@ -7585,21 +6792,35 @@
                 <a:latin typeface="標楷體" panose="03000509000000000000" pitchFamily="65" charset="-120"/>
                 <a:ea typeface="標楷體" panose="03000509000000000000" pitchFamily="65" charset="-120"/>
               </a:rPr>
-              <a:t>    設定結束值</a:t>
+              <a:t>  當</a:t>
             </a:r>
             <a:r>
               <a:rPr lang="en-US" altLang="zh-TW" sz="1600" dirty="0">
                 <a:latin typeface="標楷體" panose="03000509000000000000" pitchFamily="65" charset="-120"/>
                 <a:ea typeface="標楷體" panose="03000509000000000000" pitchFamily="65" charset="-120"/>
               </a:rPr>
-              <a:t>(end)</a:t>
+              <a:t>count1</a:t>
             </a:r>
             <a:r>
               <a:rPr lang="zh-TW" altLang="en-US" sz="1600" dirty="0">
                 <a:latin typeface="標楷體" panose="03000509000000000000" pitchFamily="65" charset="-120"/>
                 <a:ea typeface="標楷體" panose="03000509000000000000" pitchFamily="65" charset="-120"/>
               </a:rPr>
-              <a:t>：計數器最大值。</a:t>
+              <a:t>條件不成立的時候切換成</a:t>
+            </a:r>
+            <a:r>
+              <a:rPr lang="en-US" altLang="zh-TW" sz="1600" dirty="0">
+                <a:latin typeface="標楷體" panose="03000509000000000000" pitchFamily="65" charset="-120"/>
+                <a:ea typeface="標楷體" panose="03000509000000000000" pitchFamily="65" charset="-120"/>
+              </a:rPr>
+              <a:t>count2</a:t>
+            </a:r>
+            <a:r>
+              <a:rPr lang="zh-TW" altLang="en-US" sz="1600" dirty="0">
+                <a:latin typeface="標楷體" panose="03000509000000000000" pitchFamily="65" charset="-120"/>
+                <a:ea typeface="標楷體" panose="03000509000000000000" pitchFamily="65" charset="-120"/>
+              </a:rPr>
+              <a:t>；</a:t>
             </a:r>
             <a:endParaRPr lang="en-US" altLang="zh-TW" sz="1600" dirty="0">
               <a:latin typeface="標楷體" panose="03000509000000000000" pitchFamily="65" charset="-120"/>
@@ -7612,29 +6833,46 @@
                 <a:latin typeface="標楷體" panose="03000509000000000000" pitchFamily="65" charset="-120"/>
                 <a:ea typeface="標楷體" panose="03000509000000000000" pitchFamily="65" charset="-120"/>
               </a:rPr>
-              <a:t>    確保</a:t>
+              <a:t>  當</a:t>
             </a:r>
             <a:r>
               <a:rPr lang="en-US" altLang="zh-TW" sz="1600" dirty="0">
                 <a:latin typeface="標楷體" panose="03000509000000000000" pitchFamily="65" charset="-120"/>
                 <a:ea typeface="標楷體" panose="03000509000000000000" pitchFamily="65" charset="-120"/>
               </a:rPr>
-              <a:t>start&lt;=count&lt;=end</a:t>
+              <a:t>count2</a:t>
             </a:r>
             <a:r>
               <a:rPr lang="zh-TW" altLang="en-US" sz="1600" dirty="0">
                 <a:latin typeface="標楷體" panose="03000509000000000000" pitchFamily="65" charset="-120"/>
                 <a:ea typeface="標楷體" panose="03000509000000000000" pitchFamily="65" charset="-120"/>
               </a:rPr>
+              <a:t>條件不成立的時候切換成</a:t>
+            </a:r>
+            <a:r>
+              <a:rPr lang="en-US" altLang="zh-TW" sz="1600" dirty="0">
+                <a:latin typeface="標楷體" panose="03000509000000000000" pitchFamily="65" charset="-120"/>
+                <a:ea typeface="標楷體" panose="03000509000000000000" pitchFamily="65" charset="-120"/>
+              </a:rPr>
+              <a:t>count1</a:t>
+            </a:r>
+            <a:r>
+              <a:rPr lang="zh-TW" altLang="en-US" sz="1600" dirty="0">
+                <a:latin typeface="標楷體" panose="03000509000000000000" pitchFamily="65" charset="-120"/>
+                <a:ea typeface="標楷體" panose="03000509000000000000" pitchFamily="65" charset="-120"/>
+              </a:rPr>
               <a:t>。</a:t>
             </a:r>
-            <a:endParaRPr lang="en-US" altLang="zh-TW" sz="1600" dirty="0">
+            <a:endParaRPr lang="zh-TW" altLang="zh-TW" sz="1600" dirty="0">
               <a:latin typeface="標楷體" panose="03000509000000000000" pitchFamily="65" charset="-120"/>
               <a:ea typeface="標楷體" panose="03000509000000000000" pitchFamily="65" charset="-120"/>
             </a:endParaRPr>
           </a:p>
           <a:p>
-            <a:endParaRPr lang="zh-TW" altLang="en-US" dirty="0"/>
+            <a:endParaRPr lang="zh-TW" altLang="en-US" sz="1600" dirty="0">
+              <a:latin typeface="標楷體" panose="03000509000000000000" pitchFamily="65" charset="-120"/>
+              <a:ea typeface="標楷體" panose="03000509000000000000" pitchFamily="65" charset="-120"/>
+            </a:endParaRPr>
           </a:p>
         </p:txBody>
       </p:sp>
@@ -7946,6 +7184,62 @@
             <a:endParaRPr lang="en-US" altLang="zh-TW" dirty="0"/>
           </a:p>
           <a:p>
+            <a:pPr marL="285750" lvl="1" indent="-285750"/>
+            <a:endParaRPr lang="en-US" altLang="zh-TW" dirty="0"/>
+          </a:p>
+          <a:p>
+            <a:pPr marL="0" lvl="1" indent="0">
+              <a:buNone/>
+            </a:pPr>
+            <a:r>
+              <a:rPr lang="zh-TW" altLang="en-US" b="1" dirty="0"/>
+              <a:t>十二月 </a:t>
+            </a:r>
+            <a:r>
+              <a:rPr lang="en-US" altLang="zh-TW" b="1" dirty="0"/>
+              <a:t>:</a:t>
+            </a:r>
+          </a:p>
+          <a:p>
+            <a:pPr marL="285750" lvl="1" indent="-285750"/>
+            <a:r>
+              <a:rPr lang="en-US" altLang="zh-TW" b="1" dirty="0"/>
+              <a:t>2024/11/25~2024/12/13</a:t>
+            </a:r>
+            <a:r>
+              <a:rPr lang="zh-TW" altLang="en-US" b="1" dirty="0"/>
+              <a:t> </a:t>
+            </a:r>
+            <a:r>
+              <a:rPr lang="en-US" altLang="zh-TW" b="1" dirty="0"/>
+              <a:t>:</a:t>
+            </a:r>
+          </a:p>
+          <a:p>
+            <a:pPr marL="285750" lvl="1" indent="-285750"/>
+            <a:r>
+              <a:rPr lang="zh-TW" altLang="en-US" dirty="0"/>
+              <a:t>上下數輪流計數</a:t>
+            </a:r>
+            <a:endParaRPr lang="en-US" altLang="zh-TW" dirty="0"/>
+          </a:p>
+          <a:p>
+            <a:pPr marL="285750" lvl="1" indent="-285750"/>
+            <a:endParaRPr lang="en-US" altLang="zh-TW" b="1" dirty="0"/>
+          </a:p>
+          <a:p>
+            <a:pPr marL="285750" lvl="1" indent="-285750"/>
+            <a:endParaRPr lang="en-US" altLang="zh-TW" b="1" dirty="0"/>
+          </a:p>
+          <a:p>
+            <a:pPr marL="285750" lvl="1" indent="-285750"/>
+            <a:endParaRPr lang="en-US" altLang="zh-TW" b="1" dirty="0"/>
+          </a:p>
+          <a:p>
+            <a:pPr marL="285750" lvl="1" indent="-285750"/>
+            <a:endParaRPr lang="en-US" altLang="zh-TW" dirty="0"/>
+          </a:p>
+          <a:p>
             <a:pPr marL="0" lvl="1" indent="0">
               <a:buNone/>
             </a:pPr>
@@ -8089,7 +7383,7 @@
                   <a:srgbClr val="FFFF00"/>
                 </a:highlight>
               </a:rPr>
-              <a:t>2024/11/19</a:t>
+              <a:t>2024/12/10</a:t>
             </a:r>
             <a:r>
               <a:rPr lang="zh-TW" altLang="en-US" sz="3600" dirty="0">
@@ -8174,7 +7468,7 @@
                   <a:srgbClr val="FFFF00"/>
                 </a:highlight>
               </a:rPr>
-              <a:t>2024/11/19</a:t>
+              <a:t>2024/12/10</a:t>
             </a:r>
             <a:r>
               <a:rPr lang="zh-TW" altLang="en-US" sz="4000" dirty="0">
@@ -8328,7 +7622,7 @@
                   <a:srgbClr val="FFFF00"/>
                 </a:highlight>
               </a:rPr>
-              <a:t>2024/11/19</a:t>
+              <a:t>2024/12/10</a:t>
             </a:r>
             <a:r>
               <a:rPr lang="zh-TW" altLang="en-US" dirty="0">
@@ -8346,1242 +7640,6 @@
               <a:t>)</a:t>
             </a:r>
             <a:endParaRPr lang="zh-TW" altLang="en-US" dirty="0"/>
-          </a:p>
-        </p:txBody>
-      </p:sp>
-      <p:sp>
-        <p:nvSpPr>
-          <p:cNvPr id="5" name="流程圖: 結束點 4">
-            <a:extLst>
-              <a:ext uri="{FF2B5EF4-FFF2-40B4-BE49-F238E27FC236}">
-                <a16:creationId xmlns:a16="http://schemas.microsoft.com/office/drawing/2014/main" id="{2E666F4B-B4F7-46BA-9904-2BD6B2713D22}"/>
-              </a:ext>
-            </a:extLst>
-          </p:cNvPr>
-          <p:cNvSpPr/>
-          <p:nvPr/>
-        </p:nvSpPr>
-        <p:spPr>
-          <a:xfrm>
-            <a:off x="176169" y="3124707"/>
-            <a:ext cx="1325461" cy="720000"/>
-          </a:xfrm>
-          <a:prstGeom prst="flowChartTerminator">
-            <a:avLst/>
-          </a:prstGeom>
-        </p:spPr>
-        <p:style>
-          <a:lnRef idx="2">
-            <a:schemeClr val="accent1">
-              <a:shade val="50000"/>
-            </a:schemeClr>
-          </a:lnRef>
-          <a:fillRef idx="1">
-            <a:schemeClr val="accent1"/>
-          </a:fillRef>
-          <a:effectRef idx="0">
-            <a:schemeClr val="accent1"/>
-          </a:effectRef>
-          <a:fontRef idx="minor">
-            <a:schemeClr val="lt1"/>
-          </a:fontRef>
-        </p:style>
-        <p:txBody>
-          <a:bodyPr rtlCol="0" anchor="ctr"/>
-          <a:lstStyle/>
-          <a:p>
-            <a:pPr algn="ctr"/>
-            <a:r>
-              <a:rPr lang="zh-TW" altLang="en-US" dirty="0"/>
-              <a:t>開始</a:t>
-            </a:r>
-            <a:endParaRPr lang="en-US" altLang="zh-TW" dirty="0"/>
-          </a:p>
-          <a:p>
-            <a:pPr algn="ctr"/>
-            <a:r>
-              <a:rPr lang="zh-TW" altLang="en-US" dirty="0"/>
-              <a:t>執行</a:t>
-            </a:r>
-          </a:p>
-        </p:txBody>
-      </p:sp>
-      <p:sp>
-        <p:nvSpPr>
-          <p:cNvPr id="6" name="流程圖: 決策 5">
-            <a:extLst>
-              <a:ext uri="{FF2B5EF4-FFF2-40B4-BE49-F238E27FC236}">
-                <a16:creationId xmlns:a16="http://schemas.microsoft.com/office/drawing/2014/main" id="{3EAA3939-9AA9-4198-BD2A-1EF2F5F318C3}"/>
-              </a:ext>
-            </a:extLst>
-          </p:cNvPr>
-          <p:cNvSpPr/>
-          <p:nvPr/>
-        </p:nvSpPr>
-        <p:spPr>
-          <a:xfrm>
-            <a:off x="3627400" y="2902687"/>
-            <a:ext cx="2044863" cy="1300197"/>
-          </a:xfrm>
-          <a:prstGeom prst="flowChartDecision">
-            <a:avLst/>
-          </a:prstGeom>
-        </p:spPr>
-        <p:style>
-          <a:lnRef idx="2">
-            <a:schemeClr val="accent1">
-              <a:shade val="50000"/>
-            </a:schemeClr>
-          </a:lnRef>
-          <a:fillRef idx="1">
-            <a:schemeClr val="accent1"/>
-          </a:fillRef>
-          <a:effectRef idx="0">
-            <a:schemeClr val="accent1"/>
-          </a:effectRef>
-          <a:fontRef idx="minor">
-            <a:schemeClr val="lt1"/>
-          </a:fontRef>
-        </p:style>
-        <p:txBody>
-          <a:bodyPr rtlCol="0" anchor="ctr"/>
-          <a:lstStyle/>
-          <a:p>
-            <a:pPr algn="ctr"/>
-            <a:r>
-              <a:rPr lang="en-US" altLang="zh-TW" sz="1600" dirty="0" err="1"/>
-              <a:t>Up_down</a:t>
-            </a:r>
-            <a:endParaRPr lang="zh-TW" altLang="en-US" sz="1600" dirty="0"/>
-          </a:p>
-        </p:txBody>
-      </p:sp>
-      <p:sp>
-        <p:nvSpPr>
-          <p:cNvPr id="7" name="流程圖: 決策 6">
-            <a:extLst>
-              <a:ext uri="{FF2B5EF4-FFF2-40B4-BE49-F238E27FC236}">
-                <a16:creationId xmlns:a16="http://schemas.microsoft.com/office/drawing/2014/main" id="{C7CCB5F3-A3EE-4162-A9F9-035D474C1ADD}"/>
-              </a:ext>
-            </a:extLst>
-          </p:cNvPr>
-          <p:cNvSpPr/>
-          <p:nvPr/>
-        </p:nvSpPr>
-        <p:spPr>
-          <a:xfrm>
-            <a:off x="8829713" y="1943326"/>
-            <a:ext cx="1473667" cy="1119738"/>
-          </a:xfrm>
-          <a:prstGeom prst="flowChartDecision">
-            <a:avLst/>
-          </a:prstGeom>
-        </p:spPr>
-        <p:style>
-          <a:lnRef idx="2">
-            <a:schemeClr val="accent1">
-              <a:shade val="50000"/>
-            </a:schemeClr>
-          </a:lnRef>
-          <a:fillRef idx="1">
-            <a:schemeClr val="accent1"/>
-          </a:fillRef>
-          <a:effectRef idx="0">
-            <a:schemeClr val="accent1"/>
-          </a:effectRef>
-          <a:fontRef idx="minor">
-            <a:schemeClr val="lt1"/>
-          </a:fontRef>
-        </p:style>
-        <p:txBody>
-          <a:bodyPr rtlCol="0" anchor="ctr"/>
-          <a:lstStyle/>
-          <a:p>
-            <a:pPr algn="ctr"/>
-            <a:r>
-              <a:rPr lang="en-US" altLang="zh-TW" sz="1600" dirty="0"/>
-              <a:t>Count==0</a:t>
-            </a:r>
-            <a:endParaRPr lang="zh-TW" altLang="en-US" sz="1600" dirty="0"/>
-          </a:p>
-        </p:txBody>
-      </p:sp>
-      <p:sp>
-        <p:nvSpPr>
-          <p:cNvPr id="11" name="流程圖: 程序 10">
-            <a:extLst>
-              <a:ext uri="{FF2B5EF4-FFF2-40B4-BE49-F238E27FC236}">
-                <a16:creationId xmlns:a16="http://schemas.microsoft.com/office/drawing/2014/main" id="{50DF03B5-498F-49AA-9F6B-CDBE213CB16A}"/>
-              </a:ext>
-            </a:extLst>
-          </p:cNvPr>
-          <p:cNvSpPr/>
-          <p:nvPr/>
-        </p:nvSpPr>
-        <p:spPr>
-          <a:xfrm>
-            <a:off x="1888828" y="3141485"/>
-            <a:ext cx="1325461" cy="720000"/>
-          </a:xfrm>
-          <a:prstGeom prst="flowChartProcess">
-            <a:avLst/>
-          </a:prstGeom>
-        </p:spPr>
-        <p:style>
-          <a:lnRef idx="2">
-            <a:schemeClr val="accent1">
-              <a:shade val="50000"/>
-            </a:schemeClr>
-          </a:lnRef>
-          <a:fillRef idx="1">
-            <a:schemeClr val="accent1"/>
-          </a:fillRef>
-          <a:effectRef idx="0">
-            <a:schemeClr val="accent1"/>
-          </a:effectRef>
-          <a:fontRef idx="minor">
-            <a:schemeClr val="lt1"/>
-          </a:fontRef>
-        </p:style>
-        <p:txBody>
-          <a:bodyPr rtlCol="0" anchor="ctr"/>
-          <a:lstStyle/>
-          <a:p>
-            <a:pPr algn="ctr"/>
-            <a:r>
-              <a:rPr lang="en-US" altLang="zh-TW" dirty="0"/>
-              <a:t>Count</a:t>
-            </a:r>
-            <a:endParaRPr lang="zh-TW" altLang="en-US" dirty="0"/>
-          </a:p>
-        </p:txBody>
-      </p:sp>
-      <p:sp>
-        <p:nvSpPr>
-          <p:cNvPr id="12" name="流程圖: 程序 11">
-            <a:extLst>
-              <a:ext uri="{FF2B5EF4-FFF2-40B4-BE49-F238E27FC236}">
-                <a16:creationId xmlns:a16="http://schemas.microsoft.com/office/drawing/2014/main" id="{5650F13E-0FFB-49EA-843C-D92BADCB7E46}"/>
-              </a:ext>
-            </a:extLst>
-          </p:cNvPr>
-          <p:cNvSpPr/>
-          <p:nvPr/>
-        </p:nvSpPr>
-        <p:spPr>
-          <a:xfrm>
-            <a:off x="6519155" y="2159973"/>
-            <a:ext cx="1767280" cy="686444"/>
-          </a:xfrm>
-          <a:prstGeom prst="flowChartProcess">
-            <a:avLst/>
-          </a:prstGeom>
-        </p:spPr>
-        <p:style>
-          <a:lnRef idx="2">
-            <a:schemeClr val="accent1">
-              <a:shade val="50000"/>
-            </a:schemeClr>
-          </a:lnRef>
-          <a:fillRef idx="1">
-            <a:schemeClr val="accent1"/>
-          </a:fillRef>
-          <a:effectRef idx="0">
-            <a:schemeClr val="accent1"/>
-          </a:effectRef>
-          <a:fontRef idx="minor">
-            <a:schemeClr val="lt1"/>
-          </a:fontRef>
-        </p:style>
-        <p:txBody>
-          <a:bodyPr rtlCol="0" anchor="ctr"/>
-          <a:lstStyle/>
-          <a:p>
-            <a:pPr algn="ctr"/>
-            <a:r>
-              <a:rPr lang="en-US" altLang="zh-TW" dirty="0"/>
-              <a:t>Count= Count-1</a:t>
-            </a:r>
-            <a:endParaRPr lang="zh-TW" altLang="en-US" dirty="0"/>
-          </a:p>
-        </p:txBody>
-      </p:sp>
-      <p:cxnSp>
-        <p:nvCxnSpPr>
-          <p:cNvPr id="14" name="接點: 肘形 13">
-            <a:extLst>
-              <a:ext uri="{FF2B5EF4-FFF2-40B4-BE49-F238E27FC236}">
-                <a16:creationId xmlns:a16="http://schemas.microsoft.com/office/drawing/2014/main" id="{460A7ADE-9C1A-4080-ABC9-BB45FC707129}"/>
-              </a:ext>
-            </a:extLst>
-          </p:cNvPr>
-          <p:cNvCxnSpPr>
-            <a:cxnSpLocks/>
-          </p:cNvCxnSpPr>
-          <p:nvPr/>
-        </p:nvCxnSpPr>
-        <p:spPr>
-          <a:xfrm flipV="1">
-            <a:off x="5033161" y="2503195"/>
-            <a:ext cx="1439855" cy="638290"/>
-          </a:xfrm>
-          <a:prstGeom prst="bentConnector3">
-            <a:avLst/>
-          </a:prstGeom>
-          <a:ln>
-            <a:tailEnd type="triangle"/>
-          </a:ln>
-        </p:spPr>
-        <p:style>
-          <a:lnRef idx="1">
-            <a:schemeClr val="dk1"/>
-          </a:lnRef>
-          <a:fillRef idx="0">
-            <a:schemeClr val="dk1"/>
-          </a:fillRef>
-          <a:effectRef idx="0">
-            <a:schemeClr val="dk1"/>
-          </a:effectRef>
-          <a:fontRef idx="minor">
-            <a:schemeClr val="tx1"/>
-          </a:fontRef>
-        </p:style>
-      </p:cxnSp>
-      <p:cxnSp>
-        <p:nvCxnSpPr>
-          <p:cNvPr id="16" name="接點: 肘形 15">
-            <a:extLst>
-              <a:ext uri="{FF2B5EF4-FFF2-40B4-BE49-F238E27FC236}">
-                <a16:creationId xmlns:a16="http://schemas.microsoft.com/office/drawing/2014/main" id="{C3104E0C-3A54-4517-A5DA-882FB388C0EB}"/>
-              </a:ext>
-            </a:extLst>
-          </p:cNvPr>
-          <p:cNvCxnSpPr>
-            <a:cxnSpLocks/>
-          </p:cNvCxnSpPr>
-          <p:nvPr/>
-        </p:nvCxnSpPr>
-        <p:spPr>
-          <a:xfrm>
-            <a:off x="4984061" y="3970597"/>
-            <a:ext cx="1488955" cy="631779"/>
-          </a:xfrm>
-          <a:prstGeom prst="bentConnector3">
-            <a:avLst/>
-          </a:prstGeom>
-          <a:ln>
-            <a:tailEnd type="triangle"/>
-          </a:ln>
-        </p:spPr>
-        <p:style>
-          <a:lnRef idx="1">
-            <a:schemeClr val="dk1"/>
-          </a:lnRef>
-          <a:fillRef idx="0">
-            <a:schemeClr val="dk1"/>
-          </a:fillRef>
-          <a:effectRef idx="0">
-            <a:schemeClr val="dk1"/>
-          </a:effectRef>
-          <a:fontRef idx="minor">
-            <a:schemeClr val="tx1"/>
-          </a:fontRef>
-        </p:style>
-      </p:cxnSp>
-      <p:sp>
-        <p:nvSpPr>
-          <p:cNvPr id="18" name="文字方塊 17">
-            <a:extLst>
-              <a:ext uri="{FF2B5EF4-FFF2-40B4-BE49-F238E27FC236}">
-                <a16:creationId xmlns:a16="http://schemas.microsoft.com/office/drawing/2014/main" id="{899B9571-9F5B-433A-A7EE-1722E4653737}"/>
-              </a:ext>
-            </a:extLst>
-          </p:cNvPr>
-          <p:cNvSpPr txBox="1"/>
-          <p:nvPr/>
-        </p:nvSpPr>
-        <p:spPr>
-          <a:xfrm>
-            <a:off x="5797702" y="2136254"/>
-            <a:ext cx="532518" cy="369332"/>
-          </a:xfrm>
-          <a:prstGeom prst="rect">
-            <a:avLst/>
-          </a:prstGeom>
-          <a:noFill/>
-        </p:spPr>
-        <p:txBody>
-          <a:bodyPr wrap="none" rtlCol="0">
-            <a:spAutoFit/>
-          </a:bodyPr>
-          <a:lstStyle/>
-          <a:p>
-            <a:r>
-              <a:rPr lang="zh-TW" altLang="en-US" dirty="0"/>
-              <a:t>為</a:t>
-            </a:r>
-            <a:r>
-              <a:rPr lang="en-US" altLang="zh-TW" dirty="0"/>
-              <a:t>0</a:t>
-            </a:r>
-            <a:endParaRPr lang="zh-TW" altLang="en-US" dirty="0"/>
-          </a:p>
-        </p:txBody>
-      </p:sp>
-      <p:sp>
-        <p:nvSpPr>
-          <p:cNvPr id="19" name="文字方塊 18">
-            <a:extLst>
-              <a:ext uri="{FF2B5EF4-FFF2-40B4-BE49-F238E27FC236}">
-                <a16:creationId xmlns:a16="http://schemas.microsoft.com/office/drawing/2014/main" id="{EA4AE716-3A77-4108-BBC7-37F93239F429}"/>
-              </a:ext>
-            </a:extLst>
-          </p:cNvPr>
-          <p:cNvSpPr txBox="1"/>
-          <p:nvPr/>
-        </p:nvSpPr>
-        <p:spPr>
-          <a:xfrm>
-            <a:off x="5797702" y="4621094"/>
-            <a:ext cx="532518" cy="369332"/>
-          </a:xfrm>
-          <a:prstGeom prst="rect">
-            <a:avLst/>
-          </a:prstGeom>
-          <a:noFill/>
-        </p:spPr>
-        <p:txBody>
-          <a:bodyPr wrap="none" rtlCol="0">
-            <a:spAutoFit/>
-          </a:bodyPr>
-          <a:lstStyle/>
-          <a:p>
-            <a:r>
-              <a:rPr lang="zh-TW" altLang="en-US" dirty="0"/>
-              <a:t>為</a:t>
-            </a:r>
-            <a:r>
-              <a:rPr lang="en-US" altLang="zh-TW" dirty="0"/>
-              <a:t>1</a:t>
-            </a:r>
-            <a:endParaRPr lang="zh-TW" altLang="en-US" dirty="0"/>
-          </a:p>
-        </p:txBody>
-      </p:sp>
-      <p:sp>
-        <p:nvSpPr>
-          <p:cNvPr id="20" name="流程圖: 程序 19">
-            <a:extLst>
-              <a:ext uri="{FF2B5EF4-FFF2-40B4-BE49-F238E27FC236}">
-                <a16:creationId xmlns:a16="http://schemas.microsoft.com/office/drawing/2014/main" id="{BCB7DC3A-C539-4AA5-8EE3-53AED53EAAC8}"/>
-              </a:ext>
-            </a:extLst>
-          </p:cNvPr>
-          <p:cNvSpPr/>
-          <p:nvPr/>
-        </p:nvSpPr>
-        <p:spPr>
-          <a:xfrm>
-            <a:off x="6484993" y="4263254"/>
-            <a:ext cx="1894514" cy="720000"/>
-          </a:xfrm>
-          <a:prstGeom prst="flowChartProcess">
-            <a:avLst/>
-          </a:prstGeom>
-        </p:spPr>
-        <p:style>
-          <a:lnRef idx="2">
-            <a:schemeClr val="accent1">
-              <a:shade val="50000"/>
-            </a:schemeClr>
-          </a:lnRef>
-          <a:fillRef idx="1">
-            <a:schemeClr val="accent1"/>
-          </a:fillRef>
-          <a:effectRef idx="0">
-            <a:schemeClr val="accent1"/>
-          </a:effectRef>
-          <a:fontRef idx="minor">
-            <a:schemeClr val="lt1"/>
-          </a:fontRef>
-        </p:style>
-        <p:txBody>
-          <a:bodyPr rtlCol="0" anchor="ctr"/>
-          <a:lstStyle/>
-          <a:p>
-            <a:pPr algn="ctr"/>
-            <a:r>
-              <a:rPr lang="en-US" altLang="zh-TW" dirty="0"/>
-              <a:t>Count= Count+1</a:t>
-            </a:r>
-            <a:endParaRPr lang="zh-TW" altLang="en-US" dirty="0"/>
-          </a:p>
-        </p:txBody>
-      </p:sp>
-      <p:sp>
-        <p:nvSpPr>
-          <p:cNvPr id="22" name="流程圖: 程序 21">
-            <a:extLst>
-              <a:ext uri="{FF2B5EF4-FFF2-40B4-BE49-F238E27FC236}">
-                <a16:creationId xmlns:a16="http://schemas.microsoft.com/office/drawing/2014/main" id="{FADA3435-3503-4E5A-B54C-436FADA214C1}"/>
-              </a:ext>
-            </a:extLst>
-          </p:cNvPr>
-          <p:cNvSpPr/>
-          <p:nvPr/>
-        </p:nvSpPr>
-        <p:spPr>
-          <a:xfrm>
-            <a:off x="10785928" y="2239953"/>
-            <a:ext cx="1038838" cy="541961"/>
-          </a:xfrm>
-          <a:prstGeom prst="flowChartProcess">
-            <a:avLst/>
-          </a:prstGeom>
-        </p:spPr>
-        <p:style>
-          <a:lnRef idx="2">
-            <a:schemeClr val="accent1">
-              <a:shade val="50000"/>
-            </a:schemeClr>
-          </a:lnRef>
-          <a:fillRef idx="1">
-            <a:schemeClr val="accent1"/>
-          </a:fillRef>
-          <a:effectRef idx="0">
-            <a:schemeClr val="accent1"/>
-          </a:effectRef>
-          <a:fontRef idx="minor">
-            <a:schemeClr val="lt1"/>
-          </a:fontRef>
-        </p:style>
-        <p:txBody>
-          <a:bodyPr rtlCol="0" anchor="ctr"/>
-          <a:lstStyle/>
-          <a:p>
-            <a:pPr algn="ctr"/>
-            <a:r>
-              <a:rPr lang="en-US" altLang="zh-TW" dirty="0"/>
-              <a:t>Count=9</a:t>
-            </a:r>
-            <a:endParaRPr lang="zh-TW" altLang="en-US" dirty="0"/>
-          </a:p>
-        </p:txBody>
-      </p:sp>
-      <p:sp>
-        <p:nvSpPr>
-          <p:cNvPr id="23" name="流程圖: 決策 22">
-            <a:extLst>
-              <a:ext uri="{FF2B5EF4-FFF2-40B4-BE49-F238E27FC236}">
-                <a16:creationId xmlns:a16="http://schemas.microsoft.com/office/drawing/2014/main" id="{3D242364-515F-4B17-A3F9-4C65DDCC0526}"/>
-              </a:ext>
-            </a:extLst>
-          </p:cNvPr>
-          <p:cNvSpPr/>
-          <p:nvPr/>
-        </p:nvSpPr>
-        <p:spPr>
-          <a:xfrm>
-            <a:off x="8913208" y="4072369"/>
-            <a:ext cx="1473667" cy="1119738"/>
-          </a:xfrm>
-          <a:prstGeom prst="flowChartDecision">
-            <a:avLst/>
-          </a:prstGeom>
-        </p:spPr>
-        <p:style>
-          <a:lnRef idx="2">
-            <a:schemeClr val="accent1">
-              <a:shade val="50000"/>
-            </a:schemeClr>
-          </a:lnRef>
-          <a:fillRef idx="1">
-            <a:schemeClr val="accent1"/>
-          </a:fillRef>
-          <a:effectRef idx="0">
-            <a:schemeClr val="accent1"/>
-          </a:effectRef>
-          <a:fontRef idx="minor">
-            <a:schemeClr val="lt1"/>
-          </a:fontRef>
-        </p:style>
-        <p:txBody>
-          <a:bodyPr rtlCol="0" anchor="ctr"/>
-          <a:lstStyle/>
-          <a:p>
-            <a:pPr algn="ctr"/>
-            <a:r>
-              <a:rPr lang="en-US" altLang="zh-TW" sz="1600" dirty="0"/>
-              <a:t>Count==9</a:t>
-            </a:r>
-            <a:endParaRPr lang="zh-TW" altLang="en-US" sz="1600" dirty="0"/>
-          </a:p>
-        </p:txBody>
-      </p:sp>
-      <p:sp>
-        <p:nvSpPr>
-          <p:cNvPr id="24" name="流程圖: 程序 23">
-            <a:extLst>
-              <a:ext uri="{FF2B5EF4-FFF2-40B4-BE49-F238E27FC236}">
-                <a16:creationId xmlns:a16="http://schemas.microsoft.com/office/drawing/2014/main" id="{A87D99A8-6940-4AE9-961F-89D3778A1720}"/>
-              </a:ext>
-            </a:extLst>
-          </p:cNvPr>
-          <p:cNvSpPr/>
-          <p:nvPr/>
-        </p:nvSpPr>
-        <p:spPr>
-          <a:xfrm>
-            <a:off x="10867625" y="4342374"/>
-            <a:ext cx="1038838" cy="541961"/>
-          </a:xfrm>
-          <a:prstGeom prst="flowChartProcess">
-            <a:avLst/>
-          </a:prstGeom>
-        </p:spPr>
-        <p:style>
-          <a:lnRef idx="2">
-            <a:schemeClr val="accent1">
-              <a:shade val="50000"/>
-            </a:schemeClr>
-          </a:lnRef>
-          <a:fillRef idx="1">
-            <a:schemeClr val="accent1"/>
-          </a:fillRef>
-          <a:effectRef idx="0">
-            <a:schemeClr val="accent1"/>
-          </a:effectRef>
-          <a:fontRef idx="minor">
-            <a:schemeClr val="lt1"/>
-          </a:fontRef>
-        </p:style>
-        <p:txBody>
-          <a:bodyPr rtlCol="0" anchor="ctr"/>
-          <a:lstStyle/>
-          <a:p>
-            <a:pPr algn="ctr"/>
-            <a:r>
-              <a:rPr lang="en-US" altLang="zh-TW" dirty="0"/>
-              <a:t>Count=0</a:t>
-            </a:r>
-            <a:endParaRPr lang="zh-TW" altLang="en-US" dirty="0"/>
-          </a:p>
-        </p:txBody>
-      </p:sp>
-      <p:cxnSp>
-        <p:nvCxnSpPr>
-          <p:cNvPr id="26" name="直線單箭頭接點 25">
-            <a:extLst>
-              <a:ext uri="{FF2B5EF4-FFF2-40B4-BE49-F238E27FC236}">
-                <a16:creationId xmlns:a16="http://schemas.microsoft.com/office/drawing/2014/main" id="{5F64E74F-653B-40F9-BE26-552E22421D6E}"/>
-              </a:ext>
-            </a:extLst>
-          </p:cNvPr>
-          <p:cNvCxnSpPr/>
-          <p:nvPr/>
-        </p:nvCxnSpPr>
-        <p:spPr>
-          <a:xfrm>
-            <a:off x="1501630" y="3484707"/>
-            <a:ext cx="328475" cy="0"/>
-          </a:xfrm>
-          <a:prstGeom prst="straightConnector1">
-            <a:avLst/>
-          </a:prstGeom>
-          <a:ln>
-            <a:tailEnd type="triangle"/>
-          </a:ln>
-        </p:spPr>
-        <p:style>
-          <a:lnRef idx="1">
-            <a:schemeClr val="dk1"/>
-          </a:lnRef>
-          <a:fillRef idx="0">
-            <a:schemeClr val="dk1"/>
-          </a:fillRef>
-          <a:effectRef idx="0">
-            <a:schemeClr val="dk1"/>
-          </a:effectRef>
-          <a:fontRef idx="minor">
-            <a:schemeClr val="tx1"/>
-          </a:fontRef>
-        </p:style>
-      </p:cxnSp>
-      <p:cxnSp>
-        <p:nvCxnSpPr>
-          <p:cNvPr id="28" name="直線單箭頭接點 27">
-            <a:extLst>
-              <a:ext uri="{FF2B5EF4-FFF2-40B4-BE49-F238E27FC236}">
-                <a16:creationId xmlns:a16="http://schemas.microsoft.com/office/drawing/2014/main" id="{0890875A-1CDD-449A-91E5-A5A56E20AEF7}"/>
-              </a:ext>
-            </a:extLst>
-          </p:cNvPr>
-          <p:cNvCxnSpPr>
-            <a:cxnSpLocks/>
-          </p:cNvCxnSpPr>
-          <p:nvPr/>
-        </p:nvCxnSpPr>
-        <p:spPr>
-          <a:xfrm>
-            <a:off x="3214289" y="3546446"/>
-            <a:ext cx="413111" cy="0"/>
-          </a:xfrm>
-          <a:prstGeom prst="straightConnector1">
-            <a:avLst/>
-          </a:prstGeom>
-          <a:ln>
-            <a:tailEnd type="triangle"/>
-          </a:ln>
-        </p:spPr>
-        <p:style>
-          <a:lnRef idx="1">
-            <a:schemeClr val="dk1"/>
-          </a:lnRef>
-          <a:fillRef idx="0">
-            <a:schemeClr val="dk1"/>
-          </a:fillRef>
-          <a:effectRef idx="0">
-            <a:schemeClr val="dk1"/>
-          </a:effectRef>
-          <a:fontRef idx="minor">
-            <a:schemeClr val="tx1"/>
-          </a:fontRef>
-        </p:style>
-      </p:cxnSp>
-      <p:cxnSp>
-        <p:nvCxnSpPr>
-          <p:cNvPr id="30" name="直線單箭頭接點 29">
-            <a:extLst>
-              <a:ext uri="{FF2B5EF4-FFF2-40B4-BE49-F238E27FC236}">
-                <a16:creationId xmlns:a16="http://schemas.microsoft.com/office/drawing/2014/main" id="{C7EEDC41-FE1C-4BC5-B293-655D5CF9188C}"/>
-              </a:ext>
-            </a:extLst>
-          </p:cNvPr>
-          <p:cNvCxnSpPr>
-            <a:stCxn id="12" idx="3"/>
-          </p:cNvCxnSpPr>
-          <p:nvPr/>
-        </p:nvCxnSpPr>
-        <p:spPr>
-          <a:xfrm>
-            <a:off x="8286435" y="2503195"/>
-            <a:ext cx="526105" cy="0"/>
-          </a:xfrm>
-          <a:prstGeom prst="straightConnector1">
-            <a:avLst/>
-          </a:prstGeom>
-          <a:ln>
-            <a:tailEnd type="triangle"/>
-          </a:ln>
-        </p:spPr>
-        <p:style>
-          <a:lnRef idx="1">
-            <a:schemeClr val="dk1"/>
-          </a:lnRef>
-          <a:fillRef idx="0">
-            <a:schemeClr val="dk1"/>
-          </a:fillRef>
-          <a:effectRef idx="0">
-            <a:schemeClr val="dk1"/>
-          </a:effectRef>
-          <a:fontRef idx="minor">
-            <a:schemeClr val="tx1"/>
-          </a:fontRef>
-        </p:style>
-      </p:cxnSp>
-      <p:cxnSp>
-        <p:nvCxnSpPr>
-          <p:cNvPr id="34" name="直線單箭頭接點 33">
-            <a:extLst>
-              <a:ext uri="{FF2B5EF4-FFF2-40B4-BE49-F238E27FC236}">
-                <a16:creationId xmlns:a16="http://schemas.microsoft.com/office/drawing/2014/main" id="{052DCE6B-AF2C-4B71-B784-86ED9473758B}"/>
-              </a:ext>
-            </a:extLst>
-          </p:cNvPr>
-          <p:cNvCxnSpPr>
-            <a:stCxn id="20" idx="3"/>
-            <a:endCxn id="23" idx="1"/>
-          </p:cNvCxnSpPr>
-          <p:nvPr/>
-        </p:nvCxnSpPr>
-        <p:spPr>
-          <a:xfrm>
-            <a:off x="8379507" y="4623254"/>
-            <a:ext cx="533701" cy="8984"/>
-          </a:xfrm>
-          <a:prstGeom prst="straightConnector1">
-            <a:avLst/>
-          </a:prstGeom>
-          <a:ln>
-            <a:tailEnd type="triangle"/>
-          </a:ln>
-        </p:spPr>
-        <p:style>
-          <a:lnRef idx="1">
-            <a:schemeClr val="dk1"/>
-          </a:lnRef>
-          <a:fillRef idx="0">
-            <a:schemeClr val="dk1"/>
-          </a:fillRef>
-          <a:effectRef idx="0">
-            <a:schemeClr val="dk1"/>
-          </a:effectRef>
-          <a:fontRef idx="minor">
-            <a:schemeClr val="tx1"/>
-          </a:fontRef>
-        </p:style>
-      </p:cxnSp>
-      <p:cxnSp>
-        <p:nvCxnSpPr>
-          <p:cNvPr id="37" name="直線單箭頭接點 36">
-            <a:extLst>
-              <a:ext uri="{FF2B5EF4-FFF2-40B4-BE49-F238E27FC236}">
-                <a16:creationId xmlns:a16="http://schemas.microsoft.com/office/drawing/2014/main" id="{22509E2A-6D4B-4A75-B45E-EC2C813AE7B7}"/>
-              </a:ext>
-            </a:extLst>
-          </p:cNvPr>
-          <p:cNvCxnSpPr>
-            <a:stCxn id="7" idx="3"/>
-          </p:cNvCxnSpPr>
-          <p:nvPr/>
-        </p:nvCxnSpPr>
-        <p:spPr>
-          <a:xfrm>
-            <a:off x="10303380" y="2503195"/>
-            <a:ext cx="403674" cy="7739"/>
-          </a:xfrm>
-          <a:prstGeom prst="straightConnector1">
-            <a:avLst/>
-          </a:prstGeom>
-          <a:ln>
-            <a:tailEnd type="triangle"/>
-          </a:ln>
-        </p:spPr>
-        <p:style>
-          <a:lnRef idx="1">
-            <a:schemeClr val="dk1"/>
-          </a:lnRef>
-          <a:fillRef idx="0">
-            <a:schemeClr val="dk1"/>
-          </a:fillRef>
-          <a:effectRef idx="0">
-            <a:schemeClr val="dk1"/>
-          </a:effectRef>
-          <a:fontRef idx="minor">
-            <a:schemeClr val="tx1"/>
-          </a:fontRef>
-        </p:style>
-      </p:cxnSp>
-      <p:cxnSp>
-        <p:nvCxnSpPr>
-          <p:cNvPr id="38" name="直線單箭頭接點 37">
-            <a:extLst>
-              <a:ext uri="{FF2B5EF4-FFF2-40B4-BE49-F238E27FC236}">
-                <a16:creationId xmlns:a16="http://schemas.microsoft.com/office/drawing/2014/main" id="{BA67AE30-EF4C-46C5-A281-BE6585A137E1}"/>
-              </a:ext>
-            </a:extLst>
-          </p:cNvPr>
-          <p:cNvCxnSpPr/>
-          <p:nvPr/>
-        </p:nvCxnSpPr>
-        <p:spPr>
-          <a:xfrm>
-            <a:off x="10425413" y="4613355"/>
-            <a:ext cx="403674" cy="7739"/>
-          </a:xfrm>
-          <a:prstGeom prst="straightConnector1">
-            <a:avLst/>
-          </a:prstGeom>
-          <a:ln>
-            <a:tailEnd type="triangle"/>
-          </a:ln>
-        </p:spPr>
-        <p:style>
-          <a:lnRef idx="1">
-            <a:schemeClr val="dk1"/>
-          </a:lnRef>
-          <a:fillRef idx="0">
-            <a:schemeClr val="dk1"/>
-          </a:fillRef>
-          <a:effectRef idx="0">
-            <a:schemeClr val="dk1"/>
-          </a:effectRef>
-          <a:fontRef idx="minor">
-            <a:schemeClr val="tx1"/>
-          </a:fontRef>
-        </p:style>
-      </p:cxnSp>
-      <p:sp>
-        <p:nvSpPr>
-          <p:cNvPr id="39" name="文字方塊 38">
-            <a:extLst>
-              <a:ext uri="{FF2B5EF4-FFF2-40B4-BE49-F238E27FC236}">
-                <a16:creationId xmlns:a16="http://schemas.microsoft.com/office/drawing/2014/main" id="{D5414CE4-A547-44D0-8ACB-20AA1F94AAC9}"/>
-              </a:ext>
-            </a:extLst>
-          </p:cNvPr>
-          <p:cNvSpPr txBox="1"/>
-          <p:nvPr/>
-        </p:nvSpPr>
-        <p:spPr>
-          <a:xfrm>
-            <a:off x="10431764" y="4263254"/>
-            <a:ext cx="415498" cy="369332"/>
-          </a:xfrm>
-          <a:prstGeom prst="rect">
-            <a:avLst/>
-          </a:prstGeom>
-          <a:noFill/>
-        </p:spPr>
-        <p:txBody>
-          <a:bodyPr wrap="none" rtlCol="0">
-            <a:spAutoFit/>
-          </a:bodyPr>
-          <a:lstStyle/>
-          <a:p>
-            <a:r>
-              <a:rPr lang="zh-TW" altLang="en-US" dirty="0"/>
-              <a:t>是</a:t>
-            </a:r>
-          </a:p>
-        </p:txBody>
-      </p:sp>
-      <p:sp>
-        <p:nvSpPr>
-          <p:cNvPr id="40" name="文字方塊 39">
-            <a:extLst>
-              <a:ext uri="{FF2B5EF4-FFF2-40B4-BE49-F238E27FC236}">
-                <a16:creationId xmlns:a16="http://schemas.microsoft.com/office/drawing/2014/main" id="{20440D84-C183-4B44-BFDB-B80645AB2D24}"/>
-              </a:ext>
-            </a:extLst>
-          </p:cNvPr>
-          <p:cNvSpPr txBox="1"/>
-          <p:nvPr/>
-        </p:nvSpPr>
-        <p:spPr>
-          <a:xfrm>
-            <a:off x="10298007" y="2178914"/>
-            <a:ext cx="415498" cy="369332"/>
-          </a:xfrm>
-          <a:prstGeom prst="rect">
-            <a:avLst/>
-          </a:prstGeom>
-          <a:noFill/>
-        </p:spPr>
-        <p:txBody>
-          <a:bodyPr wrap="none" rtlCol="0">
-            <a:spAutoFit/>
-          </a:bodyPr>
-          <a:lstStyle/>
-          <a:p>
-            <a:r>
-              <a:rPr lang="zh-TW" altLang="en-US" dirty="0"/>
-              <a:t>是</a:t>
-            </a:r>
-          </a:p>
-        </p:txBody>
-      </p:sp>
-      <p:cxnSp>
-        <p:nvCxnSpPr>
-          <p:cNvPr id="45" name="直線接點 44">
-            <a:extLst>
-              <a:ext uri="{FF2B5EF4-FFF2-40B4-BE49-F238E27FC236}">
-                <a16:creationId xmlns:a16="http://schemas.microsoft.com/office/drawing/2014/main" id="{A16639D9-5D48-45FE-93E8-B2689CAE84B5}"/>
-              </a:ext>
-            </a:extLst>
-          </p:cNvPr>
-          <p:cNvCxnSpPr>
-            <a:cxnSpLocks/>
-          </p:cNvCxnSpPr>
-          <p:nvPr/>
-        </p:nvCxnSpPr>
-        <p:spPr>
-          <a:xfrm>
-            <a:off x="9547242" y="3063064"/>
-            <a:ext cx="1584" cy="438421"/>
-          </a:xfrm>
-          <a:prstGeom prst="line">
-            <a:avLst/>
-          </a:prstGeom>
-        </p:spPr>
-        <p:style>
-          <a:lnRef idx="1">
-            <a:schemeClr val="dk1"/>
-          </a:lnRef>
-          <a:fillRef idx="0">
-            <a:schemeClr val="dk1"/>
-          </a:fillRef>
-          <a:effectRef idx="0">
-            <a:schemeClr val="dk1"/>
-          </a:effectRef>
-          <a:fontRef idx="minor">
-            <a:schemeClr val="tx1"/>
-          </a:fontRef>
-        </p:style>
-      </p:cxnSp>
-      <p:cxnSp>
-        <p:nvCxnSpPr>
-          <p:cNvPr id="47" name="直線接點 46">
-            <a:extLst>
-              <a:ext uri="{FF2B5EF4-FFF2-40B4-BE49-F238E27FC236}">
-                <a16:creationId xmlns:a16="http://schemas.microsoft.com/office/drawing/2014/main" id="{2666D6B0-A66C-4E71-95A8-4FB7835AFECF}"/>
-              </a:ext>
-            </a:extLst>
-          </p:cNvPr>
-          <p:cNvCxnSpPr>
-            <a:cxnSpLocks/>
-          </p:cNvCxnSpPr>
-          <p:nvPr/>
-        </p:nvCxnSpPr>
-        <p:spPr>
-          <a:xfrm flipH="1" flipV="1">
-            <a:off x="7390335" y="3484707"/>
-            <a:ext cx="2176211" cy="16778"/>
-          </a:xfrm>
-          <a:prstGeom prst="line">
-            <a:avLst/>
-          </a:prstGeom>
-        </p:spPr>
-        <p:style>
-          <a:lnRef idx="1">
-            <a:schemeClr val="dk1"/>
-          </a:lnRef>
-          <a:fillRef idx="0">
-            <a:schemeClr val="dk1"/>
-          </a:fillRef>
-          <a:effectRef idx="0">
-            <a:schemeClr val="dk1"/>
-          </a:effectRef>
-          <a:fontRef idx="minor">
-            <a:schemeClr val="tx1"/>
-          </a:fontRef>
-        </p:style>
-      </p:cxnSp>
-      <p:cxnSp>
-        <p:nvCxnSpPr>
-          <p:cNvPr id="49" name="直線單箭頭接點 48">
-            <a:extLst>
-              <a:ext uri="{FF2B5EF4-FFF2-40B4-BE49-F238E27FC236}">
-                <a16:creationId xmlns:a16="http://schemas.microsoft.com/office/drawing/2014/main" id="{316BC103-5417-4900-9112-7DB128689A09}"/>
-              </a:ext>
-            </a:extLst>
-          </p:cNvPr>
-          <p:cNvCxnSpPr>
-            <a:endCxn id="12" idx="2"/>
-          </p:cNvCxnSpPr>
-          <p:nvPr/>
-        </p:nvCxnSpPr>
-        <p:spPr>
-          <a:xfrm flipV="1">
-            <a:off x="7402795" y="2846417"/>
-            <a:ext cx="0" cy="638290"/>
-          </a:xfrm>
-          <a:prstGeom prst="straightConnector1">
-            <a:avLst/>
-          </a:prstGeom>
-          <a:ln>
-            <a:tailEnd type="triangle"/>
-          </a:ln>
-        </p:spPr>
-        <p:style>
-          <a:lnRef idx="1">
-            <a:schemeClr val="dk1"/>
-          </a:lnRef>
-          <a:fillRef idx="0">
-            <a:schemeClr val="dk1"/>
-          </a:fillRef>
-          <a:effectRef idx="0">
-            <a:schemeClr val="dk1"/>
-          </a:effectRef>
-          <a:fontRef idx="minor">
-            <a:schemeClr val="tx1"/>
-          </a:fontRef>
-        </p:style>
-      </p:cxnSp>
-      <p:sp>
-        <p:nvSpPr>
-          <p:cNvPr id="52" name="文字方塊 51">
-            <a:extLst>
-              <a:ext uri="{FF2B5EF4-FFF2-40B4-BE49-F238E27FC236}">
-                <a16:creationId xmlns:a16="http://schemas.microsoft.com/office/drawing/2014/main" id="{012F6860-E978-41B1-93F1-42554B00F8CB}"/>
-              </a:ext>
-            </a:extLst>
-          </p:cNvPr>
-          <p:cNvSpPr txBox="1"/>
-          <p:nvPr/>
-        </p:nvSpPr>
-        <p:spPr>
-          <a:xfrm>
-            <a:off x="9133328" y="3108068"/>
-            <a:ext cx="415498" cy="369332"/>
-          </a:xfrm>
-          <a:prstGeom prst="rect">
-            <a:avLst/>
-          </a:prstGeom>
-          <a:noFill/>
-        </p:spPr>
-        <p:txBody>
-          <a:bodyPr wrap="none" rtlCol="0">
-            <a:spAutoFit/>
-          </a:bodyPr>
-          <a:lstStyle/>
-          <a:p>
-            <a:r>
-              <a:rPr lang="zh-TW" altLang="en-US" dirty="0"/>
-              <a:t>否</a:t>
-            </a:r>
-          </a:p>
-        </p:txBody>
-      </p:sp>
-      <p:cxnSp>
-        <p:nvCxnSpPr>
-          <p:cNvPr id="53" name="直線接點 52">
-            <a:extLst>
-              <a:ext uri="{FF2B5EF4-FFF2-40B4-BE49-F238E27FC236}">
-                <a16:creationId xmlns:a16="http://schemas.microsoft.com/office/drawing/2014/main" id="{BE522786-C387-45BB-BB84-39D7D5815362}"/>
-              </a:ext>
-            </a:extLst>
-          </p:cNvPr>
-          <p:cNvCxnSpPr>
-            <a:cxnSpLocks/>
-          </p:cNvCxnSpPr>
-          <p:nvPr/>
-        </p:nvCxnSpPr>
-        <p:spPr>
-          <a:xfrm>
-            <a:off x="9664294" y="5178763"/>
-            <a:ext cx="0" cy="728175"/>
-          </a:xfrm>
-          <a:prstGeom prst="line">
-            <a:avLst/>
-          </a:prstGeom>
-        </p:spPr>
-        <p:style>
-          <a:lnRef idx="1">
-            <a:schemeClr val="dk1"/>
-          </a:lnRef>
-          <a:fillRef idx="0">
-            <a:schemeClr val="dk1"/>
-          </a:fillRef>
-          <a:effectRef idx="0">
-            <a:schemeClr val="dk1"/>
-          </a:effectRef>
-          <a:fontRef idx="minor">
-            <a:schemeClr val="tx1"/>
-          </a:fontRef>
-        </p:style>
-      </p:cxnSp>
-      <p:cxnSp>
-        <p:nvCxnSpPr>
-          <p:cNvPr id="54" name="直線接點 53">
-            <a:extLst>
-              <a:ext uri="{FF2B5EF4-FFF2-40B4-BE49-F238E27FC236}">
-                <a16:creationId xmlns:a16="http://schemas.microsoft.com/office/drawing/2014/main" id="{A33080AA-0E80-476A-9D95-4FB71EF0EE3C}"/>
-              </a:ext>
-            </a:extLst>
-          </p:cNvPr>
-          <p:cNvCxnSpPr>
-            <a:cxnSpLocks/>
-          </p:cNvCxnSpPr>
-          <p:nvPr/>
-        </p:nvCxnSpPr>
-        <p:spPr>
-          <a:xfrm flipH="1" flipV="1">
-            <a:off x="7475623" y="5890160"/>
-            <a:ext cx="2176211" cy="16778"/>
-          </a:xfrm>
-          <a:prstGeom prst="line">
-            <a:avLst/>
-          </a:prstGeom>
-        </p:spPr>
-        <p:style>
-          <a:lnRef idx="1">
-            <a:schemeClr val="dk1"/>
-          </a:lnRef>
-          <a:fillRef idx="0">
-            <a:schemeClr val="dk1"/>
-          </a:fillRef>
-          <a:effectRef idx="0">
-            <a:schemeClr val="dk1"/>
-          </a:effectRef>
-          <a:fontRef idx="minor">
-            <a:schemeClr val="tx1"/>
-          </a:fontRef>
-        </p:style>
-      </p:cxnSp>
-      <p:cxnSp>
-        <p:nvCxnSpPr>
-          <p:cNvPr id="55" name="直線單箭頭接點 54">
-            <a:extLst>
-              <a:ext uri="{FF2B5EF4-FFF2-40B4-BE49-F238E27FC236}">
-                <a16:creationId xmlns:a16="http://schemas.microsoft.com/office/drawing/2014/main" id="{AECCD958-3D43-4D44-8544-32977077700C}"/>
-              </a:ext>
-            </a:extLst>
-          </p:cNvPr>
-          <p:cNvCxnSpPr>
-            <a:cxnSpLocks/>
-          </p:cNvCxnSpPr>
-          <p:nvPr/>
-        </p:nvCxnSpPr>
-        <p:spPr>
-          <a:xfrm flipV="1">
-            <a:off x="7488083" y="4983254"/>
-            <a:ext cx="0" cy="906906"/>
-          </a:xfrm>
-          <a:prstGeom prst="straightConnector1">
-            <a:avLst/>
-          </a:prstGeom>
-          <a:ln>
-            <a:tailEnd type="triangle"/>
-          </a:ln>
-        </p:spPr>
-        <p:style>
-          <a:lnRef idx="1">
-            <a:schemeClr val="dk1"/>
-          </a:lnRef>
-          <a:fillRef idx="0">
-            <a:schemeClr val="dk1"/>
-          </a:fillRef>
-          <a:effectRef idx="0">
-            <a:schemeClr val="dk1"/>
-          </a:effectRef>
-          <a:fontRef idx="minor">
-            <a:schemeClr val="tx1"/>
-          </a:fontRef>
-        </p:style>
-      </p:cxnSp>
-      <p:sp>
-        <p:nvSpPr>
-          <p:cNvPr id="56" name="文字方塊 55">
-            <a:extLst>
-              <a:ext uri="{FF2B5EF4-FFF2-40B4-BE49-F238E27FC236}">
-                <a16:creationId xmlns:a16="http://schemas.microsoft.com/office/drawing/2014/main" id="{692A7F12-2A2C-4612-A8E7-69744D1A8016}"/>
-              </a:ext>
-            </a:extLst>
-          </p:cNvPr>
-          <p:cNvSpPr txBox="1"/>
-          <p:nvPr/>
-        </p:nvSpPr>
-        <p:spPr>
-          <a:xfrm>
-            <a:off x="9218616" y="5513521"/>
-            <a:ext cx="415498" cy="369332"/>
-          </a:xfrm>
-          <a:prstGeom prst="rect">
-            <a:avLst/>
-          </a:prstGeom>
-          <a:noFill/>
-        </p:spPr>
-        <p:txBody>
-          <a:bodyPr wrap="none" rtlCol="0">
-            <a:spAutoFit/>
-          </a:bodyPr>
-          <a:lstStyle/>
-          <a:p>
-            <a:r>
-              <a:rPr lang="zh-TW" altLang="en-US" dirty="0"/>
-              <a:t>否</a:t>
-            </a:r>
           </a:p>
         </p:txBody>
       </p:sp>
@@ -9599,7 +7657,7 @@
         </p:nvSpPr>
         <p:spPr>
           <a:xfrm>
-            <a:off x="808771" y="1270836"/>
+            <a:off x="887588" y="1390755"/>
             <a:ext cx="939681" cy="369332"/>
           </a:xfrm>
           <a:prstGeom prst="rect">
@@ -9615,7 +7673,7 @@
           <a:p>
             <a:r>
               <a:rPr lang="zh-TW" altLang="en-US" dirty="0"/>
-              <a:t>第一題</a:t>
+              <a:t>第三題</a:t>
             </a:r>
             <a:r>
               <a:rPr lang="en-US" altLang="zh-TW" dirty="0"/>
@@ -9624,6 +7682,36 @@
           </a:p>
         </p:txBody>
       </p:sp>
+      <p:pic>
+        <p:nvPicPr>
+          <p:cNvPr id="3" name="圖片 2">
+            <a:extLst>
+              <a:ext uri="{FF2B5EF4-FFF2-40B4-BE49-F238E27FC236}">
+                <a16:creationId xmlns:a16="http://schemas.microsoft.com/office/drawing/2014/main" id="{96AC59E8-2DB1-4FC3-B0CF-1EFDB6EBC77C}"/>
+              </a:ext>
+            </a:extLst>
+          </p:cNvPr>
+          <p:cNvPicPr>
+            <a:picLocks noChangeAspect="1"/>
+          </p:cNvPicPr>
+          <p:nvPr/>
+        </p:nvPicPr>
+        <p:blipFill>
+          <a:blip r:embed="rId2"/>
+          <a:stretch>
+            <a:fillRect/>
+          </a:stretch>
+        </p:blipFill>
+        <p:spPr>
+          <a:xfrm>
+            <a:off x="1509072" y="1790471"/>
+            <a:ext cx="9173855" cy="3277057"/>
+          </a:xfrm>
+          <a:prstGeom prst="rect">
+            <a:avLst/>
+          </a:prstGeom>
+        </p:spPr>
+      </p:pic>
     </p:spTree>
     <p:extLst>
       <p:ext uri="{BB962C8B-B14F-4D97-AF65-F5344CB8AC3E}">
@@ -9679,7 +7767,7 @@
             </a:r>
             <a:r>
               <a:rPr lang="zh-TW" altLang="en-US" dirty="0"/>
-              <a:t> 系統流程圖 </a:t>
+              <a:t> 時序圖 </a:t>
             </a:r>
             <a:r>
               <a:rPr lang="en-US" altLang="zh-TW" dirty="0"/>
@@ -9694,7 +7782,7 @@
                   <a:srgbClr val="FFFF00"/>
                 </a:highlight>
               </a:rPr>
-              <a:t>2024/11/19</a:t>
+              <a:t>2024/12/10</a:t>
             </a:r>
             <a:r>
               <a:rPr lang="zh-TW" altLang="en-US" dirty="0">
@@ -9717,628 +7805,10 @@
       </p:sp>
       <p:sp>
         <p:nvSpPr>
-          <p:cNvPr id="5" name="流程圖: 結束點 4">
+          <p:cNvPr id="20" name="文字方塊 19">
             <a:extLst>
               <a:ext uri="{FF2B5EF4-FFF2-40B4-BE49-F238E27FC236}">
-                <a16:creationId xmlns:a16="http://schemas.microsoft.com/office/drawing/2014/main" id="{2E666F4B-B4F7-46BA-9904-2BD6B2713D22}"/>
-              </a:ext>
-            </a:extLst>
-          </p:cNvPr>
-          <p:cNvSpPr/>
-          <p:nvPr/>
-        </p:nvSpPr>
-        <p:spPr>
-          <a:xfrm>
-            <a:off x="828272" y="1779481"/>
-            <a:ext cx="1033151" cy="625172"/>
-          </a:xfrm>
-          <a:prstGeom prst="flowChartTerminator">
-            <a:avLst/>
-          </a:prstGeom>
-        </p:spPr>
-        <p:style>
-          <a:lnRef idx="2">
-            <a:schemeClr val="accent1">
-              <a:shade val="50000"/>
-            </a:schemeClr>
-          </a:lnRef>
-          <a:fillRef idx="1">
-            <a:schemeClr val="accent1"/>
-          </a:fillRef>
-          <a:effectRef idx="0">
-            <a:schemeClr val="accent1"/>
-          </a:effectRef>
-          <a:fontRef idx="minor">
-            <a:schemeClr val="lt1"/>
-          </a:fontRef>
-        </p:style>
-        <p:txBody>
-          <a:bodyPr rtlCol="0" anchor="ctr"/>
-          <a:lstStyle/>
-          <a:p>
-            <a:pPr algn="ctr"/>
-            <a:r>
-              <a:rPr lang="zh-TW" altLang="en-US" dirty="0"/>
-              <a:t>開始</a:t>
-            </a:r>
-            <a:endParaRPr lang="en-US" altLang="zh-TW" dirty="0"/>
-          </a:p>
-          <a:p>
-            <a:pPr algn="ctr"/>
-            <a:r>
-              <a:rPr lang="zh-TW" altLang="en-US" dirty="0"/>
-              <a:t>執行</a:t>
-            </a:r>
-          </a:p>
-        </p:txBody>
-      </p:sp>
-      <p:sp>
-        <p:nvSpPr>
-          <p:cNvPr id="2" name="流程圖: 程序 1">
-            <a:extLst>
-              <a:ext uri="{FF2B5EF4-FFF2-40B4-BE49-F238E27FC236}">
-                <a16:creationId xmlns:a16="http://schemas.microsoft.com/office/drawing/2014/main" id="{CC56B21B-1047-4312-8DB1-925AF6029368}"/>
-              </a:ext>
-            </a:extLst>
-          </p:cNvPr>
-          <p:cNvSpPr/>
-          <p:nvPr/>
-        </p:nvSpPr>
-        <p:spPr>
-          <a:xfrm>
-            <a:off x="827015" y="3808894"/>
-            <a:ext cx="1033151" cy="625172"/>
-          </a:xfrm>
-          <a:prstGeom prst="flowChartProcess">
-            <a:avLst/>
-          </a:prstGeom>
-        </p:spPr>
-        <p:style>
-          <a:lnRef idx="2">
-            <a:schemeClr val="accent1">
-              <a:shade val="50000"/>
-            </a:schemeClr>
-          </a:lnRef>
-          <a:fillRef idx="1">
-            <a:schemeClr val="accent1"/>
-          </a:fillRef>
-          <a:effectRef idx="0">
-            <a:schemeClr val="accent1"/>
-          </a:effectRef>
-          <a:fontRef idx="minor">
-            <a:schemeClr val="lt1"/>
-          </a:fontRef>
-        </p:style>
-        <p:txBody>
-          <a:bodyPr rtlCol="0" anchor="ctr"/>
-          <a:lstStyle/>
-          <a:p>
-            <a:pPr algn="ctr"/>
-            <a:r>
-              <a:rPr lang="en-US" altLang="zh-TW" dirty="0"/>
-              <a:t>count</a:t>
-            </a:r>
-            <a:endParaRPr lang="zh-TW" altLang="en-US" dirty="0"/>
-          </a:p>
-        </p:txBody>
-      </p:sp>
-      <p:sp>
-        <p:nvSpPr>
-          <p:cNvPr id="3" name="流程圖: 決策 2">
-            <a:extLst>
-              <a:ext uri="{FF2B5EF4-FFF2-40B4-BE49-F238E27FC236}">
-                <a16:creationId xmlns:a16="http://schemas.microsoft.com/office/drawing/2014/main" id="{9437B496-A1E2-4253-98A8-BDD074B3A7FF}"/>
-              </a:ext>
-            </a:extLst>
-          </p:cNvPr>
-          <p:cNvSpPr/>
-          <p:nvPr/>
-        </p:nvSpPr>
-        <p:spPr>
-          <a:xfrm>
-            <a:off x="2269037" y="3747766"/>
-            <a:ext cx="1508714" cy="769786"/>
-          </a:xfrm>
-          <a:prstGeom prst="flowChartDecision">
-            <a:avLst/>
-          </a:prstGeom>
-        </p:spPr>
-        <p:style>
-          <a:lnRef idx="2">
-            <a:schemeClr val="accent1">
-              <a:shade val="50000"/>
-            </a:schemeClr>
-          </a:lnRef>
-          <a:fillRef idx="1">
-            <a:schemeClr val="accent1"/>
-          </a:fillRef>
-          <a:effectRef idx="0">
-            <a:schemeClr val="accent1"/>
-          </a:effectRef>
-          <a:fontRef idx="minor">
-            <a:schemeClr val="lt1"/>
-          </a:fontRef>
-        </p:style>
-        <p:txBody>
-          <a:bodyPr rtlCol="0" anchor="ctr"/>
-          <a:lstStyle/>
-          <a:p>
-            <a:pPr algn="ctr"/>
-            <a:r>
-              <a:rPr lang="en-US" altLang="zh-TW" dirty="0"/>
-              <a:t>Up_</a:t>
-            </a:r>
-          </a:p>
-          <a:p>
-            <a:pPr algn="ctr"/>
-            <a:r>
-              <a:rPr lang="en-US" altLang="zh-TW" dirty="0"/>
-              <a:t>down</a:t>
-            </a:r>
-            <a:endParaRPr lang="zh-TW" altLang="en-US" dirty="0"/>
-          </a:p>
-        </p:txBody>
-      </p:sp>
-      <p:sp>
-        <p:nvSpPr>
-          <p:cNvPr id="9" name="矩形 8">
-            <a:extLst>
-              <a:ext uri="{FF2B5EF4-FFF2-40B4-BE49-F238E27FC236}">
-                <a16:creationId xmlns:a16="http://schemas.microsoft.com/office/drawing/2014/main" id="{CA0EAA2D-D493-4DE5-A92B-7B83FB16A3C0}"/>
-              </a:ext>
-            </a:extLst>
-          </p:cNvPr>
-          <p:cNvSpPr/>
-          <p:nvPr/>
-        </p:nvSpPr>
-        <p:spPr>
-          <a:xfrm>
-            <a:off x="4175482" y="3255817"/>
-            <a:ext cx="1593908" cy="570452"/>
-          </a:xfrm>
-          <a:prstGeom prst="rect">
-            <a:avLst/>
-          </a:prstGeom>
-        </p:spPr>
-        <p:style>
-          <a:lnRef idx="2">
-            <a:schemeClr val="accent1">
-              <a:shade val="50000"/>
-            </a:schemeClr>
-          </a:lnRef>
-          <a:fillRef idx="1">
-            <a:schemeClr val="accent1"/>
-          </a:fillRef>
-          <a:effectRef idx="0">
-            <a:schemeClr val="accent1"/>
-          </a:effectRef>
-          <a:fontRef idx="minor">
-            <a:schemeClr val="lt1"/>
-          </a:fontRef>
-        </p:style>
-        <p:txBody>
-          <a:bodyPr rtlCol="0" anchor="ctr"/>
-          <a:lstStyle/>
-          <a:p>
-            <a:pPr algn="ctr"/>
-            <a:r>
-              <a:rPr lang="en-US" altLang="zh-TW" sz="1600" dirty="0"/>
-              <a:t>Count=count-1</a:t>
-            </a:r>
-            <a:endParaRPr lang="zh-TW" altLang="en-US" sz="1600" dirty="0"/>
-          </a:p>
-        </p:txBody>
-      </p:sp>
-      <p:sp>
-        <p:nvSpPr>
-          <p:cNvPr id="69" name="矩形 68">
-            <a:extLst>
-              <a:ext uri="{FF2B5EF4-FFF2-40B4-BE49-F238E27FC236}">
-                <a16:creationId xmlns:a16="http://schemas.microsoft.com/office/drawing/2014/main" id="{2B34ED99-6B99-4D77-80C3-4484BAF7AF29}"/>
-              </a:ext>
-            </a:extLst>
-          </p:cNvPr>
-          <p:cNvSpPr/>
-          <p:nvPr/>
-        </p:nvSpPr>
-        <p:spPr>
-          <a:xfrm>
-            <a:off x="4175482" y="4451441"/>
-            <a:ext cx="1593908" cy="570452"/>
-          </a:xfrm>
-          <a:prstGeom prst="rect">
-            <a:avLst/>
-          </a:prstGeom>
-        </p:spPr>
-        <p:style>
-          <a:lnRef idx="2">
-            <a:schemeClr val="accent1">
-              <a:shade val="50000"/>
-            </a:schemeClr>
-          </a:lnRef>
-          <a:fillRef idx="1">
-            <a:schemeClr val="accent1"/>
-          </a:fillRef>
-          <a:effectRef idx="0">
-            <a:schemeClr val="accent1"/>
-          </a:effectRef>
-          <a:fontRef idx="minor">
-            <a:schemeClr val="lt1"/>
-          </a:fontRef>
-        </p:style>
-        <p:txBody>
-          <a:bodyPr rtlCol="0" anchor="ctr"/>
-          <a:lstStyle/>
-          <a:p>
-            <a:pPr algn="ctr"/>
-            <a:r>
-              <a:rPr lang="en-US" altLang="zh-TW" sz="1600" dirty="0"/>
-              <a:t>Count=count+1</a:t>
-            </a:r>
-            <a:endParaRPr lang="zh-TW" altLang="en-US" sz="1600" dirty="0"/>
-          </a:p>
-        </p:txBody>
-      </p:sp>
-      <p:sp>
-        <p:nvSpPr>
-          <p:cNvPr id="70" name="流程圖: 決策 69">
-            <a:extLst>
-              <a:ext uri="{FF2B5EF4-FFF2-40B4-BE49-F238E27FC236}">
-                <a16:creationId xmlns:a16="http://schemas.microsoft.com/office/drawing/2014/main" id="{A9AB9CC1-4251-4F15-B780-54C58FC9E4A8}"/>
-              </a:ext>
-            </a:extLst>
-          </p:cNvPr>
-          <p:cNvSpPr/>
-          <p:nvPr/>
-        </p:nvSpPr>
-        <p:spPr>
-          <a:xfrm>
-            <a:off x="6292303" y="3069759"/>
-            <a:ext cx="1593908" cy="942568"/>
-          </a:xfrm>
-          <a:prstGeom prst="flowChartDecision">
-            <a:avLst/>
-          </a:prstGeom>
-        </p:spPr>
-        <p:style>
-          <a:lnRef idx="2">
-            <a:schemeClr val="accent1">
-              <a:shade val="50000"/>
-            </a:schemeClr>
-          </a:lnRef>
-          <a:fillRef idx="1">
-            <a:schemeClr val="accent1"/>
-          </a:fillRef>
-          <a:effectRef idx="0">
-            <a:schemeClr val="accent1"/>
-          </a:effectRef>
-          <a:fontRef idx="minor">
-            <a:schemeClr val="lt1"/>
-          </a:fontRef>
-        </p:style>
-        <p:txBody>
-          <a:bodyPr rtlCol="0" anchor="ctr"/>
-          <a:lstStyle/>
-          <a:p>
-            <a:pPr algn="ctr"/>
-            <a:r>
-              <a:rPr lang="en-US" altLang="zh-TW" sz="1400" dirty="0"/>
-              <a:t>Count=</a:t>
-            </a:r>
-            <a:r>
-              <a:rPr lang="zh-TW" altLang="en-US" sz="1400" dirty="0"/>
-              <a:t>下限值</a:t>
-            </a:r>
-            <a:endParaRPr lang="en-US" altLang="zh-TW" sz="1400" dirty="0"/>
-          </a:p>
-        </p:txBody>
-      </p:sp>
-      <p:sp>
-        <p:nvSpPr>
-          <p:cNvPr id="71" name="矩形 70">
-            <a:extLst>
-              <a:ext uri="{FF2B5EF4-FFF2-40B4-BE49-F238E27FC236}">
-                <a16:creationId xmlns:a16="http://schemas.microsoft.com/office/drawing/2014/main" id="{2CEF4E44-A333-4D95-BEDF-898D0448A457}"/>
-              </a:ext>
-            </a:extLst>
-          </p:cNvPr>
-          <p:cNvSpPr/>
-          <p:nvPr/>
-        </p:nvSpPr>
-        <p:spPr>
-          <a:xfrm>
-            <a:off x="8288883" y="3255817"/>
-            <a:ext cx="1498832" cy="570452"/>
-          </a:xfrm>
-          <a:prstGeom prst="rect">
-            <a:avLst/>
-          </a:prstGeom>
-        </p:spPr>
-        <p:style>
-          <a:lnRef idx="2">
-            <a:schemeClr val="accent1">
-              <a:shade val="50000"/>
-            </a:schemeClr>
-          </a:lnRef>
-          <a:fillRef idx="1">
-            <a:schemeClr val="accent1"/>
-          </a:fillRef>
-          <a:effectRef idx="0">
-            <a:schemeClr val="accent1"/>
-          </a:effectRef>
-          <a:fontRef idx="minor">
-            <a:schemeClr val="lt1"/>
-          </a:fontRef>
-        </p:style>
-        <p:txBody>
-          <a:bodyPr rtlCol="0" anchor="ctr"/>
-          <a:lstStyle/>
-          <a:p>
-            <a:pPr algn="ctr"/>
-            <a:r>
-              <a:rPr lang="en-US" altLang="zh-TW" sz="1600" dirty="0"/>
-              <a:t>Count&lt;=</a:t>
-            </a:r>
-            <a:r>
-              <a:rPr lang="zh-TW" altLang="en-US" sz="1600" dirty="0"/>
-              <a:t>上限值</a:t>
-            </a:r>
-          </a:p>
-        </p:txBody>
-      </p:sp>
-      <p:sp>
-        <p:nvSpPr>
-          <p:cNvPr id="72" name="流程圖: 決策 71">
-            <a:extLst>
-              <a:ext uri="{FF2B5EF4-FFF2-40B4-BE49-F238E27FC236}">
-                <a16:creationId xmlns:a16="http://schemas.microsoft.com/office/drawing/2014/main" id="{4E7A4648-0417-492B-85CA-5B4DC9465A9A}"/>
-              </a:ext>
-            </a:extLst>
-          </p:cNvPr>
-          <p:cNvSpPr/>
-          <p:nvPr/>
-        </p:nvSpPr>
-        <p:spPr>
-          <a:xfrm>
-            <a:off x="6292303" y="4248008"/>
-            <a:ext cx="1593908" cy="942568"/>
-          </a:xfrm>
-          <a:prstGeom prst="flowChartDecision">
-            <a:avLst/>
-          </a:prstGeom>
-        </p:spPr>
-        <p:style>
-          <a:lnRef idx="2">
-            <a:schemeClr val="accent1">
-              <a:shade val="50000"/>
-            </a:schemeClr>
-          </a:lnRef>
-          <a:fillRef idx="1">
-            <a:schemeClr val="accent1"/>
-          </a:fillRef>
-          <a:effectRef idx="0">
-            <a:schemeClr val="accent1"/>
-          </a:effectRef>
-          <a:fontRef idx="minor">
-            <a:schemeClr val="lt1"/>
-          </a:fontRef>
-        </p:style>
-        <p:txBody>
-          <a:bodyPr rtlCol="0" anchor="ctr"/>
-          <a:lstStyle/>
-          <a:p>
-            <a:pPr algn="ctr"/>
-            <a:r>
-              <a:rPr lang="en-US" altLang="zh-TW" sz="1400" dirty="0"/>
-              <a:t>Count=</a:t>
-            </a:r>
-            <a:r>
-              <a:rPr lang="zh-TW" altLang="en-US" sz="1400" dirty="0"/>
-              <a:t>上限值</a:t>
-            </a:r>
-            <a:endParaRPr lang="en-US" altLang="zh-TW" sz="1400" dirty="0"/>
-          </a:p>
-        </p:txBody>
-      </p:sp>
-      <p:sp>
-        <p:nvSpPr>
-          <p:cNvPr id="73" name="矩形 72">
-            <a:extLst>
-              <a:ext uri="{FF2B5EF4-FFF2-40B4-BE49-F238E27FC236}">
-                <a16:creationId xmlns:a16="http://schemas.microsoft.com/office/drawing/2014/main" id="{6F534B0B-0138-4C53-934F-53AA737031FB}"/>
-              </a:ext>
-            </a:extLst>
-          </p:cNvPr>
-          <p:cNvSpPr/>
-          <p:nvPr/>
-        </p:nvSpPr>
-        <p:spPr>
-          <a:xfrm>
-            <a:off x="8288883" y="4434066"/>
-            <a:ext cx="1498832" cy="570452"/>
-          </a:xfrm>
-          <a:prstGeom prst="rect">
-            <a:avLst/>
-          </a:prstGeom>
-        </p:spPr>
-        <p:style>
-          <a:lnRef idx="2">
-            <a:schemeClr val="accent1">
-              <a:shade val="50000"/>
-            </a:schemeClr>
-          </a:lnRef>
-          <a:fillRef idx="1">
-            <a:schemeClr val="accent1"/>
-          </a:fillRef>
-          <a:effectRef idx="0">
-            <a:schemeClr val="accent1"/>
-          </a:effectRef>
-          <a:fontRef idx="minor">
-            <a:schemeClr val="lt1"/>
-          </a:fontRef>
-        </p:style>
-        <p:txBody>
-          <a:bodyPr rtlCol="0" anchor="ctr"/>
-          <a:lstStyle/>
-          <a:p>
-            <a:pPr algn="ctr"/>
-            <a:r>
-              <a:rPr lang="en-US" altLang="zh-TW" sz="1600" dirty="0"/>
-              <a:t>Count&lt;=</a:t>
-            </a:r>
-            <a:r>
-              <a:rPr lang="zh-TW" altLang="en-US" sz="1600" dirty="0"/>
-              <a:t>下限值</a:t>
-            </a:r>
-          </a:p>
-        </p:txBody>
-      </p:sp>
-      <p:sp>
-        <p:nvSpPr>
-          <p:cNvPr id="74" name="流程圖: 結束點 73">
-            <a:extLst>
-              <a:ext uri="{FF2B5EF4-FFF2-40B4-BE49-F238E27FC236}">
-                <a16:creationId xmlns:a16="http://schemas.microsoft.com/office/drawing/2014/main" id="{54D88F0F-8884-4AD1-BE14-8D341CC7ECCA}"/>
-              </a:ext>
-            </a:extLst>
-          </p:cNvPr>
-          <p:cNvSpPr/>
-          <p:nvPr/>
-        </p:nvSpPr>
-        <p:spPr>
-          <a:xfrm>
-            <a:off x="10190387" y="3826269"/>
-            <a:ext cx="1252196" cy="625172"/>
-          </a:xfrm>
-          <a:prstGeom prst="flowChartTerminator">
-            <a:avLst/>
-          </a:prstGeom>
-        </p:spPr>
-        <p:style>
-          <a:lnRef idx="2">
-            <a:schemeClr val="accent1">
-              <a:shade val="50000"/>
-            </a:schemeClr>
-          </a:lnRef>
-          <a:fillRef idx="1">
-            <a:schemeClr val="accent1"/>
-          </a:fillRef>
-          <a:effectRef idx="0">
-            <a:schemeClr val="accent1"/>
-          </a:effectRef>
-          <a:fontRef idx="minor">
-            <a:schemeClr val="lt1"/>
-          </a:fontRef>
-        </p:style>
-        <p:txBody>
-          <a:bodyPr rtlCol="0" anchor="ctr"/>
-          <a:lstStyle/>
-          <a:p>
-            <a:pPr algn="ctr"/>
-            <a:r>
-              <a:rPr lang="zh-TW" altLang="en-US" dirty="0"/>
-              <a:t>輸出</a:t>
-            </a:r>
-            <a:endParaRPr lang="en-US" altLang="zh-TW" dirty="0"/>
-          </a:p>
-          <a:p>
-            <a:pPr algn="ctr"/>
-            <a:r>
-              <a:rPr lang="en-US" altLang="zh-TW" dirty="0"/>
-              <a:t>Count</a:t>
-            </a:r>
-          </a:p>
-        </p:txBody>
-      </p:sp>
-      <p:cxnSp>
-        <p:nvCxnSpPr>
-          <p:cNvPr id="78" name="接點: 肘形 77">
-            <a:extLst>
-              <a:ext uri="{FF2B5EF4-FFF2-40B4-BE49-F238E27FC236}">
-                <a16:creationId xmlns:a16="http://schemas.microsoft.com/office/drawing/2014/main" id="{A6E58EAD-14B1-4DC2-B564-A8C2CFE70514}"/>
-              </a:ext>
-            </a:extLst>
-          </p:cNvPr>
-          <p:cNvCxnSpPr>
-            <a:cxnSpLocks/>
-            <a:endCxn id="9" idx="1"/>
-          </p:cNvCxnSpPr>
-          <p:nvPr/>
-        </p:nvCxnSpPr>
-        <p:spPr>
-          <a:xfrm flipV="1">
-            <a:off x="3277859" y="3541043"/>
-            <a:ext cx="897623" cy="322572"/>
-          </a:xfrm>
-          <a:prstGeom prst="bentConnector3">
-            <a:avLst/>
-          </a:prstGeom>
-          <a:ln>
-            <a:tailEnd type="triangle"/>
-          </a:ln>
-        </p:spPr>
-        <p:style>
-          <a:lnRef idx="1">
-            <a:schemeClr val="dk1"/>
-          </a:lnRef>
-          <a:fillRef idx="0">
-            <a:schemeClr val="dk1"/>
-          </a:fillRef>
-          <a:effectRef idx="0">
-            <a:schemeClr val="dk1"/>
-          </a:effectRef>
-          <a:fontRef idx="minor">
-            <a:schemeClr val="tx1"/>
-          </a:fontRef>
-        </p:style>
-      </p:cxnSp>
-      <p:cxnSp>
-        <p:nvCxnSpPr>
-          <p:cNvPr id="81" name="接點: 肘形 80">
-            <a:extLst>
-              <a:ext uri="{FF2B5EF4-FFF2-40B4-BE49-F238E27FC236}">
-                <a16:creationId xmlns:a16="http://schemas.microsoft.com/office/drawing/2014/main" id="{FA5AA920-52A5-4737-AEBD-D70EA3A31EC4}"/>
-              </a:ext>
-            </a:extLst>
-          </p:cNvPr>
-          <p:cNvCxnSpPr>
-            <a:endCxn id="69" idx="1"/>
-          </p:cNvCxnSpPr>
-          <p:nvPr/>
-        </p:nvCxnSpPr>
-        <p:spPr>
-          <a:xfrm>
-            <a:off x="3277859" y="4434066"/>
-            <a:ext cx="897623" cy="302601"/>
-          </a:xfrm>
-          <a:prstGeom prst="bentConnector3">
-            <a:avLst/>
-          </a:prstGeom>
-          <a:ln>
-            <a:tailEnd type="triangle"/>
-          </a:ln>
-        </p:spPr>
-        <p:style>
-          <a:lnRef idx="1">
-            <a:schemeClr val="dk1"/>
-          </a:lnRef>
-          <a:fillRef idx="0">
-            <a:schemeClr val="dk1"/>
-          </a:fillRef>
-          <a:effectRef idx="0">
-            <a:schemeClr val="dk1"/>
-          </a:effectRef>
-          <a:fontRef idx="minor">
-            <a:schemeClr val="tx1"/>
-          </a:fontRef>
-        </p:style>
-      </p:cxnSp>
-      <p:sp>
-        <p:nvSpPr>
-          <p:cNvPr id="82" name="文字方塊 81">
-            <a:extLst>
-              <a:ext uri="{FF2B5EF4-FFF2-40B4-BE49-F238E27FC236}">
-                <a16:creationId xmlns:a16="http://schemas.microsoft.com/office/drawing/2014/main" id="{89982088-01D0-4030-A2F3-8DD95A7852F5}"/>
+                <a16:creationId xmlns:a16="http://schemas.microsoft.com/office/drawing/2014/main" id="{CCDB1AD4-4DE4-4016-A118-6A494103F86C}"/>
               </a:ext>
             </a:extLst>
           </p:cNvPr>
@@ -10347,696 +7817,7 @@
         </p:nvSpPr>
         <p:spPr>
           <a:xfrm>
-            <a:off x="3638162" y="4719292"/>
-            <a:ext cx="532518" cy="369332"/>
-          </a:xfrm>
-          <a:prstGeom prst="rect">
-            <a:avLst/>
-          </a:prstGeom>
-          <a:noFill/>
-        </p:spPr>
-        <p:txBody>
-          <a:bodyPr wrap="none" rtlCol="0">
-            <a:spAutoFit/>
-          </a:bodyPr>
-          <a:lstStyle/>
-          <a:p>
-            <a:r>
-              <a:rPr lang="zh-TW" altLang="en-US" dirty="0"/>
-              <a:t>為</a:t>
-            </a:r>
-            <a:r>
-              <a:rPr lang="en-US" altLang="zh-TW" dirty="0"/>
-              <a:t>1</a:t>
-            </a:r>
-            <a:endParaRPr lang="zh-TW" altLang="en-US" dirty="0"/>
-          </a:p>
-        </p:txBody>
-      </p:sp>
-      <p:sp>
-        <p:nvSpPr>
-          <p:cNvPr id="84" name="文字方塊 83">
-            <a:extLst>
-              <a:ext uri="{FF2B5EF4-FFF2-40B4-BE49-F238E27FC236}">
-                <a16:creationId xmlns:a16="http://schemas.microsoft.com/office/drawing/2014/main" id="{E6DB79CA-4282-40B0-90D2-D45D4E87D650}"/>
-              </a:ext>
-            </a:extLst>
-          </p:cNvPr>
-          <p:cNvSpPr txBox="1"/>
-          <p:nvPr/>
-        </p:nvSpPr>
-        <p:spPr>
-          <a:xfrm>
-            <a:off x="3647767" y="3171223"/>
-            <a:ext cx="532518" cy="369332"/>
-          </a:xfrm>
-          <a:prstGeom prst="rect">
-            <a:avLst/>
-          </a:prstGeom>
-          <a:noFill/>
-        </p:spPr>
-        <p:txBody>
-          <a:bodyPr wrap="none" rtlCol="0">
-            <a:spAutoFit/>
-          </a:bodyPr>
-          <a:lstStyle/>
-          <a:p>
-            <a:r>
-              <a:rPr lang="zh-TW" altLang="en-US" dirty="0"/>
-              <a:t>為</a:t>
-            </a:r>
-            <a:r>
-              <a:rPr lang="en-US" altLang="zh-TW" dirty="0"/>
-              <a:t>0</a:t>
-            </a:r>
-            <a:endParaRPr lang="zh-TW" altLang="en-US" dirty="0"/>
-          </a:p>
-        </p:txBody>
-      </p:sp>
-      <p:cxnSp>
-        <p:nvCxnSpPr>
-          <p:cNvPr id="86" name="直線單箭頭接點 85">
-            <a:extLst>
-              <a:ext uri="{FF2B5EF4-FFF2-40B4-BE49-F238E27FC236}">
-                <a16:creationId xmlns:a16="http://schemas.microsoft.com/office/drawing/2014/main" id="{5495F804-3206-4CE9-9EFD-5E6C8DC2F5A7}"/>
-              </a:ext>
-            </a:extLst>
-          </p:cNvPr>
-          <p:cNvCxnSpPr>
-            <a:cxnSpLocks/>
-            <a:stCxn id="9" idx="3"/>
-            <a:endCxn id="70" idx="1"/>
-          </p:cNvCxnSpPr>
-          <p:nvPr/>
-        </p:nvCxnSpPr>
-        <p:spPr>
-          <a:xfrm>
-            <a:off x="5769390" y="3541043"/>
-            <a:ext cx="522913" cy="0"/>
-          </a:xfrm>
-          <a:prstGeom prst="straightConnector1">
-            <a:avLst/>
-          </a:prstGeom>
-          <a:ln>
-            <a:tailEnd type="triangle"/>
-          </a:ln>
-        </p:spPr>
-        <p:style>
-          <a:lnRef idx="1">
-            <a:schemeClr val="dk1"/>
-          </a:lnRef>
-          <a:fillRef idx="0">
-            <a:schemeClr val="dk1"/>
-          </a:fillRef>
-          <a:effectRef idx="0">
-            <a:schemeClr val="dk1"/>
-          </a:effectRef>
-          <a:fontRef idx="minor">
-            <a:schemeClr val="tx1"/>
-          </a:fontRef>
-        </p:style>
-      </p:cxnSp>
-      <p:cxnSp>
-        <p:nvCxnSpPr>
-          <p:cNvPr id="88" name="直線單箭頭接點 87">
-            <a:extLst>
-              <a:ext uri="{FF2B5EF4-FFF2-40B4-BE49-F238E27FC236}">
-                <a16:creationId xmlns:a16="http://schemas.microsoft.com/office/drawing/2014/main" id="{5474C12E-AAD0-4825-9E1D-D45B06405DDC}"/>
-              </a:ext>
-            </a:extLst>
-          </p:cNvPr>
-          <p:cNvCxnSpPr>
-            <a:stCxn id="69" idx="3"/>
-            <a:endCxn id="72" idx="1"/>
-          </p:cNvCxnSpPr>
-          <p:nvPr/>
-        </p:nvCxnSpPr>
-        <p:spPr>
-          <a:xfrm flipV="1">
-            <a:off x="5769390" y="4719292"/>
-            <a:ext cx="522913" cy="17375"/>
-          </a:xfrm>
-          <a:prstGeom prst="straightConnector1">
-            <a:avLst/>
-          </a:prstGeom>
-          <a:ln>
-            <a:tailEnd type="triangle"/>
-          </a:ln>
-        </p:spPr>
-        <p:style>
-          <a:lnRef idx="1">
-            <a:schemeClr val="dk1"/>
-          </a:lnRef>
-          <a:fillRef idx="0">
-            <a:schemeClr val="dk1"/>
-          </a:fillRef>
-          <a:effectRef idx="0">
-            <a:schemeClr val="dk1"/>
-          </a:effectRef>
-          <a:fontRef idx="minor">
-            <a:schemeClr val="tx1"/>
-          </a:fontRef>
-        </p:style>
-      </p:cxnSp>
-      <p:cxnSp>
-        <p:nvCxnSpPr>
-          <p:cNvPr id="91" name="直線單箭頭接點 90">
-            <a:extLst>
-              <a:ext uri="{FF2B5EF4-FFF2-40B4-BE49-F238E27FC236}">
-                <a16:creationId xmlns:a16="http://schemas.microsoft.com/office/drawing/2014/main" id="{2D676886-A8C8-44BE-AEA3-E0CCC653E2C9}"/>
-              </a:ext>
-            </a:extLst>
-          </p:cNvPr>
-          <p:cNvCxnSpPr>
-            <a:stCxn id="70" idx="3"/>
-            <a:endCxn id="71" idx="1"/>
-          </p:cNvCxnSpPr>
-          <p:nvPr/>
-        </p:nvCxnSpPr>
-        <p:spPr>
-          <a:xfrm>
-            <a:off x="7886211" y="3541043"/>
-            <a:ext cx="402672" cy="0"/>
-          </a:xfrm>
-          <a:prstGeom prst="straightConnector1">
-            <a:avLst/>
-          </a:prstGeom>
-          <a:ln>
-            <a:tailEnd type="triangle"/>
-          </a:ln>
-        </p:spPr>
-        <p:style>
-          <a:lnRef idx="1">
-            <a:schemeClr val="dk1"/>
-          </a:lnRef>
-          <a:fillRef idx="0">
-            <a:schemeClr val="dk1"/>
-          </a:fillRef>
-          <a:effectRef idx="0">
-            <a:schemeClr val="dk1"/>
-          </a:effectRef>
-          <a:fontRef idx="minor">
-            <a:schemeClr val="tx1"/>
-          </a:fontRef>
-        </p:style>
-      </p:cxnSp>
-      <p:cxnSp>
-        <p:nvCxnSpPr>
-          <p:cNvPr id="93" name="直線單箭頭接點 92">
-            <a:extLst>
-              <a:ext uri="{FF2B5EF4-FFF2-40B4-BE49-F238E27FC236}">
-                <a16:creationId xmlns:a16="http://schemas.microsoft.com/office/drawing/2014/main" id="{668A51EF-B524-41EB-838C-6BCE902E9B1F}"/>
-              </a:ext>
-            </a:extLst>
-          </p:cNvPr>
-          <p:cNvCxnSpPr>
-            <a:stCxn id="72" idx="3"/>
-            <a:endCxn id="73" idx="1"/>
-          </p:cNvCxnSpPr>
-          <p:nvPr/>
-        </p:nvCxnSpPr>
-        <p:spPr>
-          <a:xfrm>
-            <a:off x="7886211" y="4719292"/>
-            <a:ext cx="402672" cy="0"/>
-          </a:xfrm>
-          <a:prstGeom prst="straightConnector1">
-            <a:avLst/>
-          </a:prstGeom>
-          <a:ln>
-            <a:tailEnd type="triangle"/>
-          </a:ln>
-        </p:spPr>
-        <p:style>
-          <a:lnRef idx="1">
-            <a:schemeClr val="dk1"/>
-          </a:lnRef>
-          <a:fillRef idx="0">
-            <a:schemeClr val="dk1"/>
-          </a:fillRef>
-          <a:effectRef idx="0">
-            <a:schemeClr val="dk1"/>
-          </a:effectRef>
-          <a:fontRef idx="minor">
-            <a:schemeClr val="tx1"/>
-          </a:fontRef>
-        </p:style>
-      </p:cxnSp>
-      <p:cxnSp>
-        <p:nvCxnSpPr>
-          <p:cNvPr id="95" name="接點: 肘形 94">
-            <a:extLst>
-              <a:ext uri="{FF2B5EF4-FFF2-40B4-BE49-F238E27FC236}">
-                <a16:creationId xmlns:a16="http://schemas.microsoft.com/office/drawing/2014/main" id="{0C5B0429-F208-40A8-820E-A6BE0F056491}"/>
-              </a:ext>
-            </a:extLst>
-          </p:cNvPr>
-          <p:cNvCxnSpPr>
-            <a:cxnSpLocks/>
-            <a:stCxn id="71" idx="3"/>
-            <a:endCxn id="74" idx="0"/>
-          </p:cNvCxnSpPr>
-          <p:nvPr/>
-        </p:nvCxnSpPr>
-        <p:spPr>
-          <a:xfrm>
-            <a:off x="9787715" y="3541043"/>
-            <a:ext cx="1028770" cy="285226"/>
-          </a:xfrm>
-          <a:prstGeom prst="bentConnector2">
-            <a:avLst/>
-          </a:prstGeom>
-          <a:ln>
-            <a:tailEnd type="triangle"/>
-          </a:ln>
-        </p:spPr>
-        <p:style>
-          <a:lnRef idx="1">
-            <a:schemeClr val="dk1"/>
-          </a:lnRef>
-          <a:fillRef idx="0">
-            <a:schemeClr val="dk1"/>
-          </a:fillRef>
-          <a:effectRef idx="0">
-            <a:schemeClr val="dk1"/>
-          </a:effectRef>
-          <a:fontRef idx="minor">
-            <a:schemeClr val="tx1"/>
-          </a:fontRef>
-        </p:style>
-      </p:cxnSp>
-      <p:cxnSp>
-        <p:nvCxnSpPr>
-          <p:cNvPr id="98" name="接點: 肘形 97">
-            <a:extLst>
-              <a:ext uri="{FF2B5EF4-FFF2-40B4-BE49-F238E27FC236}">
-                <a16:creationId xmlns:a16="http://schemas.microsoft.com/office/drawing/2014/main" id="{AC67FA1E-8FF2-4E36-8903-522FE98837DC}"/>
-              </a:ext>
-            </a:extLst>
-          </p:cNvPr>
-          <p:cNvCxnSpPr>
-            <a:cxnSpLocks/>
-            <a:stCxn id="73" idx="3"/>
-            <a:endCxn id="74" idx="2"/>
-          </p:cNvCxnSpPr>
-          <p:nvPr/>
-        </p:nvCxnSpPr>
-        <p:spPr>
-          <a:xfrm flipV="1">
-            <a:off x="9787715" y="4451441"/>
-            <a:ext cx="1028770" cy="267851"/>
-          </a:xfrm>
-          <a:prstGeom prst="bentConnector2">
-            <a:avLst/>
-          </a:prstGeom>
-          <a:ln>
-            <a:tailEnd type="triangle"/>
-          </a:ln>
-        </p:spPr>
-        <p:style>
-          <a:lnRef idx="1">
-            <a:schemeClr val="dk1"/>
-          </a:lnRef>
-          <a:fillRef idx="0">
-            <a:schemeClr val="dk1"/>
-          </a:fillRef>
-          <a:effectRef idx="0">
-            <a:schemeClr val="dk1"/>
-          </a:effectRef>
-          <a:fontRef idx="minor">
-            <a:schemeClr val="tx1"/>
-          </a:fontRef>
-        </p:style>
-      </p:cxnSp>
-      <p:cxnSp>
-        <p:nvCxnSpPr>
-          <p:cNvPr id="106" name="直線單箭頭接點 105">
-            <a:extLst>
-              <a:ext uri="{FF2B5EF4-FFF2-40B4-BE49-F238E27FC236}">
-                <a16:creationId xmlns:a16="http://schemas.microsoft.com/office/drawing/2014/main" id="{AD0EBC72-728D-47ED-AE1F-3E57B39030FD}"/>
-              </a:ext>
-            </a:extLst>
-          </p:cNvPr>
-          <p:cNvCxnSpPr>
-            <a:endCxn id="2" idx="0"/>
-          </p:cNvCxnSpPr>
-          <p:nvPr/>
-        </p:nvCxnSpPr>
-        <p:spPr>
-          <a:xfrm>
-            <a:off x="1343590" y="2404653"/>
-            <a:ext cx="1" cy="1404241"/>
-          </a:xfrm>
-          <a:prstGeom prst="straightConnector1">
-            <a:avLst/>
-          </a:prstGeom>
-          <a:ln>
-            <a:tailEnd type="triangle"/>
-          </a:ln>
-        </p:spPr>
-        <p:style>
-          <a:lnRef idx="1">
-            <a:schemeClr val="dk1"/>
-          </a:lnRef>
-          <a:fillRef idx="0">
-            <a:schemeClr val="dk1"/>
-          </a:fillRef>
-          <a:effectRef idx="0">
-            <a:schemeClr val="dk1"/>
-          </a:effectRef>
-          <a:fontRef idx="minor">
-            <a:schemeClr val="tx1"/>
-          </a:fontRef>
-        </p:style>
-      </p:cxnSp>
-      <p:sp>
-        <p:nvSpPr>
-          <p:cNvPr id="107" name="文字方塊 106">
-            <a:extLst>
-              <a:ext uri="{FF2B5EF4-FFF2-40B4-BE49-F238E27FC236}">
-                <a16:creationId xmlns:a16="http://schemas.microsoft.com/office/drawing/2014/main" id="{C8473ABF-39CA-43E4-A82A-B50BDFCDF7F3}"/>
-              </a:ext>
-            </a:extLst>
-          </p:cNvPr>
-          <p:cNvSpPr txBox="1"/>
-          <p:nvPr/>
-        </p:nvSpPr>
-        <p:spPr>
-          <a:xfrm>
-            <a:off x="1343590" y="2614567"/>
-            <a:ext cx="2105833" cy="369332"/>
-          </a:xfrm>
-          <a:prstGeom prst="rect">
-            <a:avLst/>
-          </a:prstGeom>
-          <a:noFill/>
-        </p:spPr>
-        <p:txBody>
-          <a:bodyPr wrap="none" rtlCol="0">
-            <a:spAutoFit/>
-          </a:bodyPr>
-          <a:lstStyle/>
-          <a:p>
-            <a:r>
-              <a:rPr lang="zh-TW" altLang="en-US" dirty="0"/>
-              <a:t>設定</a:t>
-            </a:r>
-            <a:r>
-              <a:rPr lang="en-US" altLang="zh-TW" dirty="0"/>
-              <a:t>count</a:t>
-            </a:r>
-            <a:r>
-              <a:rPr lang="zh-TW" altLang="en-US" dirty="0"/>
-              <a:t>的上下限</a:t>
-            </a:r>
-          </a:p>
-        </p:txBody>
-      </p:sp>
-      <p:cxnSp>
-        <p:nvCxnSpPr>
-          <p:cNvPr id="109" name="直線單箭頭接點 108">
-            <a:extLst>
-              <a:ext uri="{FF2B5EF4-FFF2-40B4-BE49-F238E27FC236}">
-                <a16:creationId xmlns:a16="http://schemas.microsoft.com/office/drawing/2014/main" id="{E93C3460-9530-40DF-9821-5486DE6BAB17}"/>
-              </a:ext>
-            </a:extLst>
-          </p:cNvPr>
-          <p:cNvCxnSpPr>
-            <a:cxnSpLocks/>
-            <a:stCxn id="2" idx="3"/>
-          </p:cNvCxnSpPr>
-          <p:nvPr/>
-        </p:nvCxnSpPr>
-        <p:spPr>
-          <a:xfrm>
-            <a:off x="1860166" y="4121480"/>
-            <a:ext cx="408871" cy="0"/>
-          </a:xfrm>
-          <a:prstGeom prst="straightConnector1">
-            <a:avLst/>
-          </a:prstGeom>
-          <a:ln>
-            <a:tailEnd type="triangle"/>
-          </a:ln>
-        </p:spPr>
-        <p:style>
-          <a:lnRef idx="1">
-            <a:schemeClr val="dk1"/>
-          </a:lnRef>
-          <a:fillRef idx="0">
-            <a:schemeClr val="dk1"/>
-          </a:fillRef>
-          <a:effectRef idx="0">
-            <a:schemeClr val="dk1"/>
-          </a:effectRef>
-          <a:fontRef idx="minor">
-            <a:schemeClr val="tx1"/>
-          </a:fontRef>
-        </p:style>
-      </p:cxnSp>
-      <p:cxnSp>
-        <p:nvCxnSpPr>
-          <p:cNvPr id="114" name="接點: 肘形 113">
-            <a:extLst>
-              <a:ext uri="{FF2B5EF4-FFF2-40B4-BE49-F238E27FC236}">
-                <a16:creationId xmlns:a16="http://schemas.microsoft.com/office/drawing/2014/main" id="{7BE9B5D0-A14D-4E74-8FE3-415E726A084C}"/>
-              </a:ext>
-            </a:extLst>
-          </p:cNvPr>
-          <p:cNvCxnSpPr>
-            <a:stCxn id="70" idx="0"/>
-            <a:endCxn id="9" idx="0"/>
-          </p:cNvCxnSpPr>
-          <p:nvPr/>
-        </p:nvCxnSpPr>
-        <p:spPr>
-          <a:xfrm rot="16200000" flipH="1" flipV="1">
-            <a:off x="5937818" y="2104377"/>
-            <a:ext cx="186058" cy="2116821"/>
-          </a:xfrm>
-          <a:prstGeom prst="bentConnector3">
-            <a:avLst>
-              <a:gd name="adj1" fmla="val -222060"/>
-            </a:avLst>
-          </a:prstGeom>
-          <a:ln>
-            <a:tailEnd type="triangle"/>
-          </a:ln>
-        </p:spPr>
-        <p:style>
-          <a:lnRef idx="1">
-            <a:schemeClr val="dk1"/>
-          </a:lnRef>
-          <a:fillRef idx="0">
-            <a:schemeClr val="dk1"/>
-          </a:fillRef>
-          <a:effectRef idx="0">
-            <a:schemeClr val="dk1"/>
-          </a:effectRef>
-          <a:fontRef idx="minor">
-            <a:schemeClr val="tx1"/>
-          </a:fontRef>
-        </p:style>
-      </p:cxnSp>
-      <p:sp>
-        <p:nvSpPr>
-          <p:cNvPr id="116" name="文字方塊 115">
-            <a:extLst>
-              <a:ext uri="{FF2B5EF4-FFF2-40B4-BE49-F238E27FC236}">
-                <a16:creationId xmlns:a16="http://schemas.microsoft.com/office/drawing/2014/main" id="{0C134E23-334D-44B7-B4DD-5B778E73D1F1}"/>
-              </a:ext>
-            </a:extLst>
-          </p:cNvPr>
-          <p:cNvSpPr txBox="1"/>
-          <p:nvPr/>
-        </p:nvSpPr>
-        <p:spPr>
-          <a:xfrm>
-            <a:off x="5769390" y="2297361"/>
-            <a:ext cx="415498" cy="369332"/>
-          </a:xfrm>
-          <a:prstGeom prst="rect">
-            <a:avLst/>
-          </a:prstGeom>
-          <a:noFill/>
-        </p:spPr>
-        <p:txBody>
-          <a:bodyPr wrap="none" rtlCol="0">
-            <a:spAutoFit/>
-          </a:bodyPr>
-          <a:lstStyle/>
-          <a:p>
-            <a:r>
-              <a:rPr lang="zh-TW" altLang="en-US" dirty="0"/>
-              <a:t>否</a:t>
-            </a:r>
-          </a:p>
-        </p:txBody>
-      </p:sp>
-      <p:sp>
-        <p:nvSpPr>
-          <p:cNvPr id="117" name="文字方塊 116">
-            <a:extLst>
-              <a:ext uri="{FF2B5EF4-FFF2-40B4-BE49-F238E27FC236}">
-                <a16:creationId xmlns:a16="http://schemas.microsoft.com/office/drawing/2014/main" id="{E90641C5-3F2B-44B8-A163-FB6DD77A2666}"/>
-              </a:ext>
-            </a:extLst>
-          </p:cNvPr>
-          <p:cNvSpPr txBox="1"/>
-          <p:nvPr/>
-        </p:nvSpPr>
-        <p:spPr>
-          <a:xfrm>
-            <a:off x="7868444" y="3162787"/>
-            <a:ext cx="415498" cy="369332"/>
-          </a:xfrm>
-          <a:prstGeom prst="rect">
-            <a:avLst/>
-          </a:prstGeom>
-          <a:noFill/>
-        </p:spPr>
-        <p:txBody>
-          <a:bodyPr wrap="none" rtlCol="0">
-            <a:spAutoFit/>
-          </a:bodyPr>
-          <a:lstStyle/>
-          <a:p>
-            <a:r>
-              <a:rPr lang="zh-TW" altLang="en-US" dirty="0"/>
-              <a:t>是</a:t>
-            </a:r>
-          </a:p>
-        </p:txBody>
-      </p:sp>
-      <p:cxnSp>
-        <p:nvCxnSpPr>
-          <p:cNvPr id="119" name="接點: 肘形 118">
-            <a:extLst>
-              <a:ext uri="{FF2B5EF4-FFF2-40B4-BE49-F238E27FC236}">
-                <a16:creationId xmlns:a16="http://schemas.microsoft.com/office/drawing/2014/main" id="{3E99E1C6-E702-4A36-9BC5-A9EFB316F76D}"/>
-              </a:ext>
-            </a:extLst>
-          </p:cNvPr>
-          <p:cNvCxnSpPr>
-            <a:stCxn id="72" idx="2"/>
-            <a:endCxn id="69" idx="2"/>
-          </p:cNvCxnSpPr>
-          <p:nvPr/>
-        </p:nvCxnSpPr>
-        <p:spPr>
-          <a:xfrm rot="5400000" flipH="1">
-            <a:off x="5946505" y="4047825"/>
-            <a:ext cx="168683" cy="2116821"/>
-          </a:xfrm>
-          <a:prstGeom prst="bentConnector3">
-            <a:avLst>
-              <a:gd name="adj1" fmla="val -234985"/>
-            </a:avLst>
-          </a:prstGeom>
-          <a:ln>
-            <a:tailEnd type="triangle"/>
-          </a:ln>
-        </p:spPr>
-        <p:style>
-          <a:lnRef idx="1">
-            <a:schemeClr val="dk1"/>
-          </a:lnRef>
-          <a:fillRef idx="0">
-            <a:schemeClr val="dk1"/>
-          </a:fillRef>
-          <a:effectRef idx="0">
-            <a:schemeClr val="dk1"/>
-          </a:effectRef>
-          <a:fontRef idx="minor">
-            <a:schemeClr val="tx1"/>
-          </a:fontRef>
-        </p:style>
-      </p:cxnSp>
-      <p:sp>
-        <p:nvSpPr>
-          <p:cNvPr id="122" name="文字方塊 121">
-            <a:extLst>
-              <a:ext uri="{FF2B5EF4-FFF2-40B4-BE49-F238E27FC236}">
-                <a16:creationId xmlns:a16="http://schemas.microsoft.com/office/drawing/2014/main" id="{AEE49277-97C3-4788-B830-CCE3E76CA91D}"/>
-              </a:ext>
-            </a:extLst>
-          </p:cNvPr>
-          <p:cNvSpPr txBox="1"/>
-          <p:nvPr/>
-        </p:nvSpPr>
-        <p:spPr>
-          <a:xfrm>
-            <a:off x="5823097" y="5207951"/>
-            <a:ext cx="415498" cy="369332"/>
-          </a:xfrm>
-          <a:prstGeom prst="rect">
-            <a:avLst/>
-          </a:prstGeom>
-          <a:noFill/>
-        </p:spPr>
-        <p:txBody>
-          <a:bodyPr wrap="none" rtlCol="0">
-            <a:spAutoFit/>
-          </a:bodyPr>
-          <a:lstStyle/>
-          <a:p>
-            <a:r>
-              <a:rPr lang="zh-TW" altLang="en-US" dirty="0"/>
-              <a:t>否</a:t>
-            </a:r>
-          </a:p>
-        </p:txBody>
-      </p:sp>
-      <p:sp>
-        <p:nvSpPr>
-          <p:cNvPr id="123" name="文字方塊 122">
-            <a:extLst>
-              <a:ext uri="{FF2B5EF4-FFF2-40B4-BE49-F238E27FC236}">
-                <a16:creationId xmlns:a16="http://schemas.microsoft.com/office/drawing/2014/main" id="{A56FF110-301E-4E2A-8A73-1DE56E3B4084}"/>
-              </a:ext>
-            </a:extLst>
-          </p:cNvPr>
-          <p:cNvSpPr txBox="1"/>
-          <p:nvPr/>
-        </p:nvSpPr>
-        <p:spPr>
-          <a:xfrm>
-            <a:off x="7863270" y="4341035"/>
-            <a:ext cx="415498" cy="369332"/>
-          </a:xfrm>
-          <a:prstGeom prst="rect">
-            <a:avLst/>
-          </a:prstGeom>
-          <a:noFill/>
-        </p:spPr>
-        <p:txBody>
-          <a:bodyPr wrap="none" rtlCol="0">
-            <a:spAutoFit/>
-          </a:bodyPr>
-          <a:lstStyle/>
-          <a:p>
-            <a:r>
-              <a:rPr lang="zh-TW" altLang="en-US" dirty="0"/>
-              <a:t>是</a:t>
-            </a:r>
-          </a:p>
-        </p:txBody>
-      </p:sp>
-      <p:sp>
-        <p:nvSpPr>
-          <p:cNvPr id="6" name="文字方塊 5">
-            <a:extLst>
-              <a:ext uri="{FF2B5EF4-FFF2-40B4-BE49-F238E27FC236}">
-                <a16:creationId xmlns:a16="http://schemas.microsoft.com/office/drawing/2014/main" id="{0BD346F1-DDBA-4CE9-83EA-8CF959E42A2F}"/>
-              </a:ext>
-            </a:extLst>
-          </p:cNvPr>
-          <p:cNvSpPr txBox="1"/>
-          <p:nvPr/>
-        </p:nvSpPr>
-        <p:spPr>
-          <a:xfrm>
-            <a:off x="838200" y="1247637"/>
+            <a:off x="838200" y="1384585"/>
             <a:ext cx="939681" cy="369332"/>
           </a:xfrm>
           <a:prstGeom prst="rect">
@@ -11052,7 +7833,7 @@
           <a:p>
             <a:r>
               <a:rPr lang="zh-TW" altLang="en-US" dirty="0"/>
-              <a:t>第二題</a:t>
+              <a:t>第三題</a:t>
             </a:r>
             <a:r>
               <a:rPr lang="en-US" altLang="zh-TW" dirty="0"/>
@@ -11062,10 +7843,40 @@
           </a:p>
         </p:txBody>
       </p:sp>
+      <p:pic>
+        <p:nvPicPr>
+          <p:cNvPr id="2" name="圖片 1">
+            <a:extLst>
+              <a:ext uri="{FF2B5EF4-FFF2-40B4-BE49-F238E27FC236}">
+                <a16:creationId xmlns:a16="http://schemas.microsoft.com/office/drawing/2014/main" id="{4434F866-4284-4ECD-AD0C-BEAF2DA60AC0}"/>
+              </a:ext>
+            </a:extLst>
+          </p:cNvPr>
+          <p:cNvPicPr>
+            <a:picLocks noChangeAspect="1"/>
+          </p:cNvPicPr>
+          <p:nvPr/>
+        </p:nvPicPr>
+        <p:blipFill>
+          <a:blip r:embed="rId2"/>
+          <a:stretch>
+            <a:fillRect/>
+          </a:stretch>
+        </p:blipFill>
+        <p:spPr>
+          <a:xfrm>
+            <a:off x="543187" y="1968374"/>
+            <a:ext cx="11105625" cy="3889379"/>
+          </a:xfrm>
+          <a:prstGeom prst="rect">
+            <a:avLst/>
+          </a:prstGeom>
+        </p:spPr>
+      </p:pic>
     </p:spTree>
     <p:extLst>
       <p:ext uri="{BB962C8B-B14F-4D97-AF65-F5344CB8AC3E}">
-        <p14:creationId xmlns:p14="http://schemas.microsoft.com/office/powerpoint/2010/main" val="4052639141"/>
+        <p14:creationId xmlns:p14="http://schemas.microsoft.com/office/powerpoint/2010/main" val="3649308563"/>
       </p:ext>
     </p:extLst>
   </p:cSld>
@@ -11094,7 +7905,13 @@
       </p:grpSpPr>
       <p:sp>
         <p:nvSpPr>
-          <p:cNvPr id="4" name="標題 3"/>
+          <p:cNvPr id="3" name="標題 2">
+            <a:extLst>
+              <a:ext uri="{FF2B5EF4-FFF2-40B4-BE49-F238E27FC236}">
+                <a16:creationId xmlns:a16="http://schemas.microsoft.com/office/drawing/2014/main" id="{D14AA6F3-D605-4F7A-A6AA-3E80A02F0E27}"/>
+              </a:ext>
+            </a:extLst>
+          </p:cNvPr>
           <p:cNvSpPr>
             <a:spLocks noGrp="1"/>
           </p:cNvSpPr>
@@ -11104,27 +7921,21 @@
         </p:nvSpPr>
         <p:spPr/>
         <p:txBody>
-          <a:bodyPr/>
-          <a:lstStyle/>
-          <a:p>
-            <a:r>
-              <a:rPr lang="zh-TW" altLang="en-US" dirty="0"/>
-              <a:t>系統分析 </a:t>
-            </a:r>
-            <a:r>
-              <a:rPr lang="en-US" altLang="zh-TW" dirty="0"/>
-              <a:t>–</a:t>
-            </a:r>
-            <a:r>
-              <a:rPr lang="zh-TW" altLang="en-US" dirty="0"/>
-              <a:t> 時序圖 </a:t>
-            </a:r>
-            <a:r>
-              <a:rPr lang="en-US" altLang="zh-TW" dirty="0"/>
+          <a:bodyPr>
+            <a:normAutofit/>
+          </a:bodyPr>
+          <a:lstStyle/>
+          <a:p>
+            <a:r>
+              <a:rPr lang="zh-TW" altLang="en-US" sz="4000" dirty="0"/>
+              <a:t>專案架構圖 </a:t>
+            </a:r>
+            <a:r>
+              <a:rPr lang="en-US" altLang="zh-TW" sz="4000" dirty="0"/>
               <a:t>(</a:t>
             </a:r>
             <a:r>
-              <a:rPr lang="en-US" altLang="zh-TW" dirty="0">
+              <a:rPr lang="en-US" altLang="zh-TW" sz="4000" dirty="0">
                 <a:solidFill>
                   <a:srgbClr val="FF0000"/>
                 </a:solidFill>
@@ -11132,10 +7943,10 @@
                   <a:srgbClr val="FFFF00"/>
                 </a:highlight>
               </a:rPr>
-              <a:t>2024/11/19</a:t>
-            </a:r>
-            <a:r>
-              <a:rPr lang="zh-TW" altLang="en-US" dirty="0">
+              <a:t>2024/12/10</a:t>
+            </a:r>
+            <a:r>
+              <a:rPr lang="zh-TW" altLang="en-US" sz="4000" dirty="0">
                 <a:solidFill>
                   <a:srgbClr val="FF0000"/>
                 </a:solidFill>
@@ -11146,19 +7957,19 @@
               <a:t>更新</a:t>
             </a:r>
             <a:r>
-              <a:rPr lang="en-US" altLang="zh-TW" dirty="0"/>
+              <a:rPr lang="en-US" altLang="zh-TW" sz="4000" dirty="0"/>
               <a:t>)</a:t>
             </a:r>
-            <a:endParaRPr lang="zh-TW" altLang="en-US" dirty="0"/>
+            <a:endParaRPr lang="zh-TW" altLang="en-US" sz="4000" dirty="0"/>
           </a:p>
         </p:txBody>
       </p:sp>
       <p:pic>
         <p:nvPicPr>
-          <p:cNvPr id="3" name="內容版面配置區 1">
+          <p:cNvPr id="6" name="內容版面配置區 5">
             <a:extLst>
               <a:ext uri="{FF2B5EF4-FFF2-40B4-BE49-F238E27FC236}">
-                <a16:creationId xmlns:a16="http://schemas.microsoft.com/office/drawing/2014/main" id="{43644717-E0BF-490D-B7F9-0D7CCE48B73D}"/>
+                <a16:creationId xmlns:a16="http://schemas.microsoft.com/office/drawing/2014/main" id="{32E783D7-53CE-4F6F-A42A-541D02A09CB8}"/>
               </a:ext>
             </a:extLst>
           </p:cNvPr>
@@ -11177,548 +7988,18 @@
         </p:blipFill>
         <p:spPr>
           <a:xfrm>
-            <a:off x="1339568" y="1215920"/>
-            <a:ext cx="9512863" cy="1663560"/>
+            <a:off x="932729" y="2272304"/>
+            <a:ext cx="10326541" cy="2896004"/>
           </a:xfrm>
           <a:prstGeom prst="rect">
             <a:avLst/>
           </a:prstGeom>
         </p:spPr>
       </p:pic>
-      <p:sp>
-        <p:nvSpPr>
-          <p:cNvPr id="2" name="文字方塊 1">
-            <a:extLst>
-              <a:ext uri="{FF2B5EF4-FFF2-40B4-BE49-F238E27FC236}">
-                <a16:creationId xmlns:a16="http://schemas.microsoft.com/office/drawing/2014/main" id="{7A24603A-E0BF-46EE-B2F1-64DF697EFFAE}"/>
-              </a:ext>
-            </a:extLst>
-          </p:cNvPr>
-          <p:cNvSpPr txBox="1"/>
-          <p:nvPr/>
-        </p:nvSpPr>
-        <p:spPr>
-          <a:xfrm>
-            <a:off x="365959" y="1887658"/>
-            <a:ext cx="654342" cy="307777"/>
-          </a:xfrm>
-          <a:prstGeom prst="rect">
-            <a:avLst/>
-          </a:prstGeom>
-          <a:noFill/>
-        </p:spPr>
-        <p:txBody>
-          <a:bodyPr wrap="square" rtlCol="0">
-            <a:spAutoFit/>
-          </a:bodyPr>
-          <a:lstStyle/>
-          <a:p>
-            <a:r>
-              <a:rPr lang="zh-TW" altLang="en-US" sz="1400" dirty="0"/>
-              <a:t>重置</a:t>
-            </a:r>
-          </a:p>
-        </p:txBody>
-      </p:sp>
-      <p:sp>
-        <p:nvSpPr>
-          <p:cNvPr id="5" name="文字方塊 4">
-            <a:extLst>
-              <a:ext uri="{FF2B5EF4-FFF2-40B4-BE49-F238E27FC236}">
-                <a16:creationId xmlns:a16="http://schemas.microsoft.com/office/drawing/2014/main" id="{90B92C0B-06A0-431D-9C57-C144BFF8E4C3}"/>
-              </a:ext>
-            </a:extLst>
-          </p:cNvPr>
-          <p:cNvSpPr txBox="1"/>
-          <p:nvPr/>
-        </p:nvSpPr>
-        <p:spPr>
-          <a:xfrm>
-            <a:off x="-75131" y="2131003"/>
-            <a:ext cx="1082348" cy="307777"/>
-          </a:xfrm>
-          <a:prstGeom prst="rect">
-            <a:avLst/>
-          </a:prstGeom>
-          <a:noFill/>
-        </p:spPr>
-        <p:txBody>
-          <a:bodyPr wrap="none" rtlCol="0">
-            <a:spAutoFit/>
-          </a:bodyPr>
-          <a:lstStyle/>
-          <a:p>
-            <a:r>
-              <a:rPr lang="zh-TW" altLang="en-US" sz="1400" dirty="0"/>
-              <a:t>控制上下數</a:t>
-            </a:r>
-          </a:p>
-        </p:txBody>
-      </p:sp>
-      <p:pic>
-        <p:nvPicPr>
-          <p:cNvPr id="6" name="內容版面配置區 6">
-            <a:extLst>
-              <a:ext uri="{FF2B5EF4-FFF2-40B4-BE49-F238E27FC236}">
-                <a16:creationId xmlns:a16="http://schemas.microsoft.com/office/drawing/2014/main" id="{3B42CD93-1E01-484D-B4A9-6405737B7F08}"/>
-              </a:ext>
-            </a:extLst>
-          </p:cNvPr>
-          <p:cNvPicPr>
-            <a:picLocks noChangeAspect="1"/>
-          </p:cNvPicPr>
-          <p:nvPr/>
-        </p:nvPicPr>
-        <p:blipFill>
-          <a:blip r:embed="rId3">
-            <a:extLst>
-              <a:ext uri="{28A0092B-C50C-407E-A947-70E740481C1C}">
-                <a14:useLocalDpi xmlns:a14="http://schemas.microsoft.com/office/drawing/2010/main" val="0"/>
-              </a:ext>
-            </a:extLst>
-          </a:blip>
-          <a:stretch>
-            <a:fillRect/>
-          </a:stretch>
-        </p:blipFill>
-        <p:spPr>
-          <a:xfrm>
-            <a:off x="1339568" y="2936830"/>
-            <a:ext cx="9523321" cy="3083593"/>
-          </a:xfrm>
-          <a:prstGeom prst="rect">
-            <a:avLst/>
-          </a:prstGeom>
-        </p:spPr>
-      </p:pic>
-      <p:sp>
-        <p:nvSpPr>
-          <p:cNvPr id="7" name="文字方塊 6">
-            <a:extLst>
-              <a:ext uri="{FF2B5EF4-FFF2-40B4-BE49-F238E27FC236}">
-                <a16:creationId xmlns:a16="http://schemas.microsoft.com/office/drawing/2014/main" id="{4D6C0D59-64CE-4E95-A276-01FE135709D9}"/>
-              </a:ext>
-            </a:extLst>
-          </p:cNvPr>
-          <p:cNvSpPr txBox="1"/>
-          <p:nvPr/>
-        </p:nvSpPr>
-        <p:spPr>
-          <a:xfrm>
-            <a:off x="478616" y="4055807"/>
-            <a:ext cx="543739" cy="307777"/>
-          </a:xfrm>
-          <a:prstGeom prst="rect">
-            <a:avLst/>
-          </a:prstGeom>
-          <a:noFill/>
-        </p:spPr>
-        <p:txBody>
-          <a:bodyPr wrap="none" rtlCol="0">
-            <a:spAutoFit/>
-          </a:bodyPr>
-          <a:lstStyle/>
-          <a:p>
-            <a:r>
-              <a:rPr lang="zh-TW" altLang="en-US" sz="1400" dirty="0"/>
-              <a:t>下限</a:t>
-            </a:r>
-          </a:p>
-        </p:txBody>
-      </p:sp>
-      <p:sp>
-        <p:nvSpPr>
-          <p:cNvPr id="8" name="文字方塊 7">
-            <a:extLst>
-              <a:ext uri="{FF2B5EF4-FFF2-40B4-BE49-F238E27FC236}">
-                <a16:creationId xmlns:a16="http://schemas.microsoft.com/office/drawing/2014/main" id="{B54D1AF2-A67B-435E-A103-06F8E92D1D9C}"/>
-              </a:ext>
-            </a:extLst>
-          </p:cNvPr>
-          <p:cNvSpPr txBox="1"/>
-          <p:nvPr/>
-        </p:nvSpPr>
-        <p:spPr>
-          <a:xfrm>
-            <a:off x="476562" y="4324737"/>
-            <a:ext cx="543739" cy="307777"/>
-          </a:xfrm>
-          <a:prstGeom prst="rect">
-            <a:avLst/>
-          </a:prstGeom>
-          <a:noFill/>
-        </p:spPr>
-        <p:txBody>
-          <a:bodyPr wrap="none" rtlCol="0">
-            <a:spAutoFit/>
-          </a:bodyPr>
-          <a:lstStyle/>
-          <a:p>
-            <a:r>
-              <a:rPr lang="zh-TW" altLang="en-US" sz="1400" dirty="0"/>
-              <a:t>上限</a:t>
-            </a:r>
-          </a:p>
-        </p:txBody>
-      </p:sp>
-      <p:sp>
-        <p:nvSpPr>
-          <p:cNvPr id="9" name="箭號: 向左 8">
-            <a:extLst>
-              <a:ext uri="{FF2B5EF4-FFF2-40B4-BE49-F238E27FC236}">
-                <a16:creationId xmlns:a16="http://schemas.microsoft.com/office/drawing/2014/main" id="{E39832B3-8593-4713-8201-EEAB4E27600D}"/>
-              </a:ext>
-            </a:extLst>
-          </p:cNvPr>
-          <p:cNvSpPr/>
-          <p:nvPr/>
-        </p:nvSpPr>
-        <p:spPr>
-          <a:xfrm>
-            <a:off x="956344" y="4209695"/>
-            <a:ext cx="543739" cy="77287"/>
-          </a:xfrm>
-          <a:prstGeom prst="leftArrow">
-            <a:avLst/>
-          </a:prstGeom>
-        </p:spPr>
-        <p:style>
-          <a:lnRef idx="2">
-            <a:schemeClr val="accent2">
-              <a:shade val="50000"/>
-            </a:schemeClr>
-          </a:lnRef>
-          <a:fillRef idx="1">
-            <a:schemeClr val="accent2"/>
-          </a:fillRef>
-          <a:effectRef idx="0">
-            <a:schemeClr val="accent2"/>
-          </a:effectRef>
-          <a:fontRef idx="minor">
-            <a:schemeClr val="lt1"/>
-          </a:fontRef>
-        </p:style>
-        <p:txBody>
-          <a:bodyPr rtlCol="0" anchor="ctr"/>
-          <a:lstStyle/>
-          <a:p>
-            <a:pPr algn="ctr"/>
-            <a:endParaRPr lang="zh-TW" altLang="en-US"/>
-          </a:p>
-        </p:txBody>
-      </p:sp>
-      <p:sp>
-        <p:nvSpPr>
-          <p:cNvPr id="10" name="箭號: 向左 9">
-            <a:extLst>
-              <a:ext uri="{FF2B5EF4-FFF2-40B4-BE49-F238E27FC236}">
-                <a16:creationId xmlns:a16="http://schemas.microsoft.com/office/drawing/2014/main" id="{54E6EA35-C6D0-424D-A2C6-107617E5E34E}"/>
-              </a:ext>
-            </a:extLst>
-          </p:cNvPr>
-          <p:cNvSpPr/>
-          <p:nvPr/>
-        </p:nvSpPr>
-        <p:spPr>
-          <a:xfrm>
-            <a:off x="956345" y="4439981"/>
-            <a:ext cx="543739" cy="77287"/>
-          </a:xfrm>
-          <a:prstGeom prst="leftArrow">
-            <a:avLst/>
-          </a:prstGeom>
-        </p:spPr>
-        <p:style>
-          <a:lnRef idx="2">
-            <a:schemeClr val="accent2">
-              <a:shade val="50000"/>
-            </a:schemeClr>
-          </a:lnRef>
-          <a:fillRef idx="1">
-            <a:schemeClr val="accent2"/>
-          </a:fillRef>
-          <a:effectRef idx="0">
-            <a:schemeClr val="accent2"/>
-          </a:effectRef>
-          <a:fontRef idx="minor">
-            <a:schemeClr val="lt1"/>
-          </a:fontRef>
-        </p:style>
-        <p:txBody>
-          <a:bodyPr rtlCol="0" anchor="ctr"/>
-          <a:lstStyle/>
-          <a:p>
-            <a:pPr algn="ctr"/>
-            <a:endParaRPr lang="zh-TW" altLang="en-US"/>
-          </a:p>
-        </p:txBody>
-      </p:sp>
-      <p:sp>
-        <p:nvSpPr>
-          <p:cNvPr id="11" name="箭號: 向左 10">
-            <a:extLst>
-              <a:ext uri="{FF2B5EF4-FFF2-40B4-BE49-F238E27FC236}">
-                <a16:creationId xmlns:a16="http://schemas.microsoft.com/office/drawing/2014/main" id="{A934291D-BE07-4576-802A-A84766A83BDE}"/>
-              </a:ext>
-            </a:extLst>
-          </p:cNvPr>
-          <p:cNvSpPr/>
-          <p:nvPr/>
-        </p:nvSpPr>
-        <p:spPr>
-          <a:xfrm flipV="1">
-            <a:off x="922999" y="2037407"/>
-            <a:ext cx="543739" cy="77287"/>
-          </a:xfrm>
-          <a:prstGeom prst="leftArrow">
-            <a:avLst/>
-          </a:prstGeom>
-          <a:solidFill>
-            <a:srgbClr val="FF0000"/>
-          </a:solidFill>
-        </p:spPr>
-        <p:style>
-          <a:lnRef idx="2">
-            <a:schemeClr val="accent2">
-              <a:shade val="50000"/>
-            </a:schemeClr>
-          </a:lnRef>
-          <a:fillRef idx="1">
-            <a:schemeClr val="accent2"/>
-          </a:fillRef>
-          <a:effectRef idx="0">
-            <a:schemeClr val="accent2"/>
-          </a:effectRef>
-          <a:fontRef idx="minor">
-            <a:schemeClr val="lt1"/>
-          </a:fontRef>
-        </p:style>
-        <p:txBody>
-          <a:bodyPr rtlCol="0" anchor="ctr"/>
-          <a:lstStyle/>
-          <a:p>
-            <a:pPr algn="ctr"/>
-            <a:endParaRPr lang="zh-TW" altLang="en-US"/>
-          </a:p>
-        </p:txBody>
-      </p:sp>
-      <p:sp>
-        <p:nvSpPr>
-          <p:cNvPr id="12" name="箭號: 向左 11">
-            <a:extLst>
-              <a:ext uri="{FF2B5EF4-FFF2-40B4-BE49-F238E27FC236}">
-                <a16:creationId xmlns:a16="http://schemas.microsoft.com/office/drawing/2014/main" id="{9AA26C08-3279-4A21-9F7F-AFDBCF9E52AD}"/>
-              </a:ext>
-            </a:extLst>
-          </p:cNvPr>
-          <p:cNvSpPr/>
-          <p:nvPr/>
-        </p:nvSpPr>
-        <p:spPr>
-          <a:xfrm>
-            <a:off x="919363" y="2265500"/>
-            <a:ext cx="543739" cy="77287"/>
-          </a:xfrm>
-          <a:prstGeom prst="leftArrow">
-            <a:avLst/>
-          </a:prstGeom>
-          <a:solidFill>
-            <a:srgbClr val="FF0000"/>
-          </a:solidFill>
-        </p:spPr>
-        <p:style>
-          <a:lnRef idx="2">
-            <a:schemeClr val="accent2">
-              <a:shade val="50000"/>
-            </a:schemeClr>
-          </a:lnRef>
-          <a:fillRef idx="1">
-            <a:schemeClr val="accent2"/>
-          </a:fillRef>
-          <a:effectRef idx="0">
-            <a:schemeClr val="accent2"/>
-          </a:effectRef>
-          <a:fontRef idx="minor">
-            <a:schemeClr val="lt1"/>
-          </a:fontRef>
-        </p:style>
-        <p:txBody>
-          <a:bodyPr rtlCol="0" anchor="ctr"/>
-          <a:lstStyle/>
-          <a:p>
-            <a:pPr algn="ctr"/>
-            <a:endParaRPr lang="zh-TW" altLang="en-US"/>
-          </a:p>
-        </p:txBody>
-      </p:sp>
-      <p:sp>
-        <p:nvSpPr>
-          <p:cNvPr id="13" name="文字方塊 12">
-            <a:extLst>
-              <a:ext uri="{FF2B5EF4-FFF2-40B4-BE49-F238E27FC236}">
-                <a16:creationId xmlns:a16="http://schemas.microsoft.com/office/drawing/2014/main" id="{856E188E-7ADC-486D-B1CD-A12088D62D33}"/>
-              </a:ext>
-            </a:extLst>
-          </p:cNvPr>
-          <p:cNvSpPr txBox="1"/>
-          <p:nvPr/>
-        </p:nvSpPr>
-        <p:spPr>
-          <a:xfrm>
-            <a:off x="-50233" y="3838047"/>
-            <a:ext cx="1082348" cy="307777"/>
-          </a:xfrm>
-          <a:prstGeom prst="rect">
-            <a:avLst/>
-          </a:prstGeom>
-          <a:noFill/>
-        </p:spPr>
-        <p:txBody>
-          <a:bodyPr wrap="none" rtlCol="0">
-            <a:spAutoFit/>
-          </a:bodyPr>
-          <a:lstStyle/>
-          <a:p>
-            <a:r>
-              <a:rPr lang="zh-TW" altLang="en-US" sz="1400" dirty="0"/>
-              <a:t>控制上下數</a:t>
-            </a:r>
-          </a:p>
-        </p:txBody>
-      </p:sp>
-      <p:sp>
-        <p:nvSpPr>
-          <p:cNvPr id="14" name="箭號: 向左 13">
-            <a:extLst>
-              <a:ext uri="{FF2B5EF4-FFF2-40B4-BE49-F238E27FC236}">
-                <a16:creationId xmlns:a16="http://schemas.microsoft.com/office/drawing/2014/main" id="{7D4CD276-8B01-434B-BF75-CF0804352A28}"/>
-              </a:ext>
-            </a:extLst>
-          </p:cNvPr>
-          <p:cNvSpPr/>
-          <p:nvPr/>
-        </p:nvSpPr>
-        <p:spPr>
-          <a:xfrm>
-            <a:off x="971576" y="4012266"/>
-            <a:ext cx="543739" cy="77287"/>
-          </a:xfrm>
-          <a:prstGeom prst="leftArrow">
-            <a:avLst/>
-          </a:prstGeom>
-          <a:solidFill>
-            <a:srgbClr val="FF0000"/>
-          </a:solidFill>
-        </p:spPr>
-        <p:style>
-          <a:lnRef idx="2">
-            <a:schemeClr val="accent2">
-              <a:shade val="50000"/>
-            </a:schemeClr>
-          </a:lnRef>
-          <a:fillRef idx="1">
-            <a:schemeClr val="accent2"/>
-          </a:fillRef>
-          <a:effectRef idx="0">
-            <a:schemeClr val="accent2"/>
-          </a:effectRef>
-          <a:fontRef idx="minor">
-            <a:schemeClr val="lt1"/>
-          </a:fontRef>
-        </p:style>
-        <p:txBody>
-          <a:bodyPr rtlCol="0" anchor="ctr"/>
-          <a:lstStyle/>
-          <a:p>
-            <a:pPr algn="ctr"/>
-            <a:endParaRPr lang="zh-TW" altLang="en-US"/>
-          </a:p>
-        </p:txBody>
-      </p:sp>
-      <p:sp>
-        <p:nvSpPr>
-          <p:cNvPr id="15" name="文字方塊 14">
-            <a:extLst>
-              <a:ext uri="{FF2B5EF4-FFF2-40B4-BE49-F238E27FC236}">
-                <a16:creationId xmlns:a16="http://schemas.microsoft.com/office/drawing/2014/main" id="{A03C6F8C-647D-480A-A322-359AFA3519DE}"/>
-              </a:ext>
-            </a:extLst>
-          </p:cNvPr>
-          <p:cNvSpPr txBox="1"/>
-          <p:nvPr/>
-        </p:nvSpPr>
-        <p:spPr>
-          <a:xfrm>
-            <a:off x="4137" y="1132460"/>
-            <a:ext cx="973608" cy="338554"/>
-          </a:xfrm>
-          <a:prstGeom prst="rect">
-            <a:avLst/>
-          </a:prstGeom>
-          <a:noFill/>
-        </p:spPr>
-        <p:txBody>
-          <a:bodyPr wrap="square" rtlCol="0">
-            <a:spAutoFit/>
-          </a:bodyPr>
-          <a:lstStyle/>
-          <a:p>
-            <a:r>
-              <a:rPr lang="zh-TW" altLang="en-US" sz="1600" dirty="0"/>
-              <a:t>第一題</a:t>
-            </a:r>
-            <a:r>
-              <a:rPr lang="en-US" altLang="zh-TW" sz="1600" dirty="0"/>
-              <a:t>:</a:t>
-            </a:r>
-            <a:endParaRPr lang="zh-TW" altLang="en-US" sz="1600" dirty="0"/>
-          </a:p>
-        </p:txBody>
-      </p:sp>
-      <p:sp>
-        <p:nvSpPr>
-          <p:cNvPr id="16" name="文字方塊 15">
-            <a:extLst>
-              <a:ext uri="{FF2B5EF4-FFF2-40B4-BE49-F238E27FC236}">
-                <a16:creationId xmlns:a16="http://schemas.microsoft.com/office/drawing/2014/main" id="{02FAAD43-3476-44CC-8379-4BF77805790C}"/>
-              </a:ext>
-            </a:extLst>
-          </p:cNvPr>
-          <p:cNvSpPr txBox="1"/>
-          <p:nvPr/>
-        </p:nvSpPr>
-        <p:spPr>
-          <a:xfrm>
-            <a:off x="33609" y="2907478"/>
-            <a:ext cx="973608" cy="338554"/>
-          </a:xfrm>
-          <a:prstGeom prst="rect">
-            <a:avLst/>
-          </a:prstGeom>
-          <a:noFill/>
-        </p:spPr>
-        <p:txBody>
-          <a:bodyPr wrap="square" rtlCol="0">
-            <a:spAutoFit/>
-          </a:bodyPr>
-          <a:lstStyle/>
-          <a:p>
-            <a:r>
-              <a:rPr lang="zh-TW" altLang="en-US" sz="1600" dirty="0"/>
-              <a:t>第二題</a:t>
-            </a:r>
-            <a:r>
-              <a:rPr lang="en-US" altLang="zh-TW" sz="1600" dirty="0"/>
-              <a:t>:</a:t>
-            </a:r>
-            <a:endParaRPr lang="zh-TW" altLang="en-US" sz="1600" dirty="0"/>
-          </a:p>
-        </p:txBody>
-      </p:sp>
     </p:spTree>
     <p:extLst>
       <p:ext uri="{BB962C8B-B14F-4D97-AF65-F5344CB8AC3E}">
-        <p14:creationId xmlns:p14="http://schemas.microsoft.com/office/powerpoint/2010/main" val="3649308563"/>
+        <p14:creationId xmlns:p14="http://schemas.microsoft.com/office/powerpoint/2010/main" val="2890924594"/>
       </p:ext>
     </p:extLst>
   </p:cSld>

--- a/專案進度報告.pptx
+++ b/專案進度報告.pptx
@@ -305,7 +305,7 @@
               <a:rPr lang="zh-TW" altLang="en-US" smtClean="0">
                 <a:ea typeface="標楷體" panose="03000509000000000000" pitchFamily="65" charset="-120"/>
               </a:rPr>
-              <a:t>2024/12/12</a:t>
+              <a:t>2024/12/13</a:t>
             </a:fld>
             <a:endParaRPr lang="zh-TW" altLang="en-US" dirty="0">
               <a:ea typeface="標楷體" panose="03000509000000000000" pitchFamily="65" charset="-120"/>
@@ -5407,46 +5407,6 @@
       </p:sp>
       <p:sp>
         <p:nvSpPr>
-          <p:cNvPr id="5" name="文字方塊 4">
-            <a:extLst>
-              <a:ext uri="{FF2B5EF4-FFF2-40B4-BE49-F238E27FC236}">
-                <a16:creationId xmlns:a16="http://schemas.microsoft.com/office/drawing/2014/main" id="{59D5B17D-244D-48B3-82E5-FB5DF6E5722A}"/>
-              </a:ext>
-            </a:extLst>
-          </p:cNvPr>
-          <p:cNvSpPr txBox="1"/>
-          <p:nvPr/>
-        </p:nvSpPr>
-        <p:spPr>
-          <a:xfrm>
-            <a:off x="5848976" y="5412148"/>
-            <a:ext cx="494046" cy="338554"/>
-          </a:xfrm>
-          <a:prstGeom prst="rect">
-            <a:avLst/>
-          </a:prstGeom>
-          <a:noFill/>
-        </p:spPr>
-        <p:txBody>
-          <a:bodyPr wrap="none" rtlCol="0">
-            <a:spAutoFit/>
-          </a:bodyPr>
-          <a:lstStyle/>
-          <a:p>
-            <a:r>
-              <a:rPr lang="zh-TW" altLang="en-US" sz="1600" dirty="0"/>
-              <a:t>圖</a:t>
-            </a:r>
-            <a:r>
-              <a:rPr lang="en-US" altLang="zh-TW" sz="1600" dirty="0"/>
-              <a:t>1</a:t>
-            </a:r>
-            <a:endParaRPr lang="zh-TW" altLang="en-US" sz="1600" dirty="0"/>
-          </a:p>
-        </p:txBody>
-      </p:sp>
-      <p:sp>
-        <p:nvSpPr>
           <p:cNvPr id="7" name="內容版面配置區 6">
             <a:extLst>
               <a:ext uri="{FF2B5EF4-FFF2-40B4-BE49-F238E27FC236}">
@@ -5468,8 +5428,21 @@
           <a:p>
             <a:r>
               <a:rPr lang="zh-TW" altLang="en-US" dirty="0"/>
-              <a:t>無</a:t>
-            </a:r>
+              <a:t>不知道如何在</a:t>
+            </a:r>
+            <a:r>
+              <a:rPr lang="en-US" altLang="zh-TW" dirty="0"/>
+              <a:t>FSM</a:t>
+            </a:r>
+            <a:r>
+              <a:rPr lang="zh-TW" altLang="en-US" dirty="0"/>
+              <a:t>裡面切換</a:t>
+            </a:r>
+            <a:r>
+              <a:rPr lang="en-US" altLang="zh-TW" dirty="0"/>
+              <a:t>count1,count2</a:t>
+            </a:r>
+            <a:endParaRPr lang="zh-TW" altLang="en-US" dirty="0"/>
           </a:p>
         </p:txBody>
       </p:sp>
@@ -7845,10 +7818,10 @@
       </p:sp>
       <p:pic>
         <p:nvPicPr>
-          <p:cNvPr id="2" name="圖片 1">
+          <p:cNvPr id="3" name="圖片 2">
             <a:extLst>
               <a:ext uri="{FF2B5EF4-FFF2-40B4-BE49-F238E27FC236}">
-                <a16:creationId xmlns:a16="http://schemas.microsoft.com/office/drawing/2014/main" id="{4434F866-4284-4ECD-AD0C-BEAF2DA60AC0}"/>
+                <a16:creationId xmlns:a16="http://schemas.microsoft.com/office/drawing/2014/main" id="{0524B51C-D399-47F5-9BD9-5E7CAE63B3B8}"/>
               </a:ext>
             </a:extLst>
           </p:cNvPr>
@@ -7865,8 +7838,8 @@
         </p:blipFill>
         <p:spPr>
           <a:xfrm>
-            <a:off x="543187" y="1968374"/>
-            <a:ext cx="11105625" cy="3889379"/>
+            <a:off x="742203" y="1906216"/>
+            <a:ext cx="10707594" cy="3867690"/>
           </a:xfrm>
           <a:prstGeom prst="rect">
             <a:avLst/>
